--- a/Аннотация к работе.pptx
+++ b/Аннотация к работе.pptx
@@ -1,29 +1,32 @@
 
 <file path=ppt/presentation.xml><?xml version="1.0" encoding="utf-8"?>
-<p:presentation xmlns:a="http://schemas.openxmlformats.org/drawingml/2006/main" xmlns:r="http://schemas.openxmlformats.org/officeDocument/2006/relationships" xmlns:p="http://schemas.openxmlformats.org/presentationml/2006/main" saveSubsetFonts="1">
+<p:presentation xmlns:p="http://schemas.openxmlformats.org/presentationml/2006/main" xmlns:r="http://schemas.openxmlformats.org/officeDocument/2006/relationships" xmlns:a="http://schemas.openxmlformats.org/drawingml/2006/main" saveSubsetFonts="1">
   <p:sldMasterIdLst>
-    <p:sldMasterId id="2147483660" r:id="rId1"/>
+    <p:sldMasterId id="2147483648" r:id="rId1"/>
   </p:sldMasterIdLst>
+  <p:notesMasterIdLst>
+    <p:notesMasterId r:id="rId2"/>
+  </p:notesMasterIdLst>
   <p:sldIdLst>
-    <p:sldId id="256" r:id="rId2"/>
-    <p:sldId id="257" r:id="rId3"/>
-    <p:sldId id="258" r:id="rId4"/>
-    <p:sldId id="259" r:id="rId5"/>
-    <p:sldId id="260" r:id="rId6"/>
-    <p:sldId id="262" r:id="rId7"/>
-    <p:sldId id="263" r:id="rId8"/>
-    <p:sldId id="261" r:id="rId9"/>
-    <p:sldId id="266" r:id="rId10"/>
-    <p:sldId id="265" r:id="rId11"/>
-    <p:sldId id="264" r:id="rId12"/>
+    <p:sldId id="256" r:id="rId3"/>
+    <p:sldId id="257" r:id="rId4"/>
+    <p:sldId id="258" r:id="rId5"/>
+    <p:sldId id="259" r:id="rId6"/>
+    <p:sldId id="260" r:id="rId7"/>
+    <p:sldId id="261" r:id="rId8"/>
+    <p:sldId id="262" r:id="rId9"/>
+    <p:sldId id="263" r:id="rId10"/>
+    <p:sldId id="264" r:id="rId11"/>
+    <p:sldId id="265" r:id="rId12"/>
+    <p:sldId id="266" r:id="rId13"/>
   </p:sldIdLst>
-  <p:sldSz cx="12192000" cy="6858000"/>
+  <p:sldSz type="screen16x9" cy="6858000" cx="12192000"/>
   <p:notesSz cx="6858000" cy="9144000"/>
   <p:defaultTextStyle>
     <a:defPPr>
       <a:defRPr lang="ru-RU"/>
     </a:defPPr>
-    <a:lvl1pPr marL="0" algn="l" defTabSz="914400" rtl="0" eaLnBrk="1" latinLnBrk="0" hangingPunct="1">
+    <a:lvl1pPr algn="l" defTabSz="914400" eaLnBrk="1" hangingPunct="1" latinLnBrk="0" marL="0" rtl="0">
       <a:defRPr sz="1800" kern="1200">
         <a:solidFill>
           <a:schemeClr val="tx1"/>
@@ -33,7 +36,7 @@
         <a:cs typeface="+mn-cs"/>
       </a:defRPr>
     </a:lvl1pPr>
-    <a:lvl2pPr marL="457200" algn="l" defTabSz="914400" rtl="0" eaLnBrk="1" latinLnBrk="0" hangingPunct="1">
+    <a:lvl2pPr algn="l" defTabSz="914400" eaLnBrk="1" hangingPunct="1" latinLnBrk="0" marL="457200" rtl="0">
       <a:defRPr sz="1800" kern="1200">
         <a:solidFill>
           <a:schemeClr val="tx1"/>
@@ -43,7 +46,7 @@
         <a:cs typeface="+mn-cs"/>
       </a:defRPr>
     </a:lvl2pPr>
-    <a:lvl3pPr marL="914400" algn="l" defTabSz="914400" rtl="0" eaLnBrk="1" latinLnBrk="0" hangingPunct="1">
+    <a:lvl3pPr algn="l" defTabSz="914400" eaLnBrk="1" hangingPunct="1" latinLnBrk="0" marL="914400" rtl="0">
       <a:defRPr sz="1800" kern="1200">
         <a:solidFill>
           <a:schemeClr val="tx1"/>
@@ -53,7 +56,7 @@
         <a:cs typeface="+mn-cs"/>
       </a:defRPr>
     </a:lvl3pPr>
-    <a:lvl4pPr marL="1371600" algn="l" defTabSz="914400" rtl="0" eaLnBrk="1" latinLnBrk="0" hangingPunct="1">
+    <a:lvl4pPr algn="l" defTabSz="914400" eaLnBrk="1" hangingPunct="1" latinLnBrk="0" marL="1371600" rtl="0">
       <a:defRPr sz="1800" kern="1200">
         <a:solidFill>
           <a:schemeClr val="tx1"/>
@@ -63,7 +66,7 @@
         <a:cs typeface="+mn-cs"/>
       </a:defRPr>
     </a:lvl4pPr>
-    <a:lvl5pPr marL="1828800" algn="l" defTabSz="914400" rtl="0" eaLnBrk="1" latinLnBrk="0" hangingPunct="1">
+    <a:lvl5pPr algn="l" defTabSz="914400" eaLnBrk="1" hangingPunct="1" latinLnBrk="0" marL="1828800" rtl="0">
       <a:defRPr sz="1800" kern="1200">
         <a:solidFill>
           <a:schemeClr val="tx1"/>
@@ -73,7 +76,7 @@
         <a:cs typeface="+mn-cs"/>
       </a:defRPr>
     </a:lvl5pPr>
-    <a:lvl6pPr marL="2286000" algn="l" defTabSz="914400" rtl="0" eaLnBrk="1" latinLnBrk="0" hangingPunct="1">
+    <a:lvl6pPr algn="l" defTabSz="914400" eaLnBrk="1" hangingPunct="1" latinLnBrk="0" marL="2286000" rtl="0">
       <a:defRPr sz="1800" kern="1200">
         <a:solidFill>
           <a:schemeClr val="tx1"/>
@@ -83,7 +86,7 @@
         <a:cs typeface="+mn-cs"/>
       </a:defRPr>
     </a:lvl6pPr>
-    <a:lvl7pPr marL="2743200" algn="l" defTabSz="914400" rtl="0" eaLnBrk="1" latinLnBrk="0" hangingPunct="1">
+    <a:lvl7pPr algn="l" defTabSz="914400" eaLnBrk="1" hangingPunct="1" latinLnBrk="0" marL="2743200" rtl="0">
       <a:defRPr sz="1800" kern="1200">
         <a:solidFill>
           <a:schemeClr val="tx1"/>
@@ -93,7 +96,7 @@
         <a:cs typeface="+mn-cs"/>
       </a:defRPr>
     </a:lvl7pPr>
-    <a:lvl8pPr marL="3200400" algn="l" defTabSz="914400" rtl="0" eaLnBrk="1" latinLnBrk="0" hangingPunct="1">
+    <a:lvl8pPr algn="l" defTabSz="914400" eaLnBrk="1" hangingPunct="1" latinLnBrk="0" marL="3200400" rtl="0">
       <a:defRPr sz="1800" kern="1200">
         <a:solidFill>
           <a:schemeClr val="tx1"/>
@@ -103,7 +106,7 @@
         <a:cs typeface="+mn-cs"/>
       </a:defRPr>
     </a:lvl8pPr>
-    <a:lvl9pPr marL="3657600" algn="l" defTabSz="914400" rtl="0" eaLnBrk="1" latinLnBrk="0" hangingPunct="1">
+    <a:lvl9pPr algn="l" defTabSz="914400" eaLnBrk="1" hangingPunct="1" latinLnBrk="0" marL="3657600" rtl="0">
       <a:defRPr sz="1800" kern="1200">
         <a:solidFill>
           <a:schemeClr val="tx1"/>
@@ -117,12 +120,19 @@
 </p:presentation>
 </file>
 
-<file path=ppt/slideLayouts/slideLayout1.xml><?xml version="1.0" encoding="utf-8"?>
-<p:sldLayout xmlns:a="http://schemas.openxmlformats.org/drawingml/2006/main" xmlns:r="http://schemas.openxmlformats.org/officeDocument/2006/relationships" xmlns:p="http://schemas.openxmlformats.org/presentationml/2006/main" type="title" preserve="1">
-  <p:cSld name="Титульный слайд">
+<file path=ppt/notesMasters/notesMaster1.xml><?xml version="1.0" encoding="utf-8"?>
+<p:notesMaster xmlns:a="http://schemas.openxmlformats.org/drawingml/2006/main" xmlns:r="http://schemas.openxmlformats.org/officeDocument/2006/relationships" xmlns:p="http://schemas.openxmlformats.org/presentationml/2006/main">
+  <p:cSld>
+    <p:bg>
+      <p:bgPr>
+        <a:solidFill>
+          <a:schemeClr val="bg1"/>
+        </a:solidFill>
+      </p:bgPr>
+    </p:bg>
     <p:spTree>
       <p:nvGrpSpPr>
-        <p:cNvPr id="1" name=""/>
+        <p:cNvPr id="59" name=""/>
         <p:cNvGrpSpPr/>
         <p:nvPr/>
       </p:nvGrpSpPr>
@@ -136,7 +146,406 @@
       </p:grpSpPr>
       <p:sp>
         <p:nvSpPr>
-          <p:cNvPr id="2" name="Title 1"/>
+          <p:cNvPr id="1048701" name="Rectangle 2"/>
+          <p:cNvSpPr>
+            <a:spLocks noGrp="1" noChangeArrowheads="1"/>
+          </p:cNvSpPr>
+          <p:nvPr>
+            <p:ph type="hdr" sz="quarter"/>
+          </p:nvPr>
+        </p:nvSpPr>
+        <p:spPr bwMode="auto">
+          <a:xfrm>
+            <a:off x="2" y="1"/>
+            <a:ext cx="3076575" cy="512763"/>
+          </a:xfrm>
+          <a:prstGeom prst="rect"/>
+          <a:noFill/>
+          <a:ln w="9525">
+            <a:noFill/>
+            <a:miter lim="800000"/>
+            <a:headEnd/>
+            <a:tailEnd/>
+          </a:ln>
+          <a:effectLst/>
+        </p:spPr>
+        <p:txBody>
+          <a:bodyPr anchor="t" anchorCtr="0" bIns="45745" compatLnSpc="1" lIns="91492" numCol="1" rIns="91492" tIns="45745" vert="horz" wrap="square">
+            <a:prstTxWarp prst="textNoShape"/>
+          </a:bodyPr>
+          <a:lstStyle>
+            <a:lvl1pPr algn="l">
+              <a:defRPr sz="1100"/>
+            </a:lvl1pPr>
+          </a:lstStyle>
+          <a:p>
+            <a:endParaRPr lang="en-US"/>
+          </a:p>
+        </p:txBody>
+      </p:sp>
+      <p:sp>
+        <p:nvSpPr>
+          <p:cNvPr id="1048702" name="Rectangle 3"/>
+          <p:cNvSpPr>
+            <a:spLocks noGrp="1" noChangeArrowheads="1"/>
+          </p:cNvSpPr>
+          <p:nvPr>
+            <p:ph type="dt" idx="1"/>
+          </p:nvPr>
+        </p:nvSpPr>
+        <p:spPr bwMode="auto">
+          <a:xfrm>
+            <a:off x="4021139" y="1"/>
+            <a:ext cx="3076575" cy="512763"/>
+          </a:xfrm>
+          <a:prstGeom prst="rect"/>
+          <a:noFill/>
+          <a:ln w="9525">
+            <a:noFill/>
+            <a:miter lim="800000"/>
+            <a:headEnd/>
+            <a:tailEnd/>
+          </a:ln>
+          <a:effectLst/>
+        </p:spPr>
+        <p:txBody>
+          <a:bodyPr anchor="t" anchorCtr="0" bIns="45745" compatLnSpc="1" lIns="91492" numCol="1" rIns="91492" tIns="45745" vert="horz" wrap="square">
+            <a:prstTxWarp prst="textNoShape"/>
+          </a:bodyPr>
+          <a:lstStyle>
+            <a:lvl1pPr algn="r">
+              <a:defRPr sz="1100"/>
+            </a:lvl1pPr>
+          </a:lstStyle>
+          <a:p>
+            <a:endParaRPr lang="en-US"/>
+          </a:p>
+        </p:txBody>
+      </p:sp>
+      <p:sp>
+        <p:nvSpPr>
+          <p:cNvPr id="1048703" name="Rectangle 4"/>
+          <p:cNvSpPr>
+            <a:spLocks noChangeAspect="1" noRot="1" noGrp="1" noChangeArrowheads="1" noTextEdit="1"/>
+          </p:cNvSpPr>
+          <p:nvPr>
+            <p:ph type="sldImg" idx="2"/>
+          </p:nvPr>
+        </p:nvSpPr>
+        <p:spPr bwMode="auto">
+          <a:xfrm>
+            <a:off x="990600" y="766763"/>
+            <a:ext cx="5118100" cy="3838575"/>
+          </a:xfrm>
+          <a:prstGeom prst="rect"/>
+          <a:noFill/>
+          <a:ln w="9525">
+            <a:solidFill>
+              <a:srgbClr val="000000"/>
+            </a:solidFill>
+            <a:miter lim="800000"/>
+            <a:headEnd/>
+            <a:tailEnd/>
+          </a:ln>
+          <a:effectLst/>
+        </p:spPr>
+      </p:sp>
+      <p:sp>
+        <p:nvSpPr>
+          <p:cNvPr id="1048704" name="Rectangle 5"/>
+          <p:cNvSpPr>
+            <a:spLocks noGrp="1" noChangeArrowheads="1"/>
+          </p:cNvSpPr>
+          <p:nvPr>
+            <p:ph type="body" sz="quarter" idx="3"/>
+          </p:nvPr>
+        </p:nvSpPr>
+        <p:spPr bwMode="auto">
+          <a:xfrm>
+            <a:off x="709614" y="4862514"/>
+            <a:ext cx="5680075" cy="4605337"/>
+          </a:xfrm>
+          <a:prstGeom prst="rect"/>
+          <a:noFill/>
+          <a:ln w="9525">
+            <a:noFill/>
+            <a:miter lim="800000"/>
+            <a:headEnd/>
+            <a:tailEnd/>
+          </a:ln>
+          <a:effectLst/>
+        </p:spPr>
+        <p:txBody>
+          <a:bodyPr anchor="t" anchorCtr="0" bIns="45745" compatLnSpc="1" lIns="91492" numCol="1" rIns="91492" tIns="45745" vert="horz" wrap="square">
+            <a:prstTxWarp prst="textNoShape"/>
+          </a:bodyPr>
+          <a:p>
+            <a:pPr lvl="0"/>
+            <a:r>
+              <a:rPr lang="en-US" smtClean="0"/>
+              <a:t>Click to edit Master text styles</a:t>
+            </a:r>
+          </a:p>
+          <a:p>
+            <a:pPr lvl="1"/>
+            <a:r>
+              <a:rPr lang="en-US" smtClean="0"/>
+              <a:t>Second level</a:t>
+            </a:r>
+          </a:p>
+          <a:p>
+            <a:pPr lvl="2"/>
+            <a:r>
+              <a:rPr lang="en-US" smtClean="0"/>
+              <a:t>Third level</a:t>
+            </a:r>
+          </a:p>
+          <a:p>
+            <a:pPr lvl="3"/>
+            <a:r>
+              <a:rPr lang="en-US" smtClean="0"/>
+              <a:t>Fourth level</a:t>
+            </a:r>
+          </a:p>
+          <a:p>
+            <a:pPr lvl="4"/>
+            <a:r>
+              <a:rPr lang="en-US" smtClean="0"/>
+              <a:t>Fifth level</a:t>
+            </a:r>
+          </a:p>
+        </p:txBody>
+      </p:sp>
+      <p:sp>
+        <p:nvSpPr>
+          <p:cNvPr id="1048705" name="Rectangle 6"/>
+          <p:cNvSpPr>
+            <a:spLocks noGrp="1" noChangeArrowheads="1"/>
+          </p:cNvSpPr>
+          <p:nvPr>
+            <p:ph type="ftr" sz="quarter" idx="4"/>
+          </p:nvPr>
+        </p:nvSpPr>
+        <p:spPr bwMode="auto">
+          <a:xfrm>
+            <a:off x="2" y="9720264"/>
+            <a:ext cx="3076575" cy="512762"/>
+          </a:xfrm>
+          <a:prstGeom prst="rect"/>
+          <a:noFill/>
+          <a:ln w="9525">
+            <a:noFill/>
+            <a:miter lim="800000"/>
+            <a:headEnd/>
+            <a:tailEnd/>
+          </a:ln>
+          <a:effectLst/>
+        </p:spPr>
+        <p:txBody>
+          <a:bodyPr anchor="b" anchorCtr="0" bIns="45745" compatLnSpc="1" lIns="91492" numCol="1" rIns="91492" tIns="45745" vert="horz" wrap="square">
+            <a:prstTxWarp prst="textNoShape"/>
+          </a:bodyPr>
+          <a:lstStyle>
+            <a:lvl1pPr algn="l">
+              <a:defRPr sz="1100"/>
+            </a:lvl1pPr>
+          </a:lstStyle>
+          <a:p>
+            <a:endParaRPr lang="en-US"/>
+          </a:p>
+        </p:txBody>
+      </p:sp>
+      <p:sp>
+        <p:nvSpPr>
+          <p:cNvPr id="1048706" name="Rectangle 7"/>
+          <p:cNvSpPr>
+            <a:spLocks noGrp="1" noChangeArrowheads="1"/>
+          </p:cNvSpPr>
+          <p:nvPr>
+            <p:ph type="sldNum" sz="quarter" idx="5"/>
+          </p:nvPr>
+        </p:nvSpPr>
+        <p:spPr bwMode="auto">
+          <a:xfrm>
+            <a:off x="4021139" y="9720264"/>
+            <a:ext cx="3076575" cy="512762"/>
+          </a:xfrm>
+          <a:prstGeom prst="rect"/>
+          <a:noFill/>
+          <a:ln w="9525">
+            <a:noFill/>
+            <a:miter lim="800000"/>
+            <a:headEnd/>
+            <a:tailEnd/>
+          </a:ln>
+          <a:effectLst/>
+        </p:spPr>
+        <p:txBody>
+          <a:bodyPr anchor="b" anchorCtr="0" bIns="45745" compatLnSpc="1" lIns="91492" numCol="1" rIns="91492" tIns="45745" vert="horz" wrap="square">
+            <a:prstTxWarp prst="textNoShape"/>
+          </a:bodyPr>
+          <a:lstStyle>
+            <a:lvl1pPr algn="r">
+              <a:defRPr sz="1100"/>
+            </a:lvl1pPr>
+          </a:lstStyle>
+          <a:p>
+            <a:fld id="{A9A0EA98-5831-4853-B862-C702E6EB345C}" type="slidenum">
+              <a:rPr lang="en-US"/>
+              <a:t>‹#›</a:t>
+            </a:fld>
+            <a:endParaRPr lang="en-US"/>
+          </a:p>
+        </p:txBody>
+      </p:sp>
+    </p:spTree>
+  </p:cSld>
+  <p:clrMap accent1="accent1" accent2="accent2" accent3="accent3" accent4="accent4" accent5="accent5" accent6="accent6" bg1="lt1" bg2="lt2" tx1="dk1" tx2="dk2" hlink="hlink" folHlink="folHlink"/>
+  <p:notesStyle>
+    <a:lvl1pPr algn="l" fontAlgn="base" rtl="0">
+      <a:spcBef>
+        <a:spcPct val="30000"/>
+      </a:spcBef>
+      <a:spcAft>
+        <a:spcPct val="0"/>
+      </a:spcAft>
+      <a:defRPr sz="1200" kern="1200">
+        <a:solidFill>
+          <a:schemeClr val="tx1"/>
+        </a:solidFill>
+        <a:latin typeface="Arial" charset="0"/>
+        <a:ea typeface="+mn-ea"/>
+        <a:cs typeface="+mn-cs"/>
+      </a:defRPr>
+    </a:lvl1pPr>
+    <a:lvl2pPr algn="l" fontAlgn="base" marL="457200" rtl="0">
+      <a:spcBef>
+        <a:spcPct val="30000"/>
+      </a:spcBef>
+      <a:spcAft>
+        <a:spcPct val="0"/>
+      </a:spcAft>
+      <a:defRPr sz="1200" kern="1200">
+        <a:solidFill>
+          <a:schemeClr val="tx1"/>
+        </a:solidFill>
+        <a:latin typeface="Arial" charset="0"/>
+        <a:ea typeface="+mn-ea"/>
+        <a:cs typeface="+mn-cs"/>
+      </a:defRPr>
+    </a:lvl2pPr>
+    <a:lvl3pPr algn="l" fontAlgn="base" marL="914400" rtl="0">
+      <a:spcBef>
+        <a:spcPct val="30000"/>
+      </a:spcBef>
+      <a:spcAft>
+        <a:spcPct val="0"/>
+      </a:spcAft>
+      <a:defRPr sz="1200" kern="1200">
+        <a:solidFill>
+          <a:schemeClr val="tx1"/>
+        </a:solidFill>
+        <a:latin typeface="Arial" charset="0"/>
+        <a:ea typeface="+mn-ea"/>
+        <a:cs typeface="+mn-cs"/>
+      </a:defRPr>
+    </a:lvl3pPr>
+    <a:lvl4pPr algn="l" fontAlgn="base" marL="1371600" rtl="0">
+      <a:spcBef>
+        <a:spcPct val="30000"/>
+      </a:spcBef>
+      <a:spcAft>
+        <a:spcPct val="0"/>
+      </a:spcAft>
+      <a:defRPr sz="1200" kern="1200">
+        <a:solidFill>
+          <a:schemeClr val="tx1"/>
+        </a:solidFill>
+        <a:latin typeface="Arial" charset="0"/>
+        <a:ea typeface="+mn-ea"/>
+        <a:cs typeface="+mn-cs"/>
+      </a:defRPr>
+    </a:lvl4pPr>
+    <a:lvl5pPr algn="l" fontAlgn="base" marL="1828800" rtl="0">
+      <a:spcBef>
+        <a:spcPct val="30000"/>
+      </a:spcBef>
+      <a:spcAft>
+        <a:spcPct val="0"/>
+      </a:spcAft>
+      <a:defRPr sz="1200" kern="1200">
+        <a:solidFill>
+          <a:schemeClr val="tx1"/>
+        </a:solidFill>
+        <a:latin typeface="Arial" charset="0"/>
+        <a:ea typeface="+mn-ea"/>
+        <a:cs typeface="+mn-cs"/>
+      </a:defRPr>
+    </a:lvl5pPr>
+    <a:lvl6pPr algn="l" defTabSz="914400" eaLnBrk="1" hangingPunct="1" latinLnBrk="0" marL="2286000" rtl="0">
+      <a:defRPr sz="1200" kern="1200">
+        <a:solidFill>
+          <a:schemeClr val="tx1"/>
+        </a:solidFill>
+        <a:latin typeface="+mn-lt"/>
+        <a:ea typeface="+mn-ea"/>
+        <a:cs typeface="+mn-cs"/>
+      </a:defRPr>
+    </a:lvl6pPr>
+    <a:lvl7pPr algn="l" defTabSz="914400" eaLnBrk="1" hangingPunct="1" latinLnBrk="0" marL="2743200" rtl="0">
+      <a:defRPr sz="1200" kern="1200">
+        <a:solidFill>
+          <a:schemeClr val="tx1"/>
+        </a:solidFill>
+        <a:latin typeface="+mn-lt"/>
+        <a:ea typeface="+mn-ea"/>
+        <a:cs typeface="+mn-cs"/>
+      </a:defRPr>
+    </a:lvl7pPr>
+    <a:lvl8pPr algn="l" defTabSz="914400" eaLnBrk="1" hangingPunct="1" latinLnBrk="0" marL="3200400" rtl="0">
+      <a:defRPr sz="1200" kern="1200">
+        <a:solidFill>
+          <a:schemeClr val="tx1"/>
+        </a:solidFill>
+        <a:latin typeface="+mn-lt"/>
+        <a:ea typeface="+mn-ea"/>
+        <a:cs typeface="+mn-cs"/>
+      </a:defRPr>
+    </a:lvl8pPr>
+    <a:lvl9pPr algn="l" defTabSz="914400" eaLnBrk="1" hangingPunct="1" latinLnBrk="0" marL="3657600" rtl="0">
+      <a:defRPr sz="1200" kern="1200">
+        <a:solidFill>
+          <a:schemeClr val="tx1"/>
+        </a:solidFill>
+        <a:latin typeface="+mn-lt"/>
+        <a:ea typeface="+mn-ea"/>
+        <a:cs typeface="+mn-cs"/>
+      </a:defRPr>
+    </a:lvl9pPr>
+  </p:notesStyle>
+</p:notesMaster>
+</file>
+
+<file path=ppt/slideLayouts/slideLayout1.xml><?xml version="1.0" encoding="utf-8"?>
+<p:sldLayout xmlns:a="http://schemas.openxmlformats.org/drawingml/2006/main" xmlns:r="http://schemas.openxmlformats.org/officeDocument/2006/relationships" xmlns:p="http://schemas.openxmlformats.org/presentationml/2006/main" preserve="1" type="title">
+  <p:cSld name="Титульный слайд">
+    <p:spTree>
+      <p:nvGrpSpPr>
+        <p:cNvPr id="54" name=""/>
+        <p:cNvGrpSpPr/>
+        <p:nvPr/>
+      </p:nvGrpSpPr>
+      <p:grpSpPr>
+        <a:xfrm>
+          <a:off x="0" y="0"/>
+          <a:ext cx="0" cy="0"/>
+          <a:chOff x="0" y="0"/>
+          <a:chExt cx="0" cy="0"/>
+        </a:xfrm>
+      </p:grpSpPr>
+      <p:sp>
+        <p:nvSpPr>
+          <p:cNvPr id="1048676" name="Title 1"/>
           <p:cNvSpPr>
             <a:spLocks noGrp="1"/>
           </p:cNvSpPr>
@@ -165,7 +574,7 @@
                       <a:alpha val="50000"/>
                     </a:schemeClr>
                   </a:glow>
-                  <a:outerShdw blurRad="28575" dist="31750" dir="13200000" algn="tl" rotWithShape="0">
+                  <a:outerShdw algn="tl" blurRad="28575" dir="13200000" dist="31750" rotWithShape="0">
                     <a:srgbClr val="000000">
                       <a:alpha val="25000"/>
                     </a:srgbClr>
@@ -179,13 +588,13 @@
               <a:rPr lang="ru-RU" smtClean="0"/>
               <a:t>Образец заголовка</a:t>
             </a:r>
-            <a:endParaRPr lang="en-US" dirty="0"/>
-          </a:p>
-        </p:txBody>
-      </p:sp>
-      <p:sp>
-        <p:nvSpPr>
-          <p:cNvPr id="3" name="Subtitle 2"/>
+            <a:endParaRPr dirty="0" lang="en-US"/>
+          </a:p>
+        </p:txBody>
+      </p:sp>
+      <p:sp>
+        <p:nvSpPr>
+          <p:cNvPr id="1048677" name="Subtitle 2"/>
           <p:cNvSpPr>
             <a:spLocks noGrp="1"/>
           </p:cNvSpPr>
@@ -204,7 +613,7 @@
             <a:normAutofit/>
           </a:bodyPr>
           <a:lstStyle>
-            <a:lvl1pPr marL="0" indent="0" algn="ctr">
+            <a:lvl1pPr algn="ctr" indent="0" marL="0">
               <a:buNone/>
               <a:defRPr sz="2100">
                 <a:gradFill flip="none" rotWithShape="1">
@@ -219,11 +628,10 @@
                     </a:gs>
                   </a:gsLst>
                   <a:lin ang="5400000" scaled="0"/>
-                  <a:tileRect/>
                 </a:gradFill>
               </a:defRPr>
             </a:lvl1pPr>
-            <a:lvl2pPr marL="457200" indent="0" algn="ctr">
+            <a:lvl2pPr algn="ctr" indent="0" marL="457200">
               <a:buNone/>
               <a:defRPr>
                 <a:solidFill>
@@ -233,7 +641,7 @@
                 </a:solidFill>
               </a:defRPr>
             </a:lvl2pPr>
-            <a:lvl3pPr marL="914400" indent="0" algn="ctr">
+            <a:lvl3pPr algn="ctr" indent="0" marL="914400">
               <a:buNone/>
               <a:defRPr>
                 <a:solidFill>
@@ -243,7 +651,7 @@
                 </a:solidFill>
               </a:defRPr>
             </a:lvl3pPr>
-            <a:lvl4pPr marL="1371600" indent="0" algn="ctr">
+            <a:lvl4pPr algn="ctr" indent="0" marL="1371600">
               <a:buNone/>
               <a:defRPr>
                 <a:solidFill>
@@ -253,7 +661,7 @@
                 </a:solidFill>
               </a:defRPr>
             </a:lvl4pPr>
-            <a:lvl5pPr marL="1828800" indent="0" algn="ctr">
+            <a:lvl5pPr algn="ctr" indent="0" marL="1828800">
               <a:buNone/>
               <a:defRPr>
                 <a:solidFill>
@@ -263,7 +671,7 @@
                 </a:solidFill>
               </a:defRPr>
             </a:lvl5pPr>
-            <a:lvl6pPr marL="2286000" indent="0" algn="ctr">
+            <a:lvl6pPr algn="ctr" indent="0" marL="2286000">
               <a:buNone/>
               <a:defRPr>
                 <a:solidFill>
@@ -273,7 +681,7 @@
                 </a:solidFill>
               </a:defRPr>
             </a:lvl6pPr>
-            <a:lvl7pPr marL="2743200" indent="0" algn="ctr">
+            <a:lvl7pPr algn="ctr" indent="0" marL="2743200">
               <a:buNone/>
               <a:defRPr>
                 <a:solidFill>
@@ -283,7 +691,7 @@
                 </a:solidFill>
               </a:defRPr>
             </a:lvl7pPr>
-            <a:lvl8pPr marL="3200400" indent="0" algn="ctr">
+            <a:lvl8pPr algn="ctr" indent="0" marL="3200400">
               <a:buNone/>
               <a:defRPr>
                 <a:solidFill>
@@ -293,7 +701,7 @@
                 </a:solidFill>
               </a:defRPr>
             </a:lvl8pPr>
-            <a:lvl9pPr marL="3657600" indent="0" algn="ctr">
+            <a:lvl9pPr algn="ctr" indent="0" marL="3657600">
               <a:buNone/>
               <a:defRPr>
                 <a:solidFill>
@@ -309,13 +717,13 @@
               <a:rPr lang="ru-RU" smtClean="0"/>
               <a:t>Образец подзаголовка</a:t>
             </a:r>
-            <a:endParaRPr lang="en-US" dirty="0"/>
-          </a:p>
-        </p:txBody>
-      </p:sp>
-      <p:sp>
-        <p:nvSpPr>
-          <p:cNvPr id="4" name="Date Placeholder 3"/>
+            <a:endParaRPr dirty="0" lang="en-US"/>
+          </a:p>
+        </p:txBody>
+      </p:sp>
+      <p:sp>
+        <p:nvSpPr>
+          <p:cNvPr id="1048678" name="Date Placeholder 3"/>
           <p:cNvSpPr>
             <a:spLocks noGrp="1"/>
           </p:cNvSpPr>
@@ -326,7 +734,6 @@
         <p:spPr/>
         <p:txBody>
           <a:bodyPr/>
-          <a:lstStyle/>
           <a:p>
             <a:fld id="{AE237800-6275-4E80-9DA3-8EF8218FF85F}" type="datetimeFigureOut">
               <a:rPr lang="ru-RU" smtClean="0"/>
@@ -338,7 +745,7 @@
       </p:sp>
       <p:sp>
         <p:nvSpPr>
-          <p:cNvPr id="5" name="Footer Placeholder 4"/>
+          <p:cNvPr id="1048679" name="Footer Placeholder 4"/>
           <p:cNvSpPr>
             <a:spLocks noGrp="1"/>
           </p:cNvSpPr>
@@ -349,7 +756,6 @@
         <p:spPr/>
         <p:txBody>
           <a:bodyPr/>
-          <a:lstStyle/>
           <a:p>
             <a:endParaRPr lang="ru-RU"/>
           </a:p>
@@ -357,7 +763,7 @@
       </p:sp>
       <p:sp>
         <p:nvSpPr>
-          <p:cNvPr id="6" name="Slide Number Placeholder 5"/>
+          <p:cNvPr id="1048680" name="Slide Number Placeholder 5"/>
           <p:cNvSpPr>
             <a:spLocks noGrp="1"/>
           </p:cNvSpPr>
@@ -368,7 +774,6 @@
         <p:spPr/>
         <p:txBody>
           <a:bodyPr/>
-          <a:lstStyle/>
           <a:p>
             <a:fld id="{7C70E2F1-B28A-4CF3-AE68-91E479AB55F5}" type="slidenum">
               <a:rPr lang="ru-RU" smtClean="0"/>
@@ -379,11 +784,6 @@
         </p:txBody>
       </p:sp>
     </p:spTree>
-    <p:extLst>
-      <p:ext uri="{BB962C8B-B14F-4D97-AF65-F5344CB8AC3E}">
-        <p14:creationId xmlns:p14="http://schemas.microsoft.com/office/powerpoint/2010/main" val="2859952669"/>
-      </p:ext>
-    </p:extLst>
   </p:cSld>
   <p:clrMapOvr>
     <a:masterClrMapping/>
@@ -396,7 +796,7 @@
   <p:cSld name="Панорамная фотография с подписью">
     <p:spTree>
       <p:nvGrpSpPr>
-        <p:cNvPr id="1" name=""/>
+        <p:cNvPr id="57" name=""/>
         <p:cNvGrpSpPr/>
         <p:nvPr/>
       </p:nvGrpSpPr>
@@ -410,7 +810,7 @@
       </p:grpSpPr>
       <p:sp>
         <p:nvSpPr>
-          <p:cNvPr id="2" name="Title 1"/>
+          <p:cNvPr id="1048695" name="Title 1"/>
           <p:cNvSpPr>
             <a:spLocks noGrp="1"/>
           </p:cNvSpPr>
@@ -430,7 +830,7 @@
           </a:bodyPr>
           <a:lstStyle>
             <a:lvl1pPr algn="l">
-              <a:defRPr sz="2400" b="0"/>
+              <a:defRPr b="0" sz="2400"/>
             </a:lvl1pPr>
           </a:lstStyle>
           <a:p>
@@ -438,15 +838,15 @@
               <a:rPr lang="ru-RU" smtClean="0"/>
               <a:t>Образец заголовка</a:t>
             </a:r>
-            <a:endParaRPr lang="en-US" dirty="0"/>
-          </a:p>
-        </p:txBody>
-      </p:sp>
-      <p:sp>
-        <p:nvSpPr>
-          <p:cNvPr id="3" name="Picture Placeholder 2"/>
-          <p:cNvSpPr>
-            <a:spLocks noGrp="1" noChangeAspect="1"/>
+            <a:endParaRPr dirty="0" lang="en-US"/>
+          </a:p>
+        </p:txBody>
+      </p:sp>
+      <p:sp>
+        <p:nvSpPr>
+          <p:cNvPr id="1048696" name="Picture Placeholder 2"/>
+          <p:cNvSpPr>
+            <a:spLocks noChangeAspect="1" noGrp="1"/>
           </p:cNvSpPr>
           <p:nvPr>
             <p:ph type="pic" idx="1"/>
@@ -475,11 +875,10 @@
                 </a:gs>
               </a:gsLst>
               <a:lin ang="5400000" scaled="0"/>
-              <a:tileRect/>
             </a:gradFill>
           </a:ln>
           <a:effectLst>
-            <a:innerShdw blurRad="57150" dist="38100" dir="14460000">
+            <a:innerShdw blurRad="57150" dir="14460000" dist="38100">
               <a:srgbClr val="000000">
                 <a:alpha val="70000"/>
               </a:srgbClr>
@@ -491,39 +890,39 @@
             <a:normAutofit/>
           </a:bodyPr>
           <a:lstStyle>
-            <a:lvl1pPr marL="0" indent="0" algn="ctr">
+            <a:lvl1pPr algn="ctr" indent="0" marL="0">
               <a:buNone/>
               <a:defRPr sz="1600"/>
             </a:lvl1pPr>
-            <a:lvl2pPr marL="457200" indent="0">
+            <a:lvl2pPr indent="0" marL="457200">
               <a:buNone/>
               <a:defRPr sz="1600"/>
             </a:lvl2pPr>
-            <a:lvl3pPr marL="914400" indent="0">
+            <a:lvl3pPr indent="0" marL="914400">
               <a:buNone/>
               <a:defRPr sz="1600"/>
             </a:lvl3pPr>
-            <a:lvl4pPr marL="1371600" indent="0">
+            <a:lvl4pPr indent="0" marL="1371600">
               <a:buNone/>
               <a:defRPr sz="1600"/>
             </a:lvl4pPr>
-            <a:lvl5pPr marL="1828800" indent="0">
+            <a:lvl5pPr indent="0" marL="1828800">
               <a:buNone/>
               <a:defRPr sz="1600"/>
             </a:lvl5pPr>
-            <a:lvl6pPr marL="2286000" indent="0">
+            <a:lvl6pPr indent="0" marL="2286000">
               <a:buNone/>
               <a:defRPr sz="1600"/>
             </a:lvl6pPr>
-            <a:lvl7pPr marL="2743200" indent="0">
+            <a:lvl7pPr indent="0" marL="2743200">
               <a:buNone/>
               <a:defRPr sz="1600"/>
             </a:lvl7pPr>
-            <a:lvl8pPr marL="3200400" indent="0">
+            <a:lvl8pPr indent="0" marL="3200400">
               <a:buNone/>
               <a:defRPr sz="1600"/>
             </a:lvl8pPr>
-            <a:lvl9pPr marL="3657600" indent="0">
+            <a:lvl9pPr indent="0" marL="3657600">
               <a:buNone/>
               <a:defRPr sz="1600"/>
             </a:lvl9pPr>
@@ -533,13 +932,13 @@
               <a:rPr lang="ru-RU" smtClean="0"/>
               <a:t>Вставка рисунка</a:t>
             </a:r>
-            <a:endParaRPr lang="en-US" dirty="0"/>
-          </a:p>
-        </p:txBody>
-      </p:sp>
-      <p:sp>
-        <p:nvSpPr>
-          <p:cNvPr id="4" name="Text Placeholder 3"/>
+            <a:endParaRPr dirty="0" lang="en-US"/>
+          </a:p>
+        </p:txBody>
+      </p:sp>
+      <p:sp>
+        <p:nvSpPr>
+          <p:cNvPr id="1048697" name="Text Placeholder 3"/>
           <p:cNvSpPr>
             <a:spLocks noGrp="1"/>
           </p:cNvSpPr>
@@ -558,39 +957,39 @@
             <a:normAutofit/>
           </a:bodyPr>
           <a:lstStyle>
-            <a:lvl1pPr marL="0" indent="0">
+            <a:lvl1pPr indent="0" marL="0">
               <a:buNone/>
               <a:defRPr sz="1400"/>
             </a:lvl1pPr>
-            <a:lvl2pPr marL="457200" indent="0">
+            <a:lvl2pPr indent="0" marL="457200">
               <a:buNone/>
               <a:defRPr sz="1200"/>
             </a:lvl2pPr>
-            <a:lvl3pPr marL="914400" indent="0">
+            <a:lvl3pPr indent="0" marL="914400">
               <a:buNone/>
               <a:defRPr sz="1000"/>
             </a:lvl3pPr>
-            <a:lvl4pPr marL="1371600" indent="0">
+            <a:lvl4pPr indent="0" marL="1371600">
               <a:buNone/>
               <a:defRPr sz="900"/>
             </a:lvl4pPr>
-            <a:lvl5pPr marL="1828800" indent="0">
+            <a:lvl5pPr indent="0" marL="1828800">
               <a:buNone/>
               <a:defRPr sz="900"/>
             </a:lvl5pPr>
-            <a:lvl6pPr marL="2286000" indent="0">
+            <a:lvl6pPr indent="0" marL="2286000">
               <a:buNone/>
               <a:defRPr sz="900"/>
             </a:lvl6pPr>
-            <a:lvl7pPr marL="2743200" indent="0">
+            <a:lvl7pPr indent="0" marL="2743200">
               <a:buNone/>
               <a:defRPr sz="900"/>
             </a:lvl7pPr>
-            <a:lvl8pPr marL="3200400" indent="0">
+            <a:lvl8pPr indent="0" marL="3200400">
               <a:buNone/>
               <a:defRPr sz="900"/>
             </a:lvl8pPr>
-            <a:lvl9pPr marL="3657600" indent="0">
+            <a:lvl9pPr indent="0" marL="3657600">
               <a:buNone/>
               <a:defRPr sz="900"/>
             </a:lvl9pPr>
@@ -606,7 +1005,7 @@
       </p:sp>
       <p:sp>
         <p:nvSpPr>
-          <p:cNvPr id="5" name="Date Placeholder 4"/>
+          <p:cNvPr id="1048698" name="Date Placeholder 4"/>
           <p:cNvSpPr>
             <a:spLocks noGrp="1"/>
           </p:cNvSpPr>
@@ -617,7 +1016,6 @@
         <p:spPr/>
         <p:txBody>
           <a:bodyPr/>
-          <a:lstStyle/>
           <a:p>
             <a:fld id="{AE237800-6275-4E80-9DA3-8EF8218FF85F}" type="datetimeFigureOut">
               <a:rPr lang="ru-RU" smtClean="0"/>
@@ -629,7 +1027,7 @@
       </p:sp>
       <p:sp>
         <p:nvSpPr>
-          <p:cNvPr id="6" name="Footer Placeholder 5"/>
+          <p:cNvPr id="1048699" name="Footer Placeholder 5"/>
           <p:cNvSpPr>
             <a:spLocks noGrp="1"/>
           </p:cNvSpPr>
@@ -640,7 +1038,6 @@
         <p:spPr/>
         <p:txBody>
           <a:bodyPr/>
-          <a:lstStyle/>
           <a:p>
             <a:endParaRPr lang="ru-RU"/>
           </a:p>
@@ -648,7 +1045,7 @@
       </p:sp>
       <p:sp>
         <p:nvSpPr>
-          <p:cNvPr id="7" name="Slide Number Placeholder 6"/>
+          <p:cNvPr id="1048700" name="Slide Number Placeholder 6"/>
           <p:cNvSpPr>
             <a:spLocks noGrp="1"/>
           </p:cNvSpPr>
@@ -659,7 +1056,6 @@
         <p:spPr/>
         <p:txBody>
           <a:bodyPr/>
-          <a:lstStyle/>
           <a:p>
             <a:fld id="{7C70E2F1-B28A-4CF3-AE68-91E479AB55F5}" type="slidenum">
               <a:rPr lang="ru-RU" smtClean="0"/>
@@ -670,11 +1066,6 @@
         </p:txBody>
       </p:sp>
     </p:spTree>
-    <p:extLst>
-      <p:ext uri="{BB962C8B-B14F-4D97-AF65-F5344CB8AC3E}">
-        <p14:creationId xmlns:p14="http://schemas.microsoft.com/office/powerpoint/2010/main" val="2211849055"/>
-      </p:ext>
-    </p:extLst>
   </p:cSld>
   <p:clrMapOvr>
     <a:masterClrMapping/>
@@ -687,7 +1078,7 @@
   <p:cSld name="Заголовок и подпись">
     <p:spTree>
       <p:nvGrpSpPr>
-        <p:cNvPr id="1" name=""/>
+        <p:cNvPr id="47" name=""/>
         <p:cNvGrpSpPr/>
         <p:nvPr/>
       </p:nvGrpSpPr>
@@ -701,7 +1092,7 @@
       </p:grpSpPr>
       <p:sp>
         <p:nvSpPr>
-          <p:cNvPr id="2" name="Title 1"/>
+          <p:cNvPr id="1048640" name="Title 1"/>
           <p:cNvSpPr>
             <a:spLocks noGrp="1"/>
           </p:cNvSpPr>
@@ -721,7 +1112,7 @@
           </a:bodyPr>
           <a:lstStyle>
             <a:lvl1pPr algn="l">
-              <a:defRPr sz="3200" b="0" cap="all"/>
+              <a:defRPr b="0" cap="all" sz="3200"/>
             </a:lvl1pPr>
           </a:lstStyle>
           <a:p>
@@ -729,13 +1120,13 @@
               <a:rPr lang="ru-RU" smtClean="0"/>
               <a:t>Образец заголовка</a:t>
             </a:r>
-            <a:endParaRPr lang="en-US" dirty="0"/>
-          </a:p>
-        </p:txBody>
-      </p:sp>
-      <p:sp>
-        <p:nvSpPr>
-          <p:cNvPr id="3" name="Text Placeholder 2"/>
+            <a:endParaRPr dirty="0" lang="en-US"/>
+          </a:p>
+        </p:txBody>
+      </p:sp>
+      <p:sp>
+        <p:nvSpPr>
+          <p:cNvPr id="1048641" name="Text Placeholder 2"/>
           <p:cNvSpPr>
             <a:spLocks noGrp="1"/>
           </p:cNvSpPr>
@@ -754,7 +1145,7 @@
             <a:normAutofit/>
           </a:bodyPr>
           <a:lstStyle>
-            <a:lvl1pPr marL="0" indent="0" algn="l">
+            <a:lvl1pPr algn="l" indent="0" marL="0">
               <a:buNone/>
               <a:defRPr sz="2000">
                 <a:gradFill flip="none" rotWithShape="1">
@@ -769,11 +1160,10 @@
                     </a:gs>
                   </a:gsLst>
                   <a:lin ang="5400000" scaled="0"/>
-                  <a:tileRect/>
                 </a:gradFill>
               </a:defRPr>
             </a:lvl1pPr>
-            <a:lvl2pPr marL="457200" indent="0">
+            <a:lvl2pPr indent="0" marL="457200">
               <a:buNone/>
               <a:defRPr sz="1800">
                 <a:solidFill>
@@ -783,7 +1173,7 @@
                 </a:solidFill>
               </a:defRPr>
             </a:lvl2pPr>
-            <a:lvl3pPr marL="914400" indent="0">
+            <a:lvl3pPr indent="0" marL="914400">
               <a:buNone/>
               <a:defRPr sz="1600">
                 <a:solidFill>
@@ -793,7 +1183,7 @@
                 </a:solidFill>
               </a:defRPr>
             </a:lvl3pPr>
-            <a:lvl4pPr marL="1371600" indent="0">
+            <a:lvl4pPr indent="0" marL="1371600">
               <a:buNone/>
               <a:defRPr sz="1400">
                 <a:solidFill>
@@ -803,7 +1193,7 @@
                 </a:solidFill>
               </a:defRPr>
             </a:lvl4pPr>
-            <a:lvl5pPr marL="1828800" indent="0">
+            <a:lvl5pPr indent="0" marL="1828800">
               <a:buNone/>
               <a:defRPr sz="1400">
                 <a:solidFill>
@@ -813,7 +1203,7 @@
                 </a:solidFill>
               </a:defRPr>
             </a:lvl5pPr>
-            <a:lvl6pPr marL="2286000" indent="0">
+            <a:lvl6pPr indent="0" marL="2286000">
               <a:buNone/>
               <a:defRPr sz="1400">
                 <a:solidFill>
@@ -823,7 +1213,7 @@
                 </a:solidFill>
               </a:defRPr>
             </a:lvl6pPr>
-            <a:lvl7pPr marL="2743200" indent="0">
+            <a:lvl7pPr indent="0" marL="2743200">
               <a:buNone/>
               <a:defRPr sz="1400">
                 <a:solidFill>
@@ -833,7 +1223,7 @@
                 </a:solidFill>
               </a:defRPr>
             </a:lvl7pPr>
-            <a:lvl8pPr marL="3200400" indent="0">
+            <a:lvl8pPr indent="0" marL="3200400">
               <a:buNone/>
               <a:defRPr sz="1400">
                 <a:solidFill>
@@ -843,7 +1233,7 @@
                 </a:solidFill>
               </a:defRPr>
             </a:lvl8pPr>
-            <a:lvl9pPr marL="3657600" indent="0">
+            <a:lvl9pPr indent="0" marL="3657600">
               <a:buNone/>
               <a:defRPr sz="1400">
                 <a:solidFill>
@@ -865,7 +1255,7 @@
       </p:sp>
       <p:sp>
         <p:nvSpPr>
-          <p:cNvPr id="4" name="Date Placeholder 3"/>
+          <p:cNvPr id="1048642" name="Date Placeholder 3"/>
           <p:cNvSpPr>
             <a:spLocks noGrp="1"/>
           </p:cNvSpPr>
@@ -876,7 +1266,6 @@
         <p:spPr/>
         <p:txBody>
           <a:bodyPr/>
-          <a:lstStyle/>
           <a:p>
             <a:fld id="{AE237800-6275-4E80-9DA3-8EF8218FF85F}" type="datetimeFigureOut">
               <a:rPr lang="ru-RU" smtClean="0"/>
@@ -888,7 +1277,7 @@
       </p:sp>
       <p:sp>
         <p:nvSpPr>
-          <p:cNvPr id="5" name="Footer Placeholder 4"/>
+          <p:cNvPr id="1048643" name="Footer Placeholder 4"/>
           <p:cNvSpPr>
             <a:spLocks noGrp="1"/>
           </p:cNvSpPr>
@@ -899,7 +1288,6 @@
         <p:spPr/>
         <p:txBody>
           <a:bodyPr/>
-          <a:lstStyle/>
           <a:p>
             <a:endParaRPr lang="ru-RU"/>
           </a:p>
@@ -907,7 +1295,7 @@
       </p:sp>
       <p:sp>
         <p:nvSpPr>
-          <p:cNvPr id="6" name="Slide Number Placeholder 5"/>
+          <p:cNvPr id="1048644" name="Slide Number Placeholder 5"/>
           <p:cNvSpPr>
             <a:spLocks noGrp="1"/>
           </p:cNvSpPr>
@@ -918,7 +1306,6 @@
         <p:spPr/>
         <p:txBody>
           <a:bodyPr/>
-          <a:lstStyle/>
           <a:p>
             <a:fld id="{7C70E2F1-B28A-4CF3-AE68-91E479AB55F5}" type="slidenum">
               <a:rPr lang="ru-RU" smtClean="0"/>
@@ -929,11 +1316,6 @@
         </p:txBody>
       </p:sp>
     </p:spTree>
-    <p:extLst>
-      <p:ext uri="{BB962C8B-B14F-4D97-AF65-F5344CB8AC3E}">
-        <p14:creationId xmlns:p14="http://schemas.microsoft.com/office/powerpoint/2010/main" val="1591656865"/>
-      </p:ext>
-    </p:extLst>
   </p:cSld>
   <p:clrMapOvr>
     <a:masterClrMapping/>
@@ -946,7 +1328,7 @@
   <p:cSld name="Цитата с подписью">
     <p:spTree>
       <p:nvGrpSpPr>
-        <p:cNvPr id="1" name=""/>
+        <p:cNvPr id="46" name=""/>
         <p:cNvGrpSpPr/>
         <p:nvPr/>
       </p:nvGrpSpPr>
@@ -960,7 +1342,7 @@
       </p:grpSpPr>
       <p:sp>
         <p:nvSpPr>
-          <p:cNvPr id="14" name="TextBox 13"/>
+          <p:cNvPr id="1048632" name="TextBox 13"/>
           <p:cNvSpPr txBox="1"/>
           <p:nvPr/>
         </p:nvSpPr>
@@ -969,12 +1351,10 @@
             <a:off x="836612" y="786824"/>
             <a:ext cx="609600" cy="584776"/>
           </a:xfrm>
-          <a:prstGeom prst="rect">
-            <a:avLst/>
-          </a:prstGeom>
-        </p:spPr>
-        <p:txBody>
-          <a:bodyPr vert="horz" lIns="91440" tIns="45720" rIns="91440" bIns="45720" rtlCol="0" anchor="ctr">
+          <a:prstGeom prst="rect"/>
+        </p:spPr>
+        <p:txBody>
+          <a:bodyPr anchor="ctr" bIns="45720" lIns="91440" rIns="91440" rtlCol="0" tIns="45720" vert="horz">
             <a:noAutofit/>
           </a:bodyPr>
           <a:lstStyle>
@@ -983,7 +1363,7 @@
                 <a:spcPct val="0"/>
               </a:spcBef>
               <a:buNone/>
-              <a:defRPr sz="3200" b="0" cap="all">
+              <a:defRPr b="0" cap="all" sz="3200">
                 <a:ln w="3175" cmpd="sng">
                   <a:noFill/>
                 </a:ln>
@@ -995,7 +1375,7 @@
                       <a:alpha val="40000"/>
                     </a:schemeClr>
                   </a:glow>
-                  <a:outerShdw blurRad="28575" dist="38100" dir="14040000" algn="tl" rotWithShape="0">
+                  <a:outerShdw algn="tl" blurRad="28575" dir="14040000" dist="38100" rotWithShape="0">
                     <a:srgbClr val="000000">
                       <a:alpha val="25000"/>
                     </a:srgbClr>
@@ -1063,7 +1443,7 @@
           <a:p>
             <a:pPr lvl="0"/>
             <a:r>
-              <a:rPr lang="en-US" sz="8000" dirty="0">
+              <a:rPr dirty="0" sz="8000" lang="en-US">
                 <a:solidFill>
                   <a:schemeClr val="accent1"/>
                 </a:solidFill>
@@ -1075,7 +1455,7 @@
       </p:sp>
       <p:sp>
         <p:nvSpPr>
-          <p:cNvPr id="15" name="TextBox 14"/>
+          <p:cNvPr id="1048633" name="TextBox 14"/>
           <p:cNvSpPr txBox="1"/>
           <p:nvPr/>
         </p:nvSpPr>
@@ -1084,12 +1464,10 @@
             <a:off x="10437812" y="2743200"/>
             <a:ext cx="609600" cy="584776"/>
           </a:xfrm>
-          <a:prstGeom prst="rect">
-            <a:avLst/>
-          </a:prstGeom>
-        </p:spPr>
-        <p:txBody>
-          <a:bodyPr vert="horz" lIns="91440" tIns="45720" rIns="91440" bIns="45720" rtlCol="0" anchor="ctr">
+          <a:prstGeom prst="rect"/>
+        </p:spPr>
+        <p:txBody>
+          <a:bodyPr anchor="ctr" bIns="45720" lIns="91440" rIns="91440" rtlCol="0" tIns="45720" vert="horz">
             <a:noAutofit/>
           </a:bodyPr>
           <a:lstStyle>
@@ -1098,7 +1476,7 @@
                 <a:spcPct val="0"/>
               </a:spcBef>
               <a:buNone/>
-              <a:defRPr sz="3200" b="0" cap="all">
+              <a:defRPr b="0" cap="all" sz="3200">
                 <a:ln w="3175" cmpd="sng">
                   <a:noFill/>
                 </a:ln>
@@ -1110,7 +1488,7 @@
                       <a:alpha val="40000"/>
                     </a:schemeClr>
                   </a:glow>
-                  <a:outerShdw blurRad="28575" dist="38100" dir="14040000" algn="tl" rotWithShape="0">
+                  <a:outerShdw algn="tl" blurRad="28575" dir="14040000" dist="38100" rotWithShape="0">
                     <a:srgbClr val="000000">
                       <a:alpha val="25000"/>
                     </a:srgbClr>
@@ -1176,9 +1554,9 @@
             </a:lvl9pPr>
           </a:lstStyle>
           <a:p>
-            <a:pPr lvl="0" algn="r"/>
-            <a:r>
-              <a:rPr lang="en-US" sz="8000" dirty="0">
+            <a:pPr algn="r" lvl="0"/>
+            <a:r>
+              <a:rPr dirty="0" sz="8000" lang="en-US">
                 <a:solidFill>
                   <a:schemeClr val="accent1"/>
                 </a:solidFill>
@@ -1190,7 +1568,7 @@
       </p:sp>
       <p:sp>
         <p:nvSpPr>
-          <p:cNvPr id="2" name="Title 1"/>
+          <p:cNvPr id="1048634" name="Title 1"/>
           <p:cNvSpPr>
             <a:spLocks noGrp="1"/>
           </p:cNvSpPr>
@@ -1210,7 +1588,7 @@
           </a:bodyPr>
           <a:lstStyle>
             <a:lvl1pPr algn="l">
-              <a:defRPr sz="3200" b="0" cap="all">
+              <a:defRPr b="0" cap="all" sz="3200">
                 <a:solidFill>
                   <a:schemeClr val="tx1"/>
                 </a:solidFill>
@@ -1222,13 +1600,13 @@
               <a:rPr lang="ru-RU" smtClean="0"/>
               <a:t>Образец заголовка</a:t>
             </a:r>
-            <a:endParaRPr lang="en-US" dirty="0"/>
-          </a:p>
-        </p:txBody>
-      </p:sp>
-      <p:sp>
-        <p:nvSpPr>
-          <p:cNvPr id="10" name="Text Placeholder 9"/>
+            <a:endParaRPr dirty="0" lang="en-US"/>
+          </a:p>
+        </p:txBody>
+      </p:sp>
+      <p:sp>
+        <p:nvSpPr>
+          <p:cNvPr id="1048635" name="Text Placeholder 9"/>
           <p:cNvSpPr>
             <a:spLocks noGrp="1"/>
           </p:cNvSpPr>
@@ -1245,30 +1623,25 @@
         <p:txBody>
           <a:bodyPr anchor="ctr"/>
           <a:lstStyle>
-            <a:lvl1pPr marL="0" indent="0">
+            <a:lvl1pPr indent="0" marL="0">
               <a:buFontTx/>
               <a:buNone/>
-              <a:defRPr/>
             </a:lvl1pPr>
-            <a:lvl2pPr marL="457200" indent="0">
+            <a:lvl2pPr indent="0" marL="457200">
               <a:buFontTx/>
               <a:buNone/>
-              <a:defRPr/>
             </a:lvl2pPr>
-            <a:lvl3pPr marL="914400" indent="0">
+            <a:lvl3pPr indent="0" marL="914400">
               <a:buFontTx/>
               <a:buNone/>
-              <a:defRPr/>
             </a:lvl3pPr>
-            <a:lvl4pPr marL="1371600" indent="0">
+            <a:lvl4pPr indent="0" marL="1371600">
               <a:buFontTx/>
               <a:buNone/>
-              <a:defRPr/>
             </a:lvl4pPr>
-            <a:lvl5pPr marL="1828800" indent="0">
+            <a:lvl5pPr indent="0" marL="1828800">
               <a:buFontTx/>
               <a:buNone/>
-              <a:defRPr/>
             </a:lvl5pPr>
           </a:lstStyle>
           <a:p>
@@ -1282,7 +1655,7 @@
       </p:sp>
       <p:sp>
         <p:nvSpPr>
-          <p:cNvPr id="3" name="Text Placeholder 2"/>
+          <p:cNvPr id="1048636" name="Text Placeholder 2"/>
           <p:cNvSpPr>
             <a:spLocks noGrp="1"/>
           </p:cNvSpPr>
@@ -1297,13 +1670,13 @@
           </a:xfrm>
         </p:spPr>
         <p:txBody>
-          <a:bodyPr vert="horz" lIns="91440" tIns="45720" rIns="91440" bIns="45720" rtlCol="0" anchor="ctr">
+          <a:bodyPr anchor="ctr" bIns="45720" lIns="91440" rIns="91440" rtlCol="0" tIns="45720" vert="horz">
             <a:normAutofit/>
           </a:bodyPr>
           <a:lstStyle>
             <a:lvl1pPr>
               <a:buNone/>
-              <a:defRPr lang="en-US" sz="2000">
+              <a:defRPr sz="2000" lang="en-US">
                 <a:gradFill flip="none" rotWithShape="1">
                   <a:gsLst>
                     <a:gs pos="0">
@@ -1316,13 +1689,12 @@
                     </a:gs>
                   </a:gsLst>
                   <a:lin ang="5400000" scaled="0"/>
-                  <a:tileRect/>
                 </a:gradFill>
               </a:defRPr>
             </a:lvl1pPr>
           </a:lstStyle>
           <a:p>
-            <a:pPr marL="0" lvl="0" indent="0">
+            <a:pPr indent="0" lvl="0" marL="0">
               <a:buNone/>
             </a:pPr>
             <a:r>
@@ -1334,7 +1706,7 @@
       </p:sp>
       <p:sp>
         <p:nvSpPr>
-          <p:cNvPr id="4" name="Date Placeholder 3"/>
+          <p:cNvPr id="1048637" name="Date Placeholder 3"/>
           <p:cNvSpPr>
             <a:spLocks noGrp="1"/>
           </p:cNvSpPr>
@@ -1345,7 +1717,6 @@
         <p:spPr/>
         <p:txBody>
           <a:bodyPr/>
-          <a:lstStyle/>
           <a:p>
             <a:fld id="{AE237800-6275-4E80-9DA3-8EF8218FF85F}" type="datetimeFigureOut">
               <a:rPr lang="ru-RU" smtClean="0"/>
@@ -1357,7 +1728,7 @@
       </p:sp>
       <p:sp>
         <p:nvSpPr>
-          <p:cNvPr id="5" name="Footer Placeholder 4"/>
+          <p:cNvPr id="1048638" name="Footer Placeholder 4"/>
           <p:cNvSpPr>
             <a:spLocks noGrp="1"/>
           </p:cNvSpPr>
@@ -1368,7 +1739,6 @@
         <p:spPr/>
         <p:txBody>
           <a:bodyPr/>
-          <a:lstStyle/>
           <a:p>
             <a:endParaRPr lang="ru-RU"/>
           </a:p>
@@ -1376,7 +1746,7 @@
       </p:sp>
       <p:sp>
         <p:nvSpPr>
-          <p:cNvPr id="6" name="Slide Number Placeholder 5"/>
+          <p:cNvPr id="1048639" name="Slide Number Placeholder 5"/>
           <p:cNvSpPr>
             <a:spLocks noGrp="1"/>
           </p:cNvSpPr>
@@ -1387,7 +1757,6 @@
         <p:spPr/>
         <p:txBody>
           <a:bodyPr/>
-          <a:lstStyle/>
           <a:p>
             <a:fld id="{7C70E2F1-B28A-4CF3-AE68-91E479AB55F5}" type="slidenum">
               <a:rPr lang="ru-RU" smtClean="0"/>
@@ -1398,11 +1767,6 @@
         </p:txBody>
       </p:sp>
     </p:spTree>
-    <p:extLst>
-      <p:ext uri="{BB962C8B-B14F-4D97-AF65-F5344CB8AC3E}">
-        <p14:creationId xmlns:p14="http://schemas.microsoft.com/office/powerpoint/2010/main" val="3614533619"/>
-      </p:ext>
-    </p:extLst>
   </p:cSld>
   <p:clrMapOvr>
     <a:masterClrMapping/>
@@ -1415,7 +1779,7 @@
   <p:cSld name="Карточка имени">
     <p:spTree>
       <p:nvGrpSpPr>
-        <p:cNvPr id="1" name=""/>
+        <p:cNvPr id="48" name=""/>
         <p:cNvGrpSpPr/>
         <p:nvPr/>
       </p:nvGrpSpPr>
@@ -1429,7 +1793,7 @@
       </p:grpSpPr>
       <p:sp>
         <p:nvSpPr>
-          <p:cNvPr id="2" name="Title 1"/>
+          <p:cNvPr id="1048645" name="Title 1"/>
           <p:cNvSpPr>
             <a:spLocks noGrp="1"/>
           </p:cNvSpPr>
@@ -1449,7 +1813,7 @@
           </a:bodyPr>
           <a:lstStyle>
             <a:lvl1pPr algn="l">
-              <a:defRPr sz="3200" b="0" cap="all"/>
+              <a:defRPr b="0" cap="all" sz="3200"/>
             </a:lvl1pPr>
           </a:lstStyle>
           <a:p>
@@ -1457,13 +1821,13 @@
               <a:rPr lang="ru-RU" smtClean="0"/>
               <a:t>Образец заголовка</a:t>
             </a:r>
-            <a:endParaRPr lang="en-US" dirty="0"/>
-          </a:p>
-        </p:txBody>
-      </p:sp>
-      <p:sp>
-        <p:nvSpPr>
-          <p:cNvPr id="3" name="Text Placeholder 2"/>
+            <a:endParaRPr dirty="0" lang="en-US"/>
+          </a:p>
+        </p:txBody>
+      </p:sp>
+      <p:sp>
+        <p:nvSpPr>
+          <p:cNvPr id="1048646" name="Text Placeholder 2"/>
           <p:cNvSpPr>
             <a:spLocks noGrp="1"/>
           </p:cNvSpPr>
@@ -1478,12 +1842,12 @@
           </a:xfrm>
         </p:spPr>
         <p:txBody>
-          <a:bodyPr vert="horz" lIns="91440" tIns="45720" rIns="91440" bIns="45720" rtlCol="0" anchor="t">
+          <a:bodyPr anchor="t" bIns="45720" lIns="91440" rIns="91440" rtlCol="0" tIns="45720" vert="horz">
             <a:normAutofit/>
           </a:bodyPr>
           <a:lstStyle>
             <a:lvl1pPr>
-              <a:defRPr lang="en-US" sz="2000">
+              <a:defRPr sz="2000" lang="en-US">
                 <a:gradFill flip="none" rotWithShape="1">
                   <a:gsLst>
                     <a:gs pos="0">
@@ -1496,13 +1860,12 @@
                     </a:gs>
                   </a:gsLst>
                   <a:lin ang="5400000" scaled="0"/>
-                  <a:tileRect/>
                 </a:gradFill>
               </a:defRPr>
             </a:lvl1pPr>
           </a:lstStyle>
           <a:p>
-            <a:pPr marL="0" lvl="0" indent="0">
+            <a:pPr indent="0" lvl="0" marL="0">
               <a:buNone/>
             </a:pPr>
             <a:r>
@@ -1514,7 +1877,7 @@
       </p:sp>
       <p:sp>
         <p:nvSpPr>
-          <p:cNvPr id="4" name="Date Placeholder 3"/>
+          <p:cNvPr id="1048647" name="Date Placeholder 3"/>
           <p:cNvSpPr>
             <a:spLocks noGrp="1"/>
           </p:cNvSpPr>
@@ -1525,7 +1888,6 @@
         <p:spPr/>
         <p:txBody>
           <a:bodyPr/>
-          <a:lstStyle/>
           <a:p>
             <a:fld id="{AE237800-6275-4E80-9DA3-8EF8218FF85F}" type="datetimeFigureOut">
               <a:rPr lang="ru-RU" smtClean="0"/>
@@ -1537,7 +1899,7 @@
       </p:sp>
       <p:sp>
         <p:nvSpPr>
-          <p:cNvPr id="5" name="Footer Placeholder 4"/>
+          <p:cNvPr id="1048648" name="Footer Placeholder 4"/>
           <p:cNvSpPr>
             <a:spLocks noGrp="1"/>
           </p:cNvSpPr>
@@ -1548,7 +1910,6 @@
         <p:spPr/>
         <p:txBody>
           <a:bodyPr/>
-          <a:lstStyle/>
           <a:p>
             <a:endParaRPr lang="ru-RU"/>
           </a:p>
@@ -1556,7 +1917,7 @@
       </p:sp>
       <p:sp>
         <p:nvSpPr>
-          <p:cNvPr id="6" name="Slide Number Placeholder 5"/>
+          <p:cNvPr id="1048649" name="Slide Number Placeholder 5"/>
           <p:cNvSpPr>
             <a:spLocks noGrp="1"/>
           </p:cNvSpPr>
@@ -1567,7 +1928,6 @@
         <p:spPr/>
         <p:txBody>
           <a:bodyPr/>
-          <a:lstStyle/>
           <a:p>
             <a:fld id="{7C70E2F1-B28A-4CF3-AE68-91E479AB55F5}" type="slidenum">
               <a:rPr lang="ru-RU" smtClean="0"/>
@@ -1578,11 +1938,6 @@
         </p:txBody>
       </p:sp>
     </p:spTree>
-    <p:extLst>
-      <p:ext uri="{BB962C8B-B14F-4D97-AF65-F5344CB8AC3E}">
-        <p14:creationId xmlns:p14="http://schemas.microsoft.com/office/powerpoint/2010/main" val="4181624206"/>
-      </p:ext>
-    </p:extLst>
   </p:cSld>
   <p:clrMapOvr>
     <a:masterClrMapping/>
@@ -1595,7 +1950,7 @@
   <p:cSld name="Цитата карточки имени">
     <p:spTree>
       <p:nvGrpSpPr>
-        <p:cNvPr id="1" name=""/>
+        <p:cNvPr id="56" name=""/>
         <p:cNvGrpSpPr/>
         <p:nvPr/>
       </p:nvGrpSpPr>
@@ -1609,7 +1964,7 @@
       </p:grpSpPr>
       <p:sp>
         <p:nvSpPr>
-          <p:cNvPr id="14" name="TextBox 13"/>
+          <p:cNvPr id="1048687" name="TextBox 13"/>
           <p:cNvSpPr txBox="1"/>
           <p:nvPr/>
         </p:nvSpPr>
@@ -1618,12 +1973,10 @@
             <a:off x="836612" y="786824"/>
             <a:ext cx="609600" cy="584776"/>
           </a:xfrm>
-          <a:prstGeom prst="rect">
-            <a:avLst/>
-          </a:prstGeom>
-        </p:spPr>
-        <p:txBody>
-          <a:bodyPr vert="horz" lIns="91440" tIns="45720" rIns="91440" bIns="45720" rtlCol="0" anchor="ctr">
+          <a:prstGeom prst="rect"/>
+        </p:spPr>
+        <p:txBody>
+          <a:bodyPr anchor="ctr" bIns="45720" lIns="91440" rIns="91440" rtlCol="0" tIns="45720" vert="horz">
             <a:noAutofit/>
           </a:bodyPr>
           <a:lstStyle>
@@ -1632,7 +1985,7 @@
                 <a:spcPct val="0"/>
               </a:spcBef>
               <a:buNone/>
-              <a:defRPr sz="3200" b="0" cap="all">
+              <a:defRPr b="0" cap="all" sz="3200">
                 <a:ln w="3175" cmpd="sng">
                   <a:noFill/>
                 </a:ln>
@@ -1644,7 +1997,7 @@
                       <a:alpha val="40000"/>
                     </a:schemeClr>
                   </a:glow>
-                  <a:outerShdw blurRad="28575" dist="38100" dir="14040000" algn="tl" rotWithShape="0">
+                  <a:outerShdw algn="tl" blurRad="28575" dir="14040000" dist="38100" rotWithShape="0">
                     <a:srgbClr val="000000">
                       <a:alpha val="25000"/>
                     </a:srgbClr>
@@ -1712,7 +2065,7 @@
           <a:p>
             <a:pPr lvl="0"/>
             <a:r>
-              <a:rPr lang="en-US" sz="8000" dirty="0">
+              <a:rPr dirty="0" sz="8000" lang="en-US">
                 <a:solidFill>
                   <a:schemeClr val="accent1"/>
                 </a:solidFill>
@@ -1724,7 +2077,7 @@
       </p:sp>
       <p:sp>
         <p:nvSpPr>
-          <p:cNvPr id="15" name="TextBox 14"/>
+          <p:cNvPr id="1048688" name="TextBox 14"/>
           <p:cNvSpPr txBox="1"/>
           <p:nvPr/>
         </p:nvSpPr>
@@ -1733,12 +2086,10 @@
             <a:off x="10437812" y="2743200"/>
             <a:ext cx="609600" cy="584776"/>
           </a:xfrm>
-          <a:prstGeom prst="rect">
-            <a:avLst/>
-          </a:prstGeom>
-        </p:spPr>
-        <p:txBody>
-          <a:bodyPr vert="horz" lIns="91440" tIns="45720" rIns="91440" bIns="45720" rtlCol="0" anchor="ctr">
+          <a:prstGeom prst="rect"/>
+        </p:spPr>
+        <p:txBody>
+          <a:bodyPr anchor="ctr" bIns="45720" lIns="91440" rIns="91440" rtlCol="0" tIns="45720" vert="horz">
             <a:noAutofit/>
           </a:bodyPr>
           <a:lstStyle>
@@ -1747,7 +2098,7 @@
                 <a:spcPct val="0"/>
               </a:spcBef>
               <a:buNone/>
-              <a:defRPr sz="3200" b="0" cap="all">
+              <a:defRPr b="0" cap="all" sz="3200">
                 <a:ln w="3175" cmpd="sng">
                   <a:noFill/>
                 </a:ln>
@@ -1759,7 +2110,7 @@
                       <a:alpha val="40000"/>
                     </a:schemeClr>
                   </a:glow>
-                  <a:outerShdw blurRad="28575" dist="38100" dir="14040000" algn="tl" rotWithShape="0">
+                  <a:outerShdw algn="tl" blurRad="28575" dir="14040000" dist="38100" rotWithShape="0">
                     <a:srgbClr val="000000">
                       <a:alpha val="25000"/>
                     </a:srgbClr>
@@ -1825,9 +2176,9 @@
             </a:lvl9pPr>
           </a:lstStyle>
           <a:p>
-            <a:pPr lvl="0" algn="r"/>
-            <a:r>
-              <a:rPr lang="en-US" sz="8000" dirty="0">
+            <a:pPr algn="r" lvl="0"/>
+            <a:r>
+              <a:rPr dirty="0" sz="8000" lang="en-US">
                 <a:solidFill>
                   <a:schemeClr val="accent1"/>
                 </a:solidFill>
@@ -1839,7 +2190,7 @@
       </p:sp>
       <p:sp>
         <p:nvSpPr>
-          <p:cNvPr id="2" name="Title 1"/>
+          <p:cNvPr id="1048689" name="Title 1"/>
           <p:cNvSpPr>
             <a:spLocks noGrp="1"/>
           </p:cNvSpPr>
@@ -1859,7 +2210,7 @@
           </a:bodyPr>
           <a:lstStyle>
             <a:lvl1pPr algn="l">
-              <a:defRPr sz="3200" b="0" cap="all">
+              <a:defRPr b="0" cap="all" sz="3200">
                 <a:gradFill flip="none" rotWithShape="1">
                   <a:gsLst>
                     <a:gs pos="0">
@@ -1872,7 +2223,6 @@
                     </a:gs>
                   </a:gsLst>
                   <a:lin ang="5400000" scaled="0"/>
-                  <a:tileRect/>
                 </a:gradFill>
               </a:defRPr>
             </a:lvl1pPr>
@@ -1882,13 +2232,13 @@
               <a:rPr lang="ru-RU" smtClean="0"/>
               <a:t>Образец заголовка</a:t>
             </a:r>
-            <a:endParaRPr lang="en-US" dirty="0"/>
-          </a:p>
-        </p:txBody>
-      </p:sp>
-      <p:sp>
-        <p:nvSpPr>
-          <p:cNvPr id="10" name="Text Placeholder 9"/>
+            <a:endParaRPr dirty="0" lang="en-US"/>
+          </a:p>
+        </p:txBody>
+      </p:sp>
+      <p:sp>
+        <p:nvSpPr>
+          <p:cNvPr id="1048690" name="Text Placeholder 9"/>
           <p:cNvSpPr>
             <a:spLocks noGrp="1"/>
           </p:cNvSpPr>
@@ -1903,13 +2253,13 @@
           </a:xfrm>
         </p:spPr>
         <p:txBody>
-          <a:bodyPr vert="horz" lIns="91440" tIns="45720" rIns="91440" bIns="45720" rtlCol="0" anchor="b">
+          <a:bodyPr anchor="b" bIns="45720" lIns="91440" rIns="91440" rtlCol="0" tIns="45720" vert="horz">
             <a:normAutofit/>
           </a:bodyPr>
           <a:lstStyle>
             <a:lvl1pPr>
               <a:buNone/>
-              <a:defRPr lang="en-US" sz="2400" b="0" cap="all" dirty="0">
+              <a:defRPr b="0" cap="all" dirty="0" sz="2400" lang="en-US">
                 <a:ln w="3175" cmpd="sng">
                   <a:noFill/>
                 </a:ln>
@@ -1925,7 +2275,6 @@
                     </a:gs>
                   </a:gsLst>
                   <a:lin ang="5400000" scaled="0"/>
-                  <a:tileRect/>
                 </a:gradFill>
                 <a:effectLst>
                   <a:glow rad="38100">
@@ -1935,7 +2284,7 @@
                       <a:alpha val="40000"/>
                     </a:schemeClr>
                   </a:glow>
-                  <a:outerShdw blurRad="28575" dist="38100" dir="14040000" algn="tl" rotWithShape="0">
+                  <a:outerShdw algn="tl" blurRad="28575" dir="14040000" dist="38100" rotWithShape="0">
                     <a:srgbClr val="000000">
                       <a:alpha val="25000"/>
                     </a:srgbClr>
@@ -1945,7 +2294,7 @@
             </a:lvl1pPr>
           </a:lstStyle>
           <a:p>
-            <a:pPr marL="0" lvl="0">
+            <a:pPr lvl="0" marL="0">
               <a:spcBef>
                 <a:spcPct val="0"/>
               </a:spcBef>
@@ -1960,7 +2309,7 @@
       </p:sp>
       <p:sp>
         <p:nvSpPr>
-          <p:cNvPr id="3" name="Text Placeholder 2"/>
+          <p:cNvPr id="1048691" name="Text Placeholder 2"/>
           <p:cNvSpPr>
             <a:spLocks noGrp="1"/>
           </p:cNvSpPr>
@@ -1979,7 +2328,7 @@
             <a:normAutofit/>
           </a:bodyPr>
           <a:lstStyle>
-            <a:lvl1pPr marL="0" indent="0" algn="l">
+            <a:lvl1pPr algn="l" indent="0" marL="0">
               <a:buNone/>
               <a:defRPr sz="1800">
                 <a:gradFill flip="none" rotWithShape="1">
@@ -1994,11 +2343,10 @@
                     </a:gs>
                   </a:gsLst>
                   <a:lin ang="5400000" scaled="0"/>
-                  <a:tileRect/>
                 </a:gradFill>
               </a:defRPr>
             </a:lvl1pPr>
-            <a:lvl2pPr marL="457200" indent="0">
+            <a:lvl2pPr indent="0" marL="457200">
               <a:buNone/>
               <a:defRPr sz="1800">
                 <a:solidFill>
@@ -2008,7 +2356,7 @@
                 </a:solidFill>
               </a:defRPr>
             </a:lvl2pPr>
-            <a:lvl3pPr marL="914400" indent="0">
+            <a:lvl3pPr indent="0" marL="914400">
               <a:buNone/>
               <a:defRPr sz="1600">
                 <a:solidFill>
@@ -2018,7 +2366,7 @@
                 </a:solidFill>
               </a:defRPr>
             </a:lvl3pPr>
-            <a:lvl4pPr marL="1371600" indent="0">
+            <a:lvl4pPr indent="0" marL="1371600">
               <a:buNone/>
               <a:defRPr sz="1400">
                 <a:solidFill>
@@ -2028,7 +2376,7 @@
                 </a:solidFill>
               </a:defRPr>
             </a:lvl4pPr>
-            <a:lvl5pPr marL="1828800" indent="0">
+            <a:lvl5pPr indent="0" marL="1828800">
               <a:buNone/>
               <a:defRPr sz="1400">
                 <a:solidFill>
@@ -2038,7 +2386,7 @@
                 </a:solidFill>
               </a:defRPr>
             </a:lvl5pPr>
-            <a:lvl6pPr marL="2286000" indent="0">
+            <a:lvl6pPr indent="0" marL="2286000">
               <a:buNone/>
               <a:defRPr sz="1400">
                 <a:solidFill>
@@ -2048,7 +2396,7 @@
                 </a:solidFill>
               </a:defRPr>
             </a:lvl6pPr>
-            <a:lvl7pPr marL="2743200" indent="0">
+            <a:lvl7pPr indent="0" marL="2743200">
               <a:buNone/>
               <a:defRPr sz="1400">
                 <a:solidFill>
@@ -2058,7 +2406,7 @@
                 </a:solidFill>
               </a:defRPr>
             </a:lvl7pPr>
-            <a:lvl8pPr marL="3200400" indent="0">
+            <a:lvl8pPr indent="0" marL="3200400">
               <a:buNone/>
               <a:defRPr sz="1400">
                 <a:solidFill>
@@ -2068,7 +2416,7 @@
                 </a:solidFill>
               </a:defRPr>
             </a:lvl8pPr>
-            <a:lvl9pPr marL="3657600" indent="0">
+            <a:lvl9pPr indent="0" marL="3657600">
               <a:buNone/>
               <a:defRPr sz="1400">
                 <a:solidFill>
@@ -2090,7 +2438,7 @@
       </p:sp>
       <p:sp>
         <p:nvSpPr>
-          <p:cNvPr id="4" name="Date Placeholder 3"/>
+          <p:cNvPr id="1048692" name="Date Placeholder 3"/>
           <p:cNvSpPr>
             <a:spLocks noGrp="1"/>
           </p:cNvSpPr>
@@ -2101,7 +2449,6 @@
         <p:spPr/>
         <p:txBody>
           <a:bodyPr/>
-          <a:lstStyle/>
           <a:p>
             <a:fld id="{AE237800-6275-4E80-9DA3-8EF8218FF85F}" type="datetimeFigureOut">
               <a:rPr lang="ru-RU" smtClean="0"/>
@@ -2113,7 +2460,7 @@
       </p:sp>
       <p:sp>
         <p:nvSpPr>
-          <p:cNvPr id="5" name="Footer Placeholder 4"/>
+          <p:cNvPr id="1048693" name="Footer Placeholder 4"/>
           <p:cNvSpPr>
             <a:spLocks noGrp="1"/>
           </p:cNvSpPr>
@@ -2124,7 +2471,6 @@
         <p:spPr/>
         <p:txBody>
           <a:bodyPr/>
-          <a:lstStyle/>
           <a:p>
             <a:endParaRPr lang="ru-RU"/>
           </a:p>
@@ -2132,7 +2478,7 @@
       </p:sp>
       <p:sp>
         <p:nvSpPr>
-          <p:cNvPr id="6" name="Slide Number Placeholder 5"/>
+          <p:cNvPr id="1048694" name="Slide Number Placeholder 5"/>
           <p:cNvSpPr>
             <a:spLocks noGrp="1"/>
           </p:cNvSpPr>
@@ -2143,7 +2489,6 @@
         <p:spPr/>
         <p:txBody>
           <a:bodyPr/>
-          <a:lstStyle/>
           <a:p>
             <a:fld id="{7C70E2F1-B28A-4CF3-AE68-91E479AB55F5}" type="slidenum">
               <a:rPr lang="ru-RU" smtClean="0"/>
@@ -2154,11 +2499,6 @@
         </p:txBody>
       </p:sp>
     </p:spTree>
-    <p:extLst>
-      <p:ext uri="{BB962C8B-B14F-4D97-AF65-F5344CB8AC3E}">
-        <p14:creationId xmlns:p14="http://schemas.microsoft.com/office/powerpoint/2010/main" val="3587426005"/>
-      </p:ext>
-    </p:extLst>
   </p:cSld>
   <p:clrMapOvr>
     <a:masterClrMapping/>
@@ -2171,7 +2511,7 @@
   <p:cSld name="Истина или ложь">
     <p:spTree>
       <p:nvGrpSpPr>
-        <p:cNvPr id="1" name=""/>
+        <p:cNvPr id="42" name=""/>
         <p:cNvGrpSpPr/>
         <p:nvPr/>
       </p:nvGrpSpPr>
@@ -2185,7 +2525,7 @@
       </p:grpSpPr>
       <p:sp>
         <p:nvSpPr>
-          <p:cNvPr id="2" name="Title 1"/>
+          <p:cNvPr id="1048608" name="Title 1"/>
           <p:cNvSpPr>
             <a:spLocks noGrp="1"/>
           </p:cNvSpPr>
@@ -2200,27 +2540,27 @@
           </a:xfrm>
         </p:spPr>
         <p:txBody>
-          <a:bodyPr vert="horz" lIns="91440" tIns="45720" rIns="91440" bIns="45720" rtlCol="0" anchor="ctr">
+          <a:bodyPr anchor="ctr" bIns="45720" lIns="91440" rIns="91440" rtlCol="0" tIns="45720" vert="horz">
             <a:normAutofit/>
           </a:bodyPr>
           <a:lstStyle>
             <a:lvl1pPr>
-              <a:defRPr lang="en-US" b="0" dirty="0"/>
+              <a:defRPr b="0" dirty="0" lang="en-US"/>
             </a:lvl1pPr>
           </a:lstStyle>
           <a:p>
-            <a:pPr marL="0" lvl="0"/>
+            <a:pPr lvl="0" marL="0"/>
             <a:r>
               <a:rPr lang="ru-RU" smtClean="0"/>
               <a:t>Образец заголовка</a:t>
             </a:r>
-            <a:endParaRPr lang="en-US" dirty="0"/>
-          </a:p>
-        </p:txBody>
-      </p:sp>
-      <p:sp>
-        <p:nvSpPr>
-          <p:cNvPr id="10" name="Text Placeholder 9"/>
+            <a:endParaRPr dirty="0" lang="en-US"/>
+          </a:p>
+        </p:txBody>
+      </p:sp>
+      <p:sp>
+        <p:nvSpPr>
+          <p:cNvPr id="1048609" name="Text Placeholder 9"/>
           <p:cNvSpPr>
             <a:spLocks noGrp="1"/>
           </p:cNvSpPr>
@@ -2235,13 +2575,13 @@
           </a:xfrm>
         </p:spPr>
         <p:txBody>
-          <a:bodyPr vert="horz" lIns="91440" tIns="45720" rIns="91440" bIns="45720" rtlCol="0" anchor="b">
+          <a:bodyPr anchor="b" bIns="45720" lIns="91440" rIns="91440" rtlCol="0" tIns="45720" vert="horz">
             <a:normAutofit/>
           </a:bodyPr>
           <a:lstStyle>
             <a:lvl1pPr>
               <a:buNone/>
-              <a:defRPr lang="en-US" sz="2800" b="0" cap="all" dirty="0">
+              <a:defRPr b="0" cap="all" dirty="0" sz="2800" lang="en-US">
                 <a:ln w="3175" cmpd="sng">
                   <a:noFill/>
                 </a:ln>
@@ -2257,7 +2597,6 @@
                     </a:gs>
                   </a:gsLst>
                   <a:lin ang="5400000" scaled="0"/>
-                  <a:tileRect/>
                 </a:gradFill>
                 <a:effectLst>
                   <a:glow rad="38100">
@@ -2267,7 +2606,7 @@
                       <a:alpha val="40000"/>
                     </a:schemeClr>
                   </a:glow>
-                  <a:outerShdw blurRad="28575" dist="38100" dir="14040000" algn="tl" rotWithShape="0">
+                  <a:outerShdw algn="tl" blurRad="28575" dir="14040000" dist="38100" rotWithShape="0">
                     <a:srgbClr val="000000">
                       <a:alpha val="25000"/>
                     </a:srgbClr>
@@ -2277,7 +2616,7 @@
             </a:lvl1pPr>
           </a:lstStyle>
           <a:p>
-            <a:pPr marL="0" lvl="0">
+            <a:pPr lvl="0" marL="0">
               <a:spcBef>
                 <a:spcPct val="0"/>
               </a:spcBef>
@@ -2292,7 +2631,7 @@
       </p:sp>
       <p:sp>
         <p:nvSpPr>
-          <p:cNvPr id="3" name="Text Placeholder 2"/>
+          <p:cNvPr id="1048610" name="Text Placeholder 2"/>
           <p:cNvSpPr>
             <a:spLocks noGrp="1"/>
           </p:cNvSpPr>
@@ -2311,7 +2650,7 @@
             <a:normAutofit/>
           </a:bodyPr>
           <a:lstStyle>
-            <a:lvl1pPr marL="0" indent="0" algn="l">
+            <a:lvl1pPr algn="l" indent="0" marL="0">
               <a:buNone/>
               <a:defRPr sz="1800">
                 <a:gradFill flip="none" rotWithShape="1">
@@ -2326,11 +2665,10 @@
                     </a:gs>
                   </a:gsLst>
                   <a:lin ang="5400000" scaled="0"/>
-                  <a:tileRect/>
                 </a:gradFill>
               </a:defRPr>
             </a:lvl1pPr>
-            <a:lvl2pPr marL="457200" indent="0">
+            <a:lvl2pPr indent="0" marL="457200">
               <a:buNone/>
               <a:defRPr sz="1800">
                 <a:solidFill>
@@ -2340,7 +2678,7 @@
                 </a:solidFill>
               </a:defRPr>
             </a:lvl2pPr>
-            <a:lvl3pPr marL="914400" indent="0">
+            <a:lvl3pPr indent="0" marL="914400">
               <a:buNone/>
               <a:defRPr sz="1600">
                 <a:solidFill>
@@ -2350,7 +2688,7 @@
                 </a:solidFill>
               </a:defRPr>
             </a:lvl3pPr>
-            <a:lvl4pPr marL="1371600" indent="0">
+            <a:lvl4pPr indent="0" marL="1371600">
               <a:buNone/>
               <a:defRPr sz="1400">
                 <a:solidFill>
@@ -2360,7 +2698,7 @@
                 </a:solidFill>
               </a:defRPr>
             </a:lvl4pPr>
-            <a:lvl5pPr marL="1828800" indent="0">
+            <a:lvl5pPr indent="0" marL="1828800">
               <a:buNone/>
               <a:defRPr sz="1400">
                 <a:solidFill>
@@ -2370,7 +2708,7 @@
                 </a:solidFill>
               </a:defRPr>
             </a:lvl5pPr>
-            <a:lvl6pPr marL="2286000" indent="0">
+            <a:lvl6pPr indent="0" marL="2286000">
               <a:buNone/>
               <a:defRPr sz="1400">
                 <a:solidFill>
@@ -2380,7 +2718,7 @@
                 </a:solidFill>
               </a:defRPr>
             </a:lvl6pPr>
-            <a:lvl7pPr marL="2743200" indent="0">
+            <a:lvl7pPr indent="0" marL="2743200">
               <a:buNone/>
               <a:defRPr sz="1400">
                 <a:solidFill>
@@ -2390,7 +2728,7 @@
                 </a:solidFill>
               </a:defRPr>
             </a:lvl7pPr>
-            <a:lvl8pPr marL="3200400" indent="0">
+            <a:lvl8pPr indent="0" marL="3200400">
               <a:buNone/>
               <a:defRPr sz="1400">
                 <a:solidFill>
@@ -2400,7 +2738,7 @@
                 </a:solidFill>
               </a:defRPr>
             </a:lvl8pPr>
-            <a:lvl9pPr marL="3657600" indent="0">
+            <a:lvl9pPr indent="0" marL="3657600">
               <a:buNone/>
               <a:defRPr sz="1400">
                 <a:solidFill>
@@ -2422,7 +2760,7 @@
       </p:sp>
       <p:sp>
         <p:nvSpPr>
-          <p:cNvPr id="4" name="Date Placeholder 3"/>
+          <p:cNvPr id="1048611" name="Date Placeholder 3"/>
           <p:cNvSpPr>
             <a:spLocks noGrp="1"/>
           </p:cNvSpPr>
@@ -2433,7 +2771,6 @@
         <p:spPr/>
         <p:txBody>
           <a:bodyPr/>
-          <a:lstStyle/>
           <a:p>
             <a:fld id="{AE237800-6275-4E80-9DA3-8EF8218FF85F}" type="datetimeFigureOut">
               <a:rPr lang="ru-RU" smtClean="0"/>
@@ -2445,7 +2782,7 @@
       </p:sp>
       <p:sp>
         <p:nvSpPr>
-          <p:cNvPr id="5" name="Footer Placeholder 4"/>
+          <p:cNvPr id="1048612" name="Footer Placeholder 4"/>
           <p:cNvSpPr>
             <a:spLocks noGrp="1"/>
           </p:cNvSpPr>
@@ -2456,7 +2793,6 @@
         <p:spPr/>
         <p:txBody>
           <a:bodyPr/>
-          <a:lstStyle/>
           <a:p>
             <a:endParaRPr lang="ru-RU"/>
           </a:p>
@@ -2464,7 +2800,7 @@
       </p:sp>
       <p:sp>
         <p:nvSpPr>
-          <p:cNvPr id="6" name="Slide Number Placeholder 5"/>
+          <p:cNvPr id="1048613" name="Slide Number Placeholder 5"/>
           <p:cNvSpPr>
             <a:spLocks noGrp="1"/>
           </p:cNvSpPr>
@@ -2475,7 +2811,6 @@
         <p:spPr/>
         <p:txBody>
           <a:bodyPr/>
-          <a:lstStyle/>
           <a:p>
             <a:fld id="{7C70E2F1-B28A-4CF3-AE68-91E479AB55F5}" type="slidenum">
               <a:rPr lang="ru-RU" smtClean="0"/>
@@ -2486,11 +2821,6 @@
         </p:txBody>
       </p:sp>
     </p:spTree>
-    <p:extLst>
-      <p:ext uri="{BB962C8B-B14F-4D97-AF65-F5344CB8AC3E}">
-        <p14:creationId xmlns:p14="http://schemas.microsoft.com/office/powerpoint/2010/main" val="673002248"/>
-      </p:ext>
-    </p:extLst>
   </p:cSld>
   <p:clrMapOvr>
     <a:masterClrMapping/>
@@ -2499,11 +2829,11 @@
 </file>
 
 <file path=ppt/slideLayouts/slideLayout16.xml><?xml version="1.0" encoding="utf-8"?>
-<p:sldLayout xmlns:a="http://schemas.openxmlformats.org/drawingml/2006/main" xmlns:r="http://schemas.openxmlformats.org/officeDocument/2006/relationships" xmlns:p="http://schemas.openxmlformats.org/presentationml/2006/main" type="vertTx" preserve="1">
+<p:sldLayout xmlns:a="http://schemas.openxmlformats.org/drawingml/2006/main" xmlns:r="http://schemas.openxmlformats.org/officeDocument/2006/relationships" xmlns:p="http://schemas.openxmlformats.org/presentationml/2006/main" preserve="1" type="vertTx">
   <p:cSld name="Заголовок и вертикальный текст">
     <p:spTree>
       <p:nvGrpSpPr>
-        <p:cNvPr id="1" name=""/>
+        <p:cNvPr id="45" name=""/>
         <p:cNvGrpSpPr/>
         <p:nvPr/>
       </p:nvGrpSpPr>
@@ -2517,7 +2847,7 @@
       </p:grpSpPr>
       <p:sp>
         <p:nvSpPr>
-          <p:cNvPr id="7" name="Title 1"/>
+          <p:cNvPr id="1048627" name="Title 1"/>
           <p:cNvSpPr>
             <a:spLocks noGrp="1"/>
           </p:cNvSpPr>
@@ -2533,19 +2863,18 @@
         </p:spPr>
         <p:txBody>
           <a:bodyPr/>
-          <a:lstStyle/>
           <a:p>
             <a:r>
               <a:rPr lang="ru-RU" smtClean="0"/>
               <a:t>Образец заголовка</a:t>
             </a:r>
-            <a:endParaRPr lang="en-US" dirty="0"/>
-          </a:p>
-        </p:txBody>
-      </p:sp>
-      <p:sp>
-        <p:nvSpPr>
-          <p:cNvPr id="3" name="Vertical Text Placeholder 2"/>
+            <a:endParaRPr dirty="0" lang="en-US"/>
+          </a:p>
+        </p:txBody>
+      </p:sp>
+      <p:sp>
+        <p:nvSpPr>
+          <p:cNvPr id="1048628" name="Vertical Text Placeholder 2"/>
           <p:cNvSpPr>
             <a:spLocks noGrp="1"/>
           </p:cNvSpPr>
@@ -2555,8 +2884,7 @@
         </p:nvSpPr>
         <p:spPr/>
         <p:txBody>
-          <a:bodyPr vert="eaVert" anchor="t"/>
-          <a:lstStyle/>
+          <a:bodyPr anchor="t" vert="eaVert"/>
           <a:p>
             <a:pPr lvl="0"/>
             <a:r>
@@ -2591,13 +2919,13 @@
               <a:rPr lang="ru-RU" smtClean="0"/>
               <a:t>Пятый уровень</a:t>
             </a:r>
-            <a:endParaRPr lang="en-US" dirty="0"/>
-          </a:p>
-        </p:txBody>
-      </p:sp>
-      <p:sp>
-        <p:nvSpPr>
-          <p:cNvPr id="4" name="Date Placeholder 3"/>
+            <a:endParaRPr dirty="0" lang="en-US"/>
+          </a:p>
+        </p:txBody>
+      </p:sp>
+      <p:sp>
+        <p:nvSpPr>
+          <p:cNvPr id="1048629" name="Date Placeholder 3"/>
           <p:cNvSpPr>
             <a:spLocks noGrp="1"/>
           </p:cNvSpPr>
@@ -2608,7 +2936,6 @@
         <p:spPr/>
         <p:txBody>
           <a:bodyPr/>
-          <a:lstStyle/>
           <a:p>
             <a:fld id="{AE237800-6275-4E80-9DA3-8EF8218FF85F}" type="datetimeFigureOut">
               <a:rPr lang="ru-RU" smtClean="0"/>
@@ -2620,7 +2947,7 @@
       </p:sp>
       <p:sp>
         <p:nvSpPr>
-          <p:cNvPr id="5" name="Footer Placeholder 4"/>
+          <p:cNvPr id="1048630" name="Footer Placeholder 4"/>
           <p:cNvSpPr>
             <a:spLocks noGrp="1"/>
           </p:cNvSpPr>
@@ -2631,7 +2958,6 @@
         <p:spPr/>
         <p:txBody>
           <a:bodyPr/>
-          <a:lstStyle/>
           <a:p>
             <a:endParaRPr lang="ru-RU"/>
           </a:p>
@@ -2639,7 +2965,7 @@
       </p:sp>
       <p:sp>
         <p:nvSpPr>
-          <p:cNvPr id="6" name="Slide Number Placeholder 5"/>
+          <p:cNvPr id="1048631" name="Slide Number Placeholder 5"/>
           <p:cNvSpPr>
             <a:spLocks noGrp="1"/>
           </p:cNvSpPr>
@@ -2650,7 +2976,6 @@
         <p:spPr/>
         <p:txBody>
           <a:bodyPr/>
-          <a:lstStyle/>
           <a:p>
             <a:fld id="{7C70E2F1-B28A-4CF3-AE68-91E479AB55F5}" type="slidenum">
               <a:rPr lang="ru-RU" smtClean="0"/>
@@ -2661,11 +2986,6 @@
         </p:txBody>
       </p:sp>
     </p:spTree>
-    <p:extLst>
-      <p:ext uri="{BB962C8B-B14F-4D97-AF65-F5344CB8AC3E}">
-        <p14:creationId xmlns:p14="http://schemas.microsoft.com/office/powerpoint/2010/main" val="34523127"/>
-      </p:ext>
-    </p:extLst>
   </p:cSld>
   <p:clrMapOvr>
     <a:masterClrMapping/>
@@ -2674,11 +2994,11 @@
 </file>
 
 <file path=ppt/slideLayouts/slideLayout17.xml><?xml version="1.0" encoding="utf-8"?>
-<p:sldLayout xmlns:a="http://schemas.openxmlformats.org/drawingml/2006/main" xmlns:r="http://schemas.openxmlformats.org/officeDocument/2006/relationships" xmlns:p="http://schemas.openxmlformats.org/presentationml/2006/main" type="vertTitleAndTx" preserve="1">
+<p:sldLayout xmlns:a="http://schemas.openxmlformats.org/drawingml/2006/main" xmlns:r="http://schemas.openxmlformats.org/officeDocument/2006/relationships" xmlns:p="http://schemas.openxmlformats.org/presentationml/2006/main" preserve="1" type="vertTitleAndTx">
   <p:cSld name="Вертикальный заголовок и текст">
     <p:spTree>
       <p:nvGrpSpPr>
-        <p:cNvPr id="1" name=""/>
+        <p:cNvPr id="43" name=""/>
         <p:cNvGrpSpPr/>
         <p:nvPr/>
       </p:nvGrpSpPr>
@@ -2692,7 +3012,7 @@
       </p:grpSpPr>
       <p:sp>
         <p:nvSpPr>
-          <p:cNvPr id="2" name="Vertical Title 1"/>
+          <p:cNvPr id="1048614" name="Vertical Title 1"/>
           <p:cNvSpPr>
             <a:spLocks noGrp="1"/>
           </p:cNvSpPr>
@@ -2708,19 +3028,18 @@
         </p:spPr>
         <p:txBody>
           <a:bodyPr vert="eaVert"/>
-          <a:lstStyle/>
           <a:p>
             <a:r>
               <a:rPr lang="ru-RU" smtClean="0"/>
               <a:t>Образец заголовка</a:t>
             </a:r>
-            <a:endParaRPr lang="en-US" dirty="0"/>
-          </a:p>
-        </p:txBody>
-      </p:sp>
-      <p:sp>
-        <p:nvSpPr>
-          <p:cNvPr id="3" name="Vertical Text Placeholder 2"/>
+            <a:endParaRPr dirty="0" lang="en-US"/>
+          </a:p>
+        </p:txBody>
+      </p:sp>
+      <p:sp>
+        <p:nvSpPr>
+          <p:cNvPr id="1048615" name="Vertical Text Placeholder 2"/>
           <p:cNvSpPr>
             <a:spLocks noGrp="1"/>
           </p:cNvSpPr>
@@ -2735,8 +3054,7 @@
           </a:xfrm>
         </p:spPr>
         <p:txBody>
-          <a:bodyPr vert="eaVert" anchor="t"/>
-          <a:lstStyle/>
+          <a:bodyPr anchor="t" vert="eaVert"/>
           <a:p>
             <a:pPr lvl="0"/>
             <a:r>
@@ -2771,13 +3089,13 @@
               <a:rPr lang="ru-RU" smtClean="0"/>
               <a:t>Пятый уровень</a:t>
             </a:r>
-            <a:endParaRPr lang="en-US" dirty="0"/>
-          </a:p>
-        </p:txBody>
-      </p:sp>
-      <p:sp>
-        <p:nvSpPr>
-          <p:cNvPr id="4" name="Date Placeholder 3"/>
+            <a:endParaRPr dirty="0" lang="en-US"/>
+          </a:p>
+        </p:txBody>
+      </p:sp>
+      <p:sp>
+        <p:nvSpPr>
+          <p:cNvPr id="1048616" name="Date Placeholder 3"/>
           <p:cNvSpPr>
             <a:spLocks noGrp="1"/>
           </p:cNvSpPr>
@@ -2788,7 +3106,6 @@
         <p:spPr/>
         <p:txBody>
           <a:bodyPr/>
-          <a:lstStyle/>
           <a:p>
             <a:fld id="{AE237800-6275-4E80-9DA3-8EF8218FF85F}" type="datetimeFigureOut">
               <a:rPr lang="ru-RU" smtClean="0"/>
@@ -2800,7 +3117,7 @@
       </p:sp>
       <p:sp>
         <p:nvSpPr>
-          <p:cNvPr id="5" name="Footer Placeholder 4"/>
+          <p:cNvPr id="1048617" name="Footer Placeholder 4"/>
           <p:cNvSpPr>
             <a:spLocks noGrp="1"/>
           </p:cNvSpPr>
@@ -2811,7 +3128,6 @@
         <p:spPr/>
         <p:txBody>
           <a:bodyPr/>
-          <a:lstStyle/>
           <a:p>
             <a:endParaRPr lang="ru-RU"/>
           </a:p>
@@ -2819,7 +3135,7 @@
       </p:sp>
       <p:sp>
         <p:nvSpPr>
-          <p:cNvPr id="6" name="Slide Number Placeholder 5"/>
+          <p:cNvPr id="1048618" name="Slide Number Placeholder 5"/>
           <p:cNvSpPr>
             <a:spLocks noGrp="1"/>
           </p:cNvSpPr>
@@ -2830,7 +3146,6 @@
         <p:spPr/>
         <p:txBody>
           <a:bodyPr/>
-          <a:lstStyle/>
           <a:p>
             <a:fld id="{7C70E2F1-B28A-4CF3-AE68-91E479AB55F5}" type="slidenum">
               <a:rPr lang="ru-RU" smtClean="0"/>
@@ -2841,11 +3156,6 @@
         </p:txBody>
       </p:sp>
     </p:spTree>
-    <p:extLst>
-      <p:ext uri="{BB962C8B-B14F-4D97-AF65-F5344CB8AC3E}">
-        <p14:creationId xmlns:p14="http://schemas.microsoft.com/office/powerpoint/2010/main" val="1033143027"/>
-      </p:ext>
-    </p:extLst>
   </p:cSld>
   <p:clrMapOvr>
     <a:masterClrMapping/>
@@ -2854,11 +3164,11 @@
 </file>
 
 <file path=ppt/slideLayouts/slideLayout2.xml><?xml version="1.0" encoding="utf-8"?>
-<p:sldLayout xmlns:a="http://schemas.openxmlformats.org/drawingml/2006/main" xmlns:r="http://schemas.openxmlformats.org/officeDocument/2006/relationships" xmlns:p="http://schemas.openxmlformats.org/presentationml/2006/main" type="obj" preserve="1">
+<p:sldLayout xmlns:a="http://schemas.openxmlformats.org/drawingml/2006/main" xmlns:r="http://schemas.openxmlformats.org/officeDocument/2006/relationships" xmlns:p="http://schemas.openxmlformats.org/presentationml/2006/main" preserve="1" type="obj">
   <p:cSld name="Заголовок и объект">
     <p:spTree>
       <p:nvGrpSpPr>
-        <p:cNvPr id="1" name=""/>
+        <p:cNvPr id="52" name=""/>
         <p:cNvGrpSpPr/>
         <p:nvPr/>
       </p:nvGrpSpPr>
@@ -2872,7 +3182,7 @@
       </p:grpSpPr>
       <p:sp>
         <p:nvSpPr>
-          <p:cNvPr id="2" name="Title 1"/>
+          <p:cNvPr id="1048667" name="Title 1"/>
           <p:cNvSpPr>
             <a:spLocks noGrp="1"/>
           </p:cNvSpPr>
@@ -2883,19 +3193,18 @@
         <p:spPr/>
         <p:txBody>
           <a:bodyPr/>
-          <a:lstStyle/>
           <a:p>
             <a:r>
               <a:rPr lang="ru-RU" smtClean="0"/>
               <a:t>Образец заголовка</a:t>
             </a:r>
-            <a:endParaRPr lang="en-US" dirty="0"/>
-          </a:p>
-        </p:txBody>
-      </p:sp>
-      <p:sp>
-        <p:nvSpPr>
-          <p:cNvPr id="3" name="Content Placeholder 2"/>
+            <a:endParaRPr dirty="0" lang="en-US"/>
+          </a:p>
+        </p:txBody>
+      </p:sp>
+      <p:sp>
+        <p:nvSpPr>
+          <p:cNvPr id="1048668" name="Content Placeholder 2"/>
           <p:cNvSpPr>
             <a:spLocks noGrp="1"/>
           </p:cNvSpPr>
@@ -2906,7 +3215,6 @@
         <p:spPr/>
         <p:txBody>
           <a:bodyPr anchor="ctr"/>
-          <a:lstStyle/>
           <a:p>
             <a:pPr lvl="0"/>
             <a:r>
@@ -2941,13 +3249,13 @@
               <a:rPr lang="ru-RU" smtClean="0"/>
               <a:t>Пятый уровень</a:t>
             </a:r>
-            <a:endParaRPr lang="en-US" dirty="0"/>
-          </a:p>
-        </p:txBody>
-      </p:sp>
-      <p:sp>
-        <p:nvSpPr>
-          <p:cNvPr id="4" name="Date Placeholder 3"/>
+            <a:endParaRPr dirty="0" lang="en-US"/>
+          </a:p>
+        </p:txBody>
+      </p:sp>
+      <p:sp>
+        <p:nvSpPr>
+          <p:cNvPr id="1048669" name="Date Placeholder 3"/>
           <p:cNvSpPr>
             <a:spLocks noGrp="1"/>
           </p:cNvSpPr>
@@ -2958,7 +3266,6 @@
         <p:spPr/>
         <p:txBody>
           <a:bodyPr/>
-          <a:lstStyle/>
           <a:p>
             <a:fld id="{AE237800-6275-4E80-9DA3-8EF8218FF85F}" type="datetimeFigureOut">
               <a:rPr lang="ru-RU" smtClean="0"/>
@@ -2970,7 +3277,7 @@
       </p:sp>
       <p:sp>
         <p:nvSpPr>
-          <p:cNvPr id="5" name="Footer Placeholder 4"/>
+          <p:cNvPr id="1048670" name="Footer Placeholder 4"/>
           <p:cNvSpPr>
             <a:spLocks noGrp="1"/>
           </p:cNvSpPr>
@@ -2981,7 +3288,6 @@
         <p:spPr/>
         <p:txBody>
           <a:bodyPr/>
-          <a:lstStyle/>
           <a:p>
             <a:endParaRPr lang="ru-RU"/>
           </a:p>
@@ -2989,7 +3295,7 @@
       </p:sp>
       <p:sp>
         <p:nvSpPr>
-          <p:cNvPr id="6" name="Slide Number Placeholder 5"/>
+          <p:cNvPr id="1048671" name="Slide Number Placeholder 5"/>
           <p:cNvSpPr>
             <a:spLocks noGrp="1"/>
           </p:cNvSpPr>
@@ -3000,7 +3306,6 @@
         <p:spPr/>
         <p:txBody>
           <a:bodyPr/>
-          <a:lstStyle/>
           <a:p>
             <a:fld id="{7C70E2F1-B28A-4CF3-AE68-91E479AB55F5}" type="slidenum">
               <a:rPr lang="ru-RU" smtClean="0"/>
@@ -3011,11 +3316,6 @@
         </p:txBody>
       </p:sp>
     </p:spTree>
-    <p:extLst>
-      <p:ext uri="{BB962C8B-B14F-4D97-AF65-F5344CB8AC3E}">
-        <p14:creationId xmlns:p14="http://schemas.microsoft.com/office/powerpoint/2010/main" val="2967580775"/>
-      </p:ext>
-    </p:extLst>
   </p:cSld>
   <p:clrMapOvr>
     <a:masterClrMapping/>
@@ -3024,11 +3324,11 @@
 </file>
 
 <file path=ppt/slideLayouts/slideLayout3.xml><?xml version="1.0" encoding="utf-8"?>
-<p:sldLayout xmlns:a="http://schemas.openxmlformats.org/drawingml/2006/main" xmlns:r="http://schemas.openxmlformats.org/officeDocument/2006/relationships" xmlns:p="http://schemas.openxmlformats.org/presentationml/2006/main" type="secHead" preserve="1">
+<p:sldLayout xmlns:a="http://schemas.openxmlformats.org/drawingml/2006/main" xmlns:r="http://schemas.openxmlformats.org/officeDocument/2006/relationships" xmlns:p="http://schemas.openxmlformats.org/presentationml/2006/main" preserve="1" type="secHead">
   <p:cSld name="Заголовок раздела">
     <p:spTree>
       <p:nvGrpSpPr>
-        <p:cNvPr id="1" name=""/>
+        <p:cNvPr id="49" name=""/>
         <p:cNvGrpSpPr/>
         <p:nvPr/>
       </p:nvGrpSpPr>
@@ -3042,7 +3342,7 @@
       </p:grpSpPr>
       <p:sp>
         <p:nvSpPr>
-          <p:cNvPr id="2" name="Title 1"/>
+          <p:cNvPr id="1048650" name="Title 1"/>
           <p:cNvSpPr>
             <a:spLocks noGrp="1"/>
           </p:cNvSpPr>
@@ -3060,7 +3360,7 @@
           <a:bodyPr anchor="b"/>
           <a:lstStyle>
             <a:lvl1pPr algn="r">
-              <a:defRPr sz="4000" b="0" cap="all"/>
+              <a:defRPr b="0" cap="all" sz="4000"/>
             </a:lvl1pPr>
           </a:lstStyle>
           <a:p>
@@ -3068,13 +3368,13 @@
               <a:rPr lang="ru-RU" smtClean="0"/>
               <a:t>Образец заголовка</a:t>
             </a:r>
-            <a:endParaRPr lang="en-US" dirty="0"/>
-          </a:p>
-        </p:txBody>
-      </p:sp>
-      <p:sp>
-        <p:nvSpPr>
-          <p:cNvPr id="3" name="Text Placeholder 2"/>
+            <a:endParaRPr dirty="0" lang="en-US"/>
+          </a:p>
+        </p:txBody>
+      </p:sp>
+      <p:sp>
+        <p:nvSpPr>
+          <p:cNvPr id="1048651" name="Text Placeholder 2"/>
           <p:cNvSpPr>
             <a:spLocks noGrp="1"/>
           </p:cNvSpPr>
@@ -3093,7 +3393,7 @@
             <a:normAutofit/>
           </a:bodyPr>
           <a:lstStyle>
-            <a:lvl1pPr marL="0" indent="0" algn="r">
+            <a:lvl1pPr algn="r" indent="0" marL="0">
               <a:buNone/>
               <a:defRPr sz="2000">
                 <a:gradFill flip="none" rotWithShape="1">
@@ -3108,11 +3408,10 @@
                     </a:gs>
                   </a:gsLst>
                   <a:lin ang="5400000" scaled="0"/>
-                  <a:tileRect/>
                 </a:gradFill>
               </a:defRPr>
             </a:lvl1pPr>
-            <a:lvl2pPr marL="457200" indent="0">
+            <a:lvl2pPr indent="0" marL="457200">
               <a:buNone/>
               <a:defRPr sz="1800">
                 <a:solidFill>
@@ -3122,7 +3421,7 @@
                 </a:solidFill>
               </a:defRPr>
             </a:lvl2pPr>
-            <a:lvl3pPr marL="914400" indent="0">
+            <a:lvl3pPr indent="0" marL="914400">
               <a:buNone/>
               <a:defRPr sz="1600">
                 <a:solidFill>
@@ -3132,7 +3431,7 @@
                 </a:solidFill>
               </a:defRPr>
             </a:lvl3pPr>
-            <a:lvl4pPr marL="1371600" indent="0">
+            <a:lvl4pPr indent="0" marL="1371600">
               <a:buNone/>
               <a:defRPr sz="1400">
                 <a:solidFill>
@@ -3142,7 +3441,7 @@
                 </a:solidFill>
               </a:defRPr>
             </a:lvl4pPr>
-            <a:lvl5pPr marL="1828800" indent="0">
+            <a:lvl5pPr indent="0" marL="1828800">
               <a:buNone/>
               <a:defRPr sz="1400">
                 <a:solidFill>
@@ -3152,7 +3451,7 @@
                 </a:solidFill>
               </a:defRPr>
             </a:lvl5pPr>
-            <a:lvl6pPr marL="2286000" indent="0">
+            <a:lvl6pPr indent="0" marL="2286000">
               <a:buNone/>
               <a:defRPr sz="1400">
                 <a:solidFill>
@@ -3162,7 +3461,7 @@
                 </a:solidFill>
               </a:defRPr>
             </a:lvl6pPr>
-            <a:lvl7pPr marL="2743200" indent="0">
+            <a:lvl7pPr indent="0" marL="2743200">
               <a:buNone/>
               <a:defRPr sz="1400">
                 <a:solidFill>
@@ -3172,7 +3471,7 @@
                 </a:solidFill>
               </a:defRPr>
             </a:lvl7pPr>
-            <a:lvl8pPr marL="3200400" indent="0">
+            <a:lvl8pPr indent="0" marL="3200400">
               <a:buNone/>
               <a:defRPr sz="1400">
                 <a:solidFill>
@@ -3182,7 +3481,7 @@
                 </a:solidFill>
               </a:defRPr>
             </a:lvl8pPr>
-            <a:lvl9pPr marL="3657600" indent="0">
+            <a:lvl9pPr indent="0" marL="3657600">
               <a:buNone/>
               <a:defRPr sz="1400">
                 <a:solidFill>
@@ -3204,7 +3503,7 @@
       </p:sp>
       <p:sp>
         <p:nvSpPr>
-          <p:cNvPr id="4" name="Date Placeholder 3"/>
+          <p:cNvPr id="1048652" name="Date Placeholder 3"/>
           <p:cNvSpPr>
             <a:spLocks noGrp="1"/>
           </p:cNvSpPr>
@@ -3215,7 +3514,6 @@
         <p:spPr/>
         <p:txBody>
           <a:bodyPr/>
-          <a:lstStyle/>
           <a:p>
             <a:fld id="{AE237800-6275-4E80-9DA3-8EF8218FF85F}" type="datetimeFigureOut">
               <a:rPr lang="ru-RU" smtClean="0"/>
@@ -3227,7 +3525,7 @@
       </p:sp>
       <p:sp>
         <p:nvSpPr>
-          <p:cNvPr id="5" name="Footer Placeholder 4"/>
+          <p:cNvPr id="1048653" name="Footer Placeholder 4"/>
           <p:cNvSpPr>
             <a:spLocks noGrp="1"/>
           </p:cNvSpPr>
@@ -3238,7 +3536,6 @@
         <p:spPr/>
         <p:txBody>
           <a:bodyPr/>
-          <a:lstStyle/>
           <a:p>
             <a:endParaRPr lang="ru-RU"/>
           </a:p>
@@ -3246,7 +3543,7 @@
       </p:sp>
       <p:sp>
         <p:nvSpPr>
-          <p:cNvPr id="6" name="Slide Number Placeholder 5"/>
+          <p:cNvPr id="1048654" name="Slide Number Placeholder 5"/>
           <p:cNvSpPr>
             <a:spLocks noGrp="1"/>
           </p:cNvSpPr>
@@ -3257,7 +3554,6 @@
         <p:spPr/>
         <p:txBody>
           <a:bodyPr/>
-          <a:lstStyle/>
           <a:p>
             <a:fld id="{7C70E2F1-B28A-4CF3-AE68-91E479AB55F5}" type="slidenum">
               <a:rPr lang="ru-RU" smtClean="0"/>
@@ -3268,11 +3564,6 @@
         </p:txBody>
       </p:sp>
     </p:spTree>
-    <p:extLst>
-      <p:ext uri="{BB962C8B-B14F-4D97-AF65-F5344CB8AC3E}">
-        <p14:creationId xmlns:p14="http://schemas.microsoft.com/office/powerpoint/2010/main" val="4281633043"/>
-      </p:ext>
-    </p:extLst>
   </p:cSld>
   <p:clrMapOvr>
     <a:masterClrMapping/>
@@ -3281,11 +3572,11 @@
 </file>
 
 <file path=ppt/slideLayouts/slideLayout4.xml><?xml version="1.0" encoding="utf-8"?>
-<p:sldLayout xmlns:a="http://schemas.openxmlformats.org/drawingml/2006/main" xmlns:r="http://schemas.openxmlformats.org/officeDocument/2006/relationships" xmlns:p="http://schemas.openxmlformats.org/presentationml/2006/main" type="twoObj" preserve="1">
+<p:sldLayout xmlns:a="http://schemas.openxmlformats.org/drawingml/2006/main" xmlns:r="http://schemas.openxmlformats.org/officeDocument/2006/relationships" xmlns:p="http://schemas.openxmlformats.org/presentationml/2006/main" preserve="1" type="twoObj">
   <p:cSld name="Два объекта">
     <p:spTree>
       <p:nvGrpSpPr>
-        <p:cNvPr id="1" name=""/>
+        <p:cNvPr id="51" name=""/>
         <p:cNvGrpSpPr/>
         <p:nvPr/>
       </p:nvGrpSpPr>
@@ -3299,7 +3590,7 @@
       </p:grpSpPr>
       <p:sp>
         <p:nvSpPr>
-          <p:cNvPr id="2" name="Title 1"/>
+          <p:cNvPr id="1048661" name="Title 1"/>
           <p:cNvSpPr>
             <a:spLocks noGrp="1"/>
           </p:cNvSpPr>
@@ -3310,19 +3601,18 @@
         <p:spPr/>
         <p:txBody>
           <a:bodyPr/>
-          <a:lstStyle/>
           <a:p>
             <a:r>
               <a:rPr lang="ru-RU" smtClean="0"/>
               <a:t>Образец заголовка</a:t>
             </a:r>
-            <a:endParaRPr lang="en-US" dirty="0"/>
-          </a:p>
-        </p:txBody>
-      </p:sp>
-      <p:sp>
-        <p:nvSpPr>
-          <p:cNvPr id="3" name="Content Placeholder 2"/>
+            <a:endParaRPr dirty="0" lang="en-US"/>
+          </a:p>
+        </p:txBody>
+      </p:sp>
+      <p:sp>
+        <p:nvSpPr>
+          <p:cNvPr id="1048662" name="Content Placeholder 2"/>
           <p:cNvSpPr>
             <a:spLocks noGrp="1"/>
           </p:cNvSpPr>
@@ -3403,13 +3693,13 @@
               <a:rPr lang="ru-RU" smtClean="0"/>
               <a:t>Пятый уровень</a:t>
             </a:r>
-            <a:endParaRPr lang="en-US" dirty="0"/>
-          </a:p>
-        </p:txBody>
-      </p:sp>
-      <p:sp>
-        <p:nvSpPr>
-          <p:cNvPr id="4" name="Content Placeholder 3"/>
+            <a:endParaRPr dirty="0" lang="en-US"/>
+          </a:p>
+        </p:txBody>
+      </p:sp>
+      <p:sp>
+        <p:nvSpPr>
+          <p:cNvPr id="1048663" name="Content Placeholder 3"/>
           <p:cNvSpPr>
             <a:spLocks noGrp="1"/>
           </p:cNvSpPr>
@@ -3490,13 +3780,13 @@
               <a:rPr lang="ru-RU" smtClean="0"/>
               <a:t>Пятый уровень</a:t>
             </a:r>
-            <a:endParaRPr lang="en-US" dirty="0"/>
-          </a:p>
-        </p:txBody>
-      </p:sp>
-      <p:sp>
-        <p:nvSpPr>
-          <p:cNvPr id="5" name="Date Placeholder 4"/>
+            <a:endParaRPr dirty="0" lang="en-US"/>
+          </a:p>
+        </p:txBody>
+      </p:sp>
+      <p:sp>
+        <p:nvSpPr>
+          <p:cNvPr id="1048664" name="Date Placeholder 4"/>
           <p:cNvSpPr>
             <a:spLocks noGrp="1"/>
           </p:cNvSpPr>
@@ -3507,7 +3797,6 @@
         <p:spPr/>
         <p:txBody>
           <a:bodyPr/>
-          <a:lstStyle/>
           <a:p>
             <a:fld id="{AE237800-6275-4E80-9DA3-8EF8218FF85F}" type="datetimeFigureOut">
               <a:rPr lang="ru-RU" smtClean="0"/>
@@ -3519,7 +3808,7 @@
       </p:sp>
       <p:sp>
         <p:nvSpPr>
-          <p:cNvPr id="6" name="Footer Placeholder 5"/>
+          <p:cNvPr id="1048665" name="Footer Placeholder 5"/>
           <p:cNvSpPr>
             <a:spLocks noGrp="1"/>
           </p:cNvSpPr>
@@ -3530,7 +3819,6 @@
         <p:spPr/>
         <p:txBody>
           <a:bodyPr/>
-          <a:lstStyle/>
           <a:p>
             <a:endParaRPr lang="ru-RU"/>
           </a:p>
@@ -3538,7 +3826,7 @@
       </p:sp>
       <p:sp>
         <p:nvSpPr>
-          <p:cNvPr id="7" name="Slide Number Placeholder 6"/>
+          <p:cNvPr id="1048666" name="Slide Number Placeholder 6"/>
           <p:cNvSpPr>
             <a:spLocks noGrp="1"/>
           </p:cNvSpPr>
@@ -3549,7 +3837,6 @@
         <p:spPr/>
         <p:txBody>
           <a:bodyPr/>
-          <a:lstStyle/>
           <a:p>
             <a:fld id="{7C70E2F1-B28A-4CF3-AE68-91E479AB55F5}" type="slidenum">
               <a:rPr lang="ru-RU" smtClean="0"/>
@@ -3560,11 +3847,6 @@
         </p:txBody>
       </p:sp>
     </p:spTree>
-    <p:extLst>
-      <p:ext uri="{BB962C8B-B14F-4D97-AF65-F5344CB8AC3E}">
-        <p14:creationId xmlns:p14="http://schemas.microsoft.com/office/powerpoint/2010/main" val="3457335786"/>
-      </p:ext>
-    </p:extLst>
   </p:cSld>
   <p:clrMapOvr>
     <a:masterClrMapping/>
@@ -3573,11 +3855,11 @@
 </file>
 
 <file path=ppt/slideLayouts/slideLayout5.xml><?xml version="1.0" encoding="utf-8"?>
-<p:sldLayout xmlns:a="http://schemas.openxmlformats.org/drawingml/2006/main" xmlns:r="http://schemas.openxmlformats.org/officeDocument/2006/relationships" xmlns:p="http://schemas.openxmlformats.org/presentationml/2006/main" type="twoTxTwoObj" preserve="1">
+<p:sldLayout xmlns:a="http://schemas.openxmlformats.org/drawingml/2006/main" xmlns:r="http://schemas.openxmlformats.org/officeDocument/2006/relationships" xmlns:p="http://schemas.openxmlformats.org/presentationml/2006/main" preserve="1" type="twoTxTwoObj">
   <p:cSld name="Сравнение">
     <p:spTree>
       <p:nvGrpSpPr>
-        <p:cNvPr id="1" name=""/>
+        <p:cNvPr id="44" name=""/>
         <p:cNvGrpSpPr/>
         <p:nvPr/>
       </p:nvGrpSpPr>
@@ -3591,7 +3873,7 @@
       </p:grpSpPr>
       <p:sp>
         <p:nvSpPr>
-          <p:cNvPr id="2" name="Title 1"/>
+          <p:cNvPr id="1048619" name="Title 1"/>
           <p:cNvSpPr>
             <a:spLocks noGrp="1"/>
           </p:cNvSpPr>
@@ -3602,23 +3884,18 @@
         <p:spPr/>
         <p:txBody>
           <a:bodyPr/>
-          <a:lstStyle>
-            <a:lvl1pPr>
-              <a:defRPr/>
-            </a:lvl1pPr>
-          </a:lstStyle>
           <a:p>
             <a:r>
               <a:rPr lang="ru-RU" smtClean="0"/>
               <a:t>Образец заголовка</a:t>
             </a:r>
-            <a:endParaRPr lang="en-US" dirty="0"/>
-          </a:p>
-        </p:txBody>
-      </p:sp>
-      <p:sp>
-        <p:nvSpPr>
-          <p:cNvPr id="3" name="Text Placeholder 2"/>
+            <a:endParaRPr dirty="0" lang="en-US"/>
+          </a:p>
+        </p:txBody>
+      </p:sp>
+      <p:sp>
+        <p:nvSpPr>
+          <p:cNvPr id="1048620" name="Text Placeholder 2"/>
           <p:cNvSpPr>
             <a:spLocks noGrp="1"/>
           </p:cNvSpPr>
@@ -3637,41 +3914,41 @@
             <a:noAutofit/>
           </a:bodyPr>
           <a:lstStyle>
-            <a:lvl1pPr marL="0" indent="0">
-              <a:buNone/>
-              <a:defRPr sz="2800" b="0"/>
+            <a:lvl1pPr indent="0" marL="0">
+              <a:buNone/>
+              <a:defRPr b="0" sz="2800"/>
             </a:lvl1pPr>
-            <a:lvl2pPr marL="457200" indent="0">
-              <a:buNone/>
-              <a:defRPr sz="2000" b="1"/>
+            <a:lvl2pPr indent="0" marL="457200">
+              <a:buNone/>
+              <a:defRPr b="1" sz="2000"/>
             </a:lvl2pPr>
-            <a:lvl3pPr marL="914400" indent="0">
-              <a:buNone/>
-              <a:defRPr sz="1800" b="1"/>
+            <a:lvl3pPr indent="0" marL="914400">
+              <a:buNone/>
+              <a:defRPr b="1" sz="1800"/>
             </a:lvl3pPr>
-            <a:lvl4pPr marL="1371600" indent="0">
-              <a:buNone/>
-              <a:defRPr sz="1600" b="1"/>
+            <a:lvl4pPr indent="0" marL="1371600">
+              <a:buNone/>
+              <a:defRPr b="1" sz="1600"/>
             </a:lvl4pPr>
-            <a:lvl5pPr marL="1828800" indent="0">
-              <a:buNone/>
-              <a:defRPr sz="1600" b="1"/>
+            <a:lvl5pPr indent="0" marL="1828800">
+              <a:buNone/>
+              <a:defRPr b="1" sz="1600"/>
             </a:lvl5pPr>
-            <a:lvl6pPr marL="2286000" indent="0">
-              <a:buNone/>
-              <a:defRPr sz="1600" b="1"/>
+            <a:lvl6pPr indent="0" marL="2286000">
+              <a:buNone/>
+              <a:defRPr b="1" sz="1600"/>
             </a:lvl6pPr>
-            <a:lvl7pPr marL="2743200" indent="0">
-              <a:buNone/>
-              <a:defRPr sz="1600" b="1"/>
+            <a:lvl7pPr indent="0" marL="2743200">
+              <a:buNone/>
+              <a:defRPr b="1" sz="1600"/>
             </a:lvl7pPr>
-            <a:lvl8pPr marL="3200400" indent="0">
-              <a:buNone/>
-              <a:defRPr sz="1600" b="1"/>
+            <a:lvl8pPr indent="0" marL="3200400">
+              <a:buNone/>
+              <a:defRPr b="1" sz="1600"/>
             </a:lvl8pPr>
-            <a:lvl9pPr marL="3657600" indent="0">
-              <a:buNone/>
-              <a:defRPr sz="1600" b="1"/>
+            <a:lvl9pPr indent="0" marL="3657600">
+              <a:buNone/>
+              <a:defRPr b="1" sz="1600"/>
             </a:lvl9pPr>
           </a:lstStyle>
           <a:p>
@@ -3685,7 +3962,7 @@
       </p:sp>
       <p:sp>
         <p:nvSpPr>
-          <p:cNvPr id="4" name="Content Placeholder 3"/>
+          <p:cNvPr id="1048621" name="Content Placeholder 3"/>
           <p:cNvSpPr>
             <a:spLocks noGrp="1"/>
           </p:cNvSpPr>
@@ -3766,13 +4043,13 @@
               <a:rPr lang="ru-RU" smtClean="0"/>
               <a:t>Пятый уровень</a:t>
             </a:r>
-            <a:endParaRPr lang="en-US" dirty="0"/>
-          </a:p>
-        </p:txBody>
-      </p:sp>
-      <p:sp>
-        <p:nvSpPr>
-          <p:cNvPr id="5" name="Text Placeholder 4"/>
+            <a:endParaRPr dirty="0" lang="en-US"/>
+          </a:p>
+        </p:txBody>
+      </p:sp>
+      <p:sp>
+        <p:nvSpPr>
+          <p:cNvPr id="1048622" name="Text Placeholder 4"/>
           <p:cNvSpPr>
             <a:spLocks noGrp="1"/>
           </p:cNvSpPr>
@@ -3791,41 +4068,41 @@
             <a:noAutofit/>
           </a:bodyPr>
           <a:lstStyle>
-            <a:lvl1pPr marL="0" indent="0">
-              <a:buNone/>
-              <a:defRPr sz="2800" b="0"/>
+            <a:lvl1pPr indent="0" marL="0">
+              <a:buNone/>
+              <a:defRPr b="0" sz="2800"/>
             </a:lvl1pPr>
-            <a:lvl2pPr marL="457200" indent="0">
-              <a:buNone/>
-              <a:defRPr sz="2000" b="1"/>
+            <a:lvl2pPr indent="0" marL="457200">
+              <a:buNone/>
+              <a:defRPr b="1" sz="2000"/>
             </a:lvl2pPr>
-            <a:lvl3pPr marL="914400" indent="0">
-              <a:buNone/>
-              <a:defRPr sz="1800" b="1"/>
+            <a:lvl3pPr indent="0" marL="914400">
+              <a:buNone/>
+              <a:defRPr b="1" sz="1800"/>
             </a:lvl3pPr>
-            <a:lvl4pPr marL="1371600" indent="0">
-              <a:buNone/>
-              <a:defRPr sz="1600" b="1"/>
+            <a:lvl4pPr indent="0" marL="1371600">
+              <a:buNone/>
+              <a:defRPr b="1" sz="1600"/>
             </a:lvl4pPr>
-            <a:lvl5pPr marL="1828800" indent="0">
-              <a:buNone/>
-              <a:defRPr sz="1600" b="1"/>
+            <a:lvl5pPr indent="0" marL="1828800">
+              <a:buNone/>
+              <a:defRPr b="1" sz="1600"/>
             </a:lvl5pPr>
-            <a:lvl6pPr marL="2286000" indent="0">
-              <a:buNone/>
-              <a:defRPr sz="1600" b="1"/>
+            <a:lvl6pPr indent="0" marL="2286000">
+              <a:buNone/>
+              <a:defRPr b="1" sz="1600"/>
             </a:lvl6pPr>
-            <a:lvl7pPr marL="2743200" indent="0">
-              <a:buNone/>
-              <a:defRPr sz="1600" b="1"/>
+            <a:lvl7pPr indent="0" marL="2743200">
+              <a:buNone/>
+              <a:defRPr b="1" sz="1600"/>
             </a:lvl7pPr>
-            <a:lvl8pPr marL="3200400" indent="0">
-              <a:buNone/>
-              <a:defRPr sz="1600" b="1"/>
+            <a:lvl8pPr indent="0" marL="3200400">
+              <a:buNone/>
+              <a:defRPr b="1" sz="1600"/>
             </a:lvl8pPr>
-            <a:lvl9pPr marL="3657600" indent="0">
-              <a:buNone/>
-              <a:defRPr sz="1600" b="1"/>
+            <a:lvl9pPr indent="0" marL="3657600">
+              <a:buNone/>
+              <a:defRPr b="1" sz="1600"/>
             </a:lvl9pPr>
           </a:lstStyle>
           <a:p>
@@ -3839,7 +4116,7 @@
       </p:sp>
       <p:sp>
         <p:nvSpPr>
-          <p:cNvPr id="6" name="Content Placeholder 5"/>
+          <p:cNvPr id="1048623" name="Content Placeholder 5"/>
           <p:cNvSpPr>
             <a:spLocks noGrp="1"/>
           </p:cNvSpPr>
@@ -3920,13 +4197,13 @@
               <a:rPr lang="ru-RU" smtClean="0"/>
               <a:t>Пятый уровень</a:t>
             </a:r>
-            <a:endParaRPr lang="en-US" dirty="0"/>
-          </a:p>
-        </p:txBody>
-      </p:sp>
-      <p:sp>
-        <p:nvSpPr>
-          <p:cNvPr id="7" name="Date Placeholder 6"/>
+            <a:endParaRPr dirty="0" lang="en-US"/>
+          </a:p>
+        </p:txBody>
+      </p:sp>
+      <p:sp>
+        <p:nvSpPr>
+          <p:cNvPr id="1048624" name="Date Placeholder 6"/>
           <p:cNvSpPr>
             <a:spLocks noGrp="1"/>
           </p:cNvSpPr>
@@ -3937,7 +4214,6 @@
         <p:spPr/>
         <p:txBody>
           <a:bodyPr/>
-          <a:lstStyle/>
           <a:p>
             <a:fld id="{AE237800-6275-4E80-9DA3-8EF8218FF85F}" type="datetimeFigureOut">
               <a:rPr lang="ru-RU" smtClean="0"/>
@@ -3949,7 +4225,7 @@
       </p:sp>
       <p:sp>
         <p:nvSpPr>
-          <p:cNvPr id="8" name="Footer Placeholder 7"/>
+          <p:cNvPr id="1048625" name="Footer Placeholder 7"/>
           <p:cNvSpPr>
             <a:spLocks noGrp="1"/>
           </p:cNvSpPr>
@@ -3960,7 +4236,6 @@
         <p:spPr/>
         <p:txBody>
           <a:bodyPr/>
-          <a:lstStyle/>
           <a:p>
             <a:endParaRPr lang="ru-RU"/>
           </a:p>
@@ -3968,7 +4243,7 @@
       </p:sp>
       <p:sp>
         <p:nvSpPr>
-          <p:cNvPr id="9" name="Slide Number Placeholder 8"/>
+          <p:cNvPr id="1048626" name="Slide Number Placeholder 8"/>
           <p:cNvSpPr>
             <a:spLocks noGrp="1"/>
           </p:cNvSpPr>
@@ -3979,7 +4254,6 @@
         <p:spPr/>
         <p:txBody>
           <a:bodyPr/>
-          <a:lstStyle/>
           <a:p>
             <a:fld id="{7C70E2F1-B28A-4CF3-AE68-91E479AB55F5}" type="slidenum">
               <a:rPr lang="ru-RU" smtClean="0"/>
@@ -3990,11 +4264,6 @@
         </p:txBody>
       </p:sp>
     </p:spTree>
-    <p:extLst>
-      <p:ext uri="{BB962C8B-B14F-4D97-AF65-F5344CB8AC3E}">
-        <p14:creationId xmlns:p14="http://schemas.microsoft.com/office/powerpoint/2010/main" val="3962286298"/>
-      </p:ext>
-    </p:extLst>
   </p:cSld>
   <p:clrMapOvr>
     <a:masterClrMapping/>
@@ -4003,11 +4272,11 @@
 </file>
 
 <file path=ppt/slideLayouts/slideLayout6.xml><?xml version="1.0" encoding="utf-8"?>
-<p:sldLayout xmlns:a="http://schemas.openxmlformats.org/drawingml/2006/main" xmlns:r="http://schemas.openxmlformats.org/officeDocument/2006/relationships" xmlns:p="http://schemas.openxmlformats.org/presentationml/2006/main" type="titleOnly" preserve="1">
+<p:sldLayout xmlns:a="http://schemas.openxmlformats.org/drawingml/2006/main" xmlns:r="http://schemas.openxmlformats.org/officeDocument/2006/relationships" xmlns:p="http://schemas.openxmlformats.org/presentationml/2006/main" preserve="1" type="titleOnly">
   <p:cSld name="Только заголовок">
     <p:spTree>
       <p:nvGrpSpPr>
-        <p:cNvPr id="1" name=""/>
+        <p:cNvPr id="53" name=""/>
         <p:cNvGrpSpPr/>
         <p:nvPr/>
       </p:nvGrpSpPr>
@@ -4021,7 +4290,7 @@
       </p:grpSpPr>
       <p:sp>
         <p:nvSpPr>
-          <p:cNvPr id="2" name="Title 1"/>
+          <p:cNvPr id="1048672" name="Title 1"/>
           <p:cNvSpPr>
             <a:spLocks noGrp="1"/>
           </p:cNvSpPr>
@@ -4032,19 +4301,18 @@
         <p:spPr/>
         <p:txBody>
           <a:bodyPr/>
-          <a:lstStyle/>
           <a:p>
             <a:r>
               <a:rPr lang="ru-RU" smtClean="0"/>
               <a:t>Образец заголовка</a:t>
             </a:r>
-            <a:endParaRPr lang="en-US" dirty="0"/>
-          </a:p>
-        </p:txBody>
-      </p:sp>
-      <p:sp>
-        <p:nvSpPr>
-          <p:cNvPr id="3" name="Date Placeholder 2"/>
+            <a:endParaRPr dirty="0" lang="en-US"/>
+          </a:p>
+        </p:txBody>
+      </p:sp>
+      <p:sp>
+        <p:nvSpPr>
+          <p:cNvPr id="1048673" name="Date Placeholder 2"/>
           <p:cNvSpPr>
             <a:spLocks noGrp="1"/>
           </p:cNvSpPr>
@@ -4055,7 +4323,6 @@
         <p:spPr/>
         <p:txBody>
           <a:bodyPr/>
-          <a:lstStyle/>
           <a:p>
             <a:fld id="{AE237800-6275-4E80-9DA3-8EF8218FF85F}" type="datetimeFigureOut">
               <a:rPr lang="ru-RU" smtClean="0"/>
@@ -4067,7 +4334,7 @@
       </p:sp>
       <p:sp>
         <p:nvSpPr>
-          <p:cNvPr id="4" name="Footer Placeholder 3"/>
+          <p:cNvPr id="1048674" name="Footer Placeholder 3"/>
           <p:cNvSpPr>
             <a:spLocks noGrp="1"/>
           </p:cNvSpPr>
@@ -4078,7 +4345,6 @@
         <p:spPr/>
         <p:txBody>
           <a:bodyPr/>
-          <a:lstStyle/>
           <a:p>
             <a:endParaRPr lang="ru-RU"/>
           </a:p>
@@ -4086,7 +4352,7 @@
       </p:sp>
       <p:sp>
         <p:nvSpPr>
-          <p:cNvPr id="5" name="Slide Number Placeholder 4"/>
+          <p:cNvPr id="1048675" name="Slide Number Placeholder 4"/>
           <p:cNvSpPr>
             <a:spLocks noGrp="1"/>
           </p:cNvSpPr>
@@ -4097,7 +4363,6 @@
         <p:spPr/>
         <p:txBody>
           <a:bodyPr/>
-          <a:lstStyle/>
           <a:p>
             <a:fld id="{7C70E2F1-B28A-4CF3-AE68-91E479AB55F5}" type="slidenum">
               <a:rPr lang="ru-RU" smtClean="0"/>
@@ -4108,11 +4373,6 @@
         </p:txBody>
       </p:sp>
     </p:spTree>
-    <p:extLst>
-      <p:ext uri="{BB962C8B-B14F-4D97-AF65-F5344CB8AC3E}">
-        <p14:creationId xmlns:p14="http://schemas.microsoft.com/office/powerpoint/2010/main" val="1481150130"/>
-      </p:ext>
-    </p:extLst>
   </p:cSld>
   <p:clrMapOvr>
     <a:masterClrMapping/>
@@ -4121,11 +4381,11 @@
 </file>
 
 <file path=ppt/slideLayouts/slideLayout7.xml><?xml version="1.0" encoding="utf-8"?>
-<p:sldLayout xmlns:a="http://schemas.openxmlformats.org/drawingml/2006/main" xmlns:r="http://schemas.openxmlformats.org/officeDocument/2006/relationships" xmlns:p="http://schemas.openxmlformats.org/presentationml/2006/main" type="blank" preserve="1">
+<p:sldLayout xmlns:a="http://schemas.openxmlformats.org/drawingml/2006/main" xmlns:r="http://schemas.openxmlformats.org/officeDocument/2006/relationships" xmlns:p="http://schemas.openxmlformats.org/presentationml/2006/main" preserve="1" type="blank">
   <p:cSld name="Пустой слайд">
     <p:spTree>
       <p:nvGrpSpPr>
-        <p:cNvPr id="1" name=""/>
+        <p:cNvPr id="29" name=""/>
         <p:cNvGrpSpPr/>
         <p:nvPr/>
       </p:nvGrpSpPr>
@@ -4139,7 +4399,7 @@
       </p:grpSpPr>
       <p:sp>
         <p:nvSpPr>
-          <p:cNvPr id="2" name="Date Placeholder 1"/>
+          <p:cNvPr id="1048581" name="Date Placeholder 1"/>
           <p:cNvSpPr>
             <a:spLocks noGrp="1"/>
           </p:cNvSpPr>
@@ -4150,7 +4410,6 @@
         <p:spPr/>
         <p:txBody>
           <a:bodyPr/>
-          <a:lstStyle/>
           <a:p>
             <a:fld id="{AE237800-6275-4E80-9DA3-8EF8218FF85F}" type="datetimeFigureOut">
               <a:rPr lang="ru-RU" smtClean="0"/>
@@ -4162,7 +4421,7 @@
       </p:sp>
       <p:sp>
         <p:nvSpPr>
-          <p:cNvPr id="3" name="Footer Placeholder 2"/>
+          <p:cNvPr id="1048582" name="Footer Placeholder 2"/>
           <p:cNvSpPr>
             <a:spLocks noGrp="1"/>
           </p:cNvSpPr>
@@ -4173,7 +4432,6 @@
         <p:spPr/>
         <p:txBody>
           <a:bodyPr/>
-          <a:lstStyle/>
           <a:p>
             <a:endParaRPr lang="ru-RU"/>
           </a:p>
@@ -4181,7 +4439,7 @@
       </p:sp>
       <p:sp>
         <p:nvSpPr>
-          <p:cNvPr id="4" name="Slide Number Placeholder 3"/>
+          <p:cNvPr id="1048583" name="Slide Number Placeholder 3"/>
           <p:cNvSpPr>
             <a:spLocks noGrp="1"/>
           </p:cNvSpPr>
@@ -4192,7 +4450,6 @@
         <p:spPr/>
         <p:txBody>
           <a:bodyPr/>
-          <a:lstStyle/>
           <a:p>
             <a:fld id="{7C70E2F1-B28A-4CF3-AE68-91E479AB55F5}" type="slidenum">
               <a:rPr lang="ru-RU" smtClean="0"/>
@@ -4203,11 +4460,6 @@
         </p:txBody>
       </p:sp>
     </p:spTree>
-    <p:extLst>
-      <p:ext uri="{BB962C8B-B14F-4D97-AF65-F5344CB8AC3E}">
-        <p14:creationId xmlns:p14="http://schemas.microsoft.com/office/powerpoint/2010/main" val="2617707391"/>
-      </p:ext>
-    </p:extLst>
   </p:cSld>
   <p:clrMapOvr>
     <a:masterClrMapping/>
@@ -4216,11 +4468,11 @@
 </file>
 
 <file path=ppt/slideLayouts/slideLayout8.xml><?xml version="1.0" encoding="utf-8"?>
-<p:sldLayout xmlns:a="http://schemas.openxmlformats.org/drawingml/2006/main" xmlns:r="http://schemas.openxmlformats.org/officeDocument/2006/relationships" xmlns:p="http://schemas.openxmlformats.org/presentationml/2006/main" type="objTx" preserve="1">
+<p:sldLayout xmlns:a="http://schemas.openxmlformats.org/drawingml/2006/main" xmlns:r="http://schemas.openxmlformats.org/officeDocument/2006/relationships" xmlns:p="http://schemas.openxmlformats.org/presentationml/2006/main" preserve="1" type="objTx">
   <p:cSld name="Объект с подписью">
     <p:spTree>
       <p:nvGrpSpPr>
-        <p:cNvPr id="1" name=""/>
+        <p:cNvPr id="50" name=""/>
         <p:cNvGrpSpPr/>
         <p:nvPr/>
       </p:nvGrpSpPr>
@@ -4234,7 +4486,7 @@
       </p:grpSpPr>
       <p:sp>
         <p:nvSpPr>
-          <p:cNvPr id="2" name="Title 1"/>
+          <p:cNvPr id="1048655" name="Title 1"/>
           <p:cNvSpPr>
             <a:spLocks noGrp="1"/>
           </p:cNvSpPr>
@@ -4254,7 +4506,7 @@
           </a:bodyPr>
           <a:lstStyle>
             <a:lvl1pPr algn="l">
-              <a:defRPr sz="2400" b="0"/>
+              <a:defRPr b="0" sz="2400"/>
             </a:lvl1pPr>
           </a:lstStyle>
           <a:p>
@@ -4262,13 +4514,13 @@
               <a:rPr lang="ru-RU" smtClean="0"/>
               <a:t>Образец заголовка</a:t>
             </a:r>
-            <a:endParaRPr lang="en-US" dirty="0"/>
-          </a:p>
-        </p:txBody>
-      </p:sp>
-      <p:sp>
-        <p:nvSpPr>
-          <p:cNvPr id="3" name="Content Placeholder 2"/>
+            <a:endParaRPr dirty="0" lang="en-US"/>
+          </a:p>
+        </p:txBody>
+      </p:sp>
+      <p:sp>
+        <p:nvSpPr>
+          <p:cNvPr id="1048656" name="Content Placeholder 2"/>
           <p:cNvSpPr>
             <a:spLocks noGrp="1"/>
           </p:cNvSpPr>
@@ -4349,13 +4601,13 @@
               <a:rPr lang="ru-RU" smtClean="0"/>
               <a:t>Пятый уровень</a:t>
             </a:r>
-            <a:endParaRPr lang="en-US" dirty="0"/>
-          </a:p>
-        </p:txBody>
-      </p:sp>
-      <p:sp>
-        <p:nvSpPr>
-          <p:cNvPr id="4" name="Text Placeholder 3"/>
+            <a:endParaRPr dirty="0" lang="en-US"/>
+          </a:p>
+        </p:txBody>
+      </p:sp>
+      <p:sp>
+        <p:nvSpPr>
+          <p:cNvPr id="1048657" name="Text Placeholder 3"/>
           <p:cNvSpPr>
             <a:spLocks noGrp="1"/>
           </p:cNvSpPr>
@@ -4374,39 +4626,39 @@
             <a:normAutofit/>
           </a:bodyPr>
           <a:lstStyle>
-            <a:lvl1pPr marL="0" indent="0">
+            <a:lvl1pPr indent="0" marL="0">
               <a:buNone/>
               <a:defRPr sz="1600"/>
             </a:lvl1pPr>
-            <a:lvl2pPr marL="457200" indent="0">
+            <a:lvl2pPr indent="0" marL="457200">
               <a:buNone/>
               <a:defRPr sz="1200"/>
             </a:lvl2pPr>
-            <a:lvl3pPr marL="914400" indent="0">
+            <a:lvl3pPr indent="0" marL="914400">
               <a:buNone/>
               <a:defRPr sz="1000"/>
             </a:lvl3pPr>
-            <a:lvl4pPr marL="1371600" indent="0">
+            <a:lvl4pPr indent="0" marL="1371600">
               <a:buNone/>
               <a:defRPr sz="900"/>
             </a:lvl4pPr>
-            <a:lvl5pPr marL="1828800" indent="0">
+            <a:lvl5pPr indent="0" marL="1828800">
               <a:buNone/>
               <a:defRPr sz="900"/>
             </a:lvl5pPr>
-            <a:lvl6pPr marL="2286000" indent="0">
+            <a:lvl6pPr indent="0" marL="2286000">
               <a:buNone/>
               <a:defRPr sz="900"/>
             </a:lvl6pPr>
-            <a:lvl7pPr marL="2743200" indent="0">
+            <a:lvl7pPr indent="0" marL="2743200">
               <a:buNone/>
               <a:defRPr sz="900"/>
             </a:lvl7pPr>
-            <a:lvl8pPr marL="3200400" indent="0">
+            <a:lvl8pPr indent="0" marL="3200400">
               <a:buNone/>
               <a:defRPr sz="900"/>
             </a:lvl8pPr>
-            <a:lvl9pPr marL="3657600" indent="0">
+            <a:lvl9pPr indent="0" marL="3657600">
               <a:buNone/>
               <a:defRPr sz="900"/>
             </a:lvl9pPr>
@@ -4422,7 +4674,7 @@
       </p:sp>
       <p:sp>
         <p:nvSpPr>
-          <p:cNvPr id="5" name="Date Placeholder 4"/>
+          <p:cNvPr id="1048658" name="Date Placeholder 4"/>
           <p:cNvSpPr>
             <a:spLocks noGrp="1"/>
           </p:cNvSpPr>
@@ -4433,7 +4685,6 @@
         <p:spPr/>
         <p:txBody>
           <a:bodyPr/>
-          <a:lstStyle/>
           <a:p>
             <a:fld id="{AE237800-6275-4E80-9DA3-8EF8218FF85F}" type="datetimeFigureOut">
               <a:rPr lang="ru-RU" smtClean="0"/>
@@ -4445,7 +4696,7 @@
       </p:sp>
       <p:sp>
         <p:nvSpPr>
-          <p:cNvPr id="6" name="Footer Placeholder 5"/>
+          <p:cNvPr id="1048659" name="Footer Placeholder 5"/>
           <p:cNvSpPr>
             <a:spLocks noGrp="1"/>
           </p:cNvSpPr>
@@ -4456,7 +4707,6 @@
         <p:spPr/>
         <p:txBody>
           <a:bodyPr/>
-          <a:lstStyle/>
           <a:p>
             <a:endParaRPr lang="ru-RU"/>
           </a:p>
@@ -4464,7 +4714,7 @@
       </p:sp>
       <p:sp>
         <p:nvSpPr>
-          <p:cNvPr id="7" name="Slide Number Placeholder 6"/>
+          <p:cNvPr id="1048660" name="Slide Number Placeholder 6"/>
           <p:cNvSpPr>
             <a:spLocks noGrp="1"/>
           </p:cNvSpPr>
@@ -4475,7 +4725,6 @@
         <p:spPr/>
         <p:txBody>
           <a:bodyPr/>
-          <a:lstStyle/>
           <a:p>
             <a:fld id="{7C70E2F1-B28A-4CF3-AE68-91E479AB55F5}" type="slidenum">
               <a:rPr lang="ru-RU" smtClean="0"/>
@@ -4486,11 +4735,6 @@
         </p:txBody>
       </p:sp>
     </p:spTree>
-    <p:extLst>
-      <p:ext uri="{BB962C8B-B14F-4D97-AF65-F5344CB8AC3E}">
-        <p14:creationId xmlns:p14="http://schemas.microsoft.com/office/powerpoint/2010/main" val="1549124213"/>
-      </p:ext>
-    </p:extLst>
   </p:cSld>
   <p:clrMapOvr>
     <a:masterClrMapping/>
@@ -4499,11 +4743,11 @@
 </file>
 
 <file path=ppt/slideLayouts/slideLayout9.xml><?xml version="1.0" encoding="utf-8"?>
-<p:sldLayout xmlns:a="http://schemas.openxmlformats.org/drawingml/2006/main" xmlns:r="http://schemas.openxmlformats.org/officeDocument/2006/relationships" xmlns:p="http://schemas.openxmlformats.org/presentationml/2006/main" type="picTx" preserve="1">
+<p:sldLayout xmlns:a="http://schemas.openxmlformats.org/drawingml/2006/main" xmlns:r="http://schemas.openxmlformats.org/officeDocument/2006/relationships" xmlns:p="http://schemas.openxmlformats.org/presentationml/2006/main" preserve="1" type="picTx">
   <p:cSld name="Рисунок с подписью">
     <p:spTree>
       <p:nvGrpSpPr>
-        <p:cNvPr id="1" name=""/>
+        <p:cNvPr id="55" name=""/>
         <p:cNvGrpSpPr/>
         <p:nvPr/>
       </p:nvGrpSpPr>
@@ -4517,7 +4761,7 @@
       </p:grpSpPr>
       <p:sp>
         <p:nvSpPr>
-          <p:cNvPr id="2" name="Title 1"/>
+          <p:cNvPr id="1048681" name="Title 1"/>
           <p:cNvSpPr>
             <a:spLocks noGrp="1"/>
           </p:cNvSpPr>
@@ -4537,7 +4781,7 @@
           </a:bodyPr>
           <a:lstStyle>
             <a:lvl1pPr algn="l">
-              <a:defRPr sz="2800" b="0"/>
+              <a:defRPr b="0" sz="2800"/>
             </a:lvl1pPr>
           </a:lstStyle>
           <a:p>
@@ -4545,15 +4789,15 @@
               <a:rPr lang="ru-RU" smtClean="0"/>
               <a:t>Образец заголовка</a:t>
             </a:r>
-            <a:endParaRPr lang="en-US" dirty="0"/>
-          </a:p>
-        </p:txBody>
-      </p:sp>
-      <p:sp>
-        <p:nvSpPr>
-          <p:cNvPr id="14" name="Picture Placeholder 2"/>
-          <p:cNvSpPr>
-            <a:spLocks noGrp="1" noChangeAspect="1"/>
+            <a:endParaRPr dirty="0" lang="en-US"/>
+          </a:p>
+        </p:txBody>
+      </p:sp>
+      <p:sp>
+        <p:nvSpPr>
+          <p:cNvPr id="1048682" name="Picture Placeholder 2"/>
+          <p:cNvSpPr>
+            <a:spLocks noChangeAspect="1" noGrp="1"/>
           </p:cNvSpPr>
           <p:nvPr>
             <p:ph type="pic" idx="1"/>
@@ -4577,11 +4821,10 @@
                 </a:gs>
               </a:gsLst>
               <a:lin ang="5400000" scaled="0"/>
-              <a:tileRect/>
             </a:gradFill>
           </a:ln>
           <a:effectLst>
-            <a:innerShdw blurRad="57150" dist="38100" dir="10800000">
+            <a:innerShdw blurRad="57150" dir="10800000" dist="38100">
               <a:srgbClr val="000000">
                 <a:alpha val="70000"/>
               </a:srgbClr>
@@ -4593,39 +4836,39 @@
             <a:normAutofit/>
           </a:bodyPr>
           <a:lstStyle>
-            <a:lvl1pPr marL="0" indent="0" algn="ctr">
+            <a:lvl1pPr algn="ctr" indent="0" marL="0">
               <a:buNone/>
               <a:defRPr sz="1600"/>
             </a:lvl1pPr>
-            <a:lvl2pPr marL="457200" indent="0">
+            <a:lvl2pPr indent="0" marL="457200">
               <a:buNone/>
               <a:defRPr sz="1600"/>
             </a:lvl2pPr>
-            <a:lvl3pPr marL="914400" indent="0">
+            <a:lvl3pPr indent="0" marL="914400">
               <a:buNone/>
               <a:defRPr sz="1600"/>
             </a:lvl3pPr>
-            <a:lvl4pPr marL="1371600" indent="0">
+            <a:lvl4pPr indent="0" marL="1371600">
               <a:buNone/>
               <a:defRPr sz="1600"/>
             </a:lvl4pPr>
-            <a:lvl5pPr marL="1828800" indent="0">
+            <a:lvl5pPr indent="0" marL="1828800">
               <a:buNone/>
               <a:defRPr sz="1600"/>
             </a:lvl5pPr>
-            <a:lvl6pPr marL="2286000" indent="0">
+            <a:lvl6pPr indent="0" marL="2286000">
               <a:buNone/>
               <a:defRPr sz="1600"/>
             </a:lvl6pPr>
-            <a:lvl7pPr marL="2743200" indent="0">
+            <a:lvl7pPr indent="0" marL="2743200">
               <a:buNone/>
               <a:defRPr sz="1600"/>
             </a:lvl7pPr>
-            <a:lvl8pPr marL="3200400" indent="0">
+            <a:lvl8pPr indent="0" marL="3200400">
               <a:buNone/>
               <a:defRPr sz="1600"/>
             </a:lvl8pPr>
-            <a:lvl9pPr marL="3657600" indent="0">
+            <a:lvl9pPr indent="0" marL="3657600">
               <a:buNone/>
               <a:defRPr sz="1600"/>
             </a:lvl9pPr>
@@ -4635,13 +4878,13 @@
               <a:rPr lang="ru-RU" smtClean="0"/>
               <a:t>Вставка рисунка</a:t>
             </a:r>
-            <a:endParaRPr lang="en-US" dirty="0"/>
-          </a:p>
-        </p:txBody>
-      </p:sp>
-      <p:sp>
-        <p:nvSpPr>
-          <p:cNvPr id="4" name="Text Placeholder 3"/>
+            <a:endParaRPr dirty="0" lang="en-US"/>
+          </a:p>
+        </p:txBody>
+      </p:sp>
+      <p:sp>
+        <p:nvSpPr>
+          <p:cNvPr id="1048683" name="Text Placeholder 3"/>
           <p:cNvSpPr>
             <a:spLocks noGrp="1"/>
           </p:cNvSpPr>
@@ -4660,39 +4903,39 @@
             <a:normAutofit/>
           </a:bodyPr>
           <a:lstStyle>
-            <a:lvl1pPr marL="0" indent="0">
+            <a:lvl1pPr indent="0" marL="0">
               <a:buNone/>
               <a:defRPr sz="1800"/>
             </a:lvl1pPr>
-            <a:lvl2pPr marL="457200" indent="0">
+            <a:lvl2pPr indent="0" marL="457200">
               <a:buNone/>
               <a:defRPr sz="1200"/>
             </a:lvl2pPr>
-            <a:lvl3pPr marL="914400" indent="0">
+            <a:lvl3pPr indent="0" marL="914400">
               <a:buNone/>
               <a:defRPr sz="1000"/>
             </a:lvl3pPr>
-            <a:lvl4pPr marL="1371600" indent="0">
+            <a:lvl4pPr indent="0" marL="1371600">
               <a:buNone/>
               <a:defRPr sz="900"/>
             </a:lvl4pPr>
-            <a:lvl5pPr marL="1828800" indent="0">
+            <a:lvl5pPr indent="0" marL="1828800">
               <a:buNone/>
               <a:defRPr sz="900"/>
             </a:lvl5pPr>
-            <a:lvl6pPr marL="2286000" indent="0">
+            <a:lvl6pPr indent="0" marL="2286000">
               <a:buNone/>
               <a:defRPr sz="900"/>
             </a:lvl6pPr>
-            <a:lvl7pPr marL="2743200" indent="0">
+            <a:lvl7pPr indent="0" marL="2743200">
               <a:buNone/>
               <a:defRPr sz="900"/>
             </a:lvl7pPr>
-            <a:lvl8pPr marL="3200400" indent="0">
+            <a:lvl8pPr indent="0" marL="3200400">
               <a:buNone/>
               <a:defRPr sz="900"/>
             </a:lvl8pPr>
-            <a:lvl9pPr marL="3657600" indent="0">
+            <a:lvl9pPr indent="0" marL="3657600">
               <a:buNone/>
               <a:defRPr sz="900"/>
             </a:lvl9pPr>
@@ -4708,7 +4951,7 @@
       </p:sp>
       <p:sp>
         <p:nvSpPr>
-          <p:cNvPr id="5" name="Date Placeholder 4"/>
+          <p:cNvPr id="1048684" name="Date Placeholder 4"/>
           <p:cNvSpPr>
             <a:spLocks noGrp="1"/>
           </p:cNvSpPr>
@@ -4724,7 +4967,6 @@
         </p:spPr>
         <p:txBody>
           <a:bodyPr/>
-          <a:lstStyle/>
           <a:p>
             <a:fld id="{AE237800-6275-4E80-9DA3-8EF8218FF85F}" type="datetimeFigureOut">
               <a:rPr lang="ru-RU" smtClean="0"/>
@@ -4736,7 +4978,7 @@
       </p:sp>
       <p:sp>
         <p:nvSpPr>
-          <p:cNvPr id="6" name="Footer Placeholder 5"/>
+          <p:cNvPr id="1048685" name="Footer Placeholder 5"/>
           <p:cNvSpPr>
             <a:spLocks noGrp="1"/>
           </p:cNvSpPr>
@@ -4752,7 +4994,6 @@
         </p:spPr>
         <p:txBody>
           <a:bodyPr/>
-          <a:lstStyle/>
           <a:p>
             <a:endParaRPr lang="ru-RU"/>
           </a:p>
@@ -4760,7 +5001,7 @@
       </p:sp>
       <p:sp>
         <p:nvSpPr>
-          <p:cNvPr id="7" name="Slide Number Placeholder 6"/>
+          <p:cNvPr id="1048686" name="Slide Number Placeholder 6"/>
           <p:cNvSpPr>
             <a:spLocks noGrp="1"/>
           </p:cNvSpPr>
@@ -4776,7 +5017,6 @@
         </p:spPr>
         <p:txBody>
           <a:bodyPr/>
-          <a:lstStyle/>
           <a:p>
             <a:fld id="{7C70E2F1-B28A-4CF3-AE68-91E479AB55F5}" type="slidenum">
               <a:rPr lang="ru-RU" smtClean="0"/>
@@ -4787,11 +5027,6 @@
         </p:txBody>
       </p:sp>
     </p:spTree>
-    <p:extLst>
-      <p:ext uri="{BB962C8B-B14F-4D97-AF65-F5344CB8AC3E}">
-        <p14:creationId xmlns:p14="http://schemas.microsoft.com/office/powerpoint/2010/main" val="2419760223"/>
-      </p:ext>
-    </p:extLst>
   </p:cSld>
   <p:clrMapOvr>
     <a:masterClrMapping/>
@@ -4809,7 +5044,7 @@
     </p:bg>
     <p:spTree>
       <p:nvGrpSpPr>
-        <p:cNvPr id="1" name=""/>
+        <p:cNvPr id="11" name=""/>
         <p:cNvGrpSpPr/>
         <p:nvPr/>
       </p:nvGrpSpPr>
@@ -4823,7 +5058,7 @@
       </p:grpSpPr>
       <p:sp>
         <p:nvSpPr>
-          <p:cNvPr id="2" name="Title Placeholder 1"/>
+          <p:cNvPr id="1048576" name="Title Placeholder 1"/>
           <p:cNvSpPr>
             <a:spLocks noGrp="1"/>
           </p:cNvSpPr>
@@ -4836,27 +5071,24 @@
             <a:off x="1141413" y="609600"/>
             <a:ext cx="9905998" cy="1905000"/>
           </a:xfrm>
-          <a:prstGeom prst="rect">
-            <a:avLst/>
-          </a:prstGeom>
-        </p:spPr>
-        <p:txBody>
-          <a:bodyPr vert="horz" lIns="91440" tIns="45720" rIns="91440" bIns="45720" rtlCol="0" anchor="ctr">
+          <a:prstGeom prst="rect"/>
+        </p:spPr>
+        <p:txBody>
+          <a:bodyPr anchor="ctr" bIns="45720" lIns="91440" rIns="91440" rtlCol="0" tIns="45720" vert="horz">
             <a:normAutofit/>
           </a:bodyPr>
-          <a:lstStyle/>
           <a:p>
             <a:r>
               <a:rPr lang="ru-RU" smtClean="0"/>
               <a:t>Образец заголовка</a:t>
             </a:r>
-            <a:endParaRPr lang="en-US" dirty="0"/>
-          </a:p>
-        </p:txBody>
-      </p:sp>
-      <p:sp>
-        <p:nvSpPr>
-          <p:cNvPr id="3" name="Text Placeholder 2"/>
+            <a:endParaRPr dirty="0" lang="en-US"/>
+          </a:p>
+        </p:txBody>
+      </p:sp>
+      <p:sp>
+        <p:nvSpPr>
+          <p:cNvPr id="1048577" name="Text Placeholder 2"/>
           <p:cNvSpPr>
             <a:spLocks noGrp="1"/>
           </p:cNvSpPr>
@@ -4869,15 +5101,12 @@
             <a:off x="1141413" y="2666999"/>
             <a:ext cx="9905998" cy="3124201"/>
           </a:xfrm>
-          <a:prstGeom prst="rect">
-            <a:avLst/>
-          </a:prstGeom>
-        </p:spPr>
-        <p:txBody>
-          <a:bodyPr vert="horz" lIns="91440" tIns="45720" rIns="91440" bIns="45720" rtlCol="0" anchor="ctr">
+          <a:prstGeom prst="rect"/>
+        </p:spPr>
+        <p:txBody>
+          <a:bodyPr anchor="ctr" bIns="45720" lIns="91440" rIns="91440" rtlCol="0" tIns="45720" vert="horz">
             <a:normAutofit/>
           </a:bodyPr>
-          <a:lstStyle/>
           <a:p>
             <a:pPr lvl="0"/>
             <a:r>
@@ -4912,13 +5141,13 @@
               <a:rPr lang="ru-RU" smtClean="0"/>
               <a:t>Пятый уровень</a:t>
             </a:r>
-            <a:endParaRPr lang="en-US" dirty="0"/>
-          </a:p>
-        </p:txBody>
-      </p:sp>
-      <p:sp>
-        <p:nvSpPr>
-          <p:cNvPr id="4" name="Date Placeholder 3"/>
+            <a:endParaRPr dirty="0" lang="en-US"/>
+          </a:p>
+        </p:txBody>
+      </p:sp>
+      <p:sp>
+        <p:nvSpPr>
+          <p:cNvPr id="1048578" name="Date Placeholder 3"/>
           <p:cNvSpPr>
             <a:spLocks noGrp="1"/>
           </p:cNvSpPr>
@@ -4931,22 +5160,20 @@
             <a:off x="8837612" y="5883275"/>
             <a:ext cx="1600200" cy="365125"/>
           </a:xfrm>
-          <a:prstGeom prst="rect">
-            <a:avLst/>
-          </a:prstGeom>
-        </p:spPr>
-        <p:txBody>
-          <a:bodyPr vert="horz" lIns="91440" tIns="45720" rIns="91440" bIns="45720" rtlCol="0" anchor="ctr"/>
+          <a:prstGeom prst="rect"/>
+        </p:spPr>
+        <p:txBody>
+          <a:bodyPr anchor="ctr" bIns="45720" lIns="91440" rIns="91440" rtlCol="0" tIns="45720" vert="horz"/>
           <a:lstStyle>
             <a:lvl1pPr algn="r">
-              <a:defRPr sz="900" b="1" i="0">
+              <a:defRPr b="1" sz="900" i="0">
                 <a:solidFill>
                   <a:schemeClr val="tx1">
                     <a:lumMod val="75000"/>
                   </a:schemeClr>
                 </a:solidFill>
                 <a:effectLst>
-                  <a:outerShdw blurRad="50800" dist="38100" dir="2700000" algn="tl" rotWithShape="0">
+                  <a:outerShdw algn="tl" blurRad="50800" dir="2700000" dist="38100" rotWithShape="0">
                     <a:srgbClr val="000000">
                       <a:alpha val="43000"/>
                     </a:srgbClr>
@@ -4967,7 +5194,7 @@
       </p:sp>
       <p:sp>
         <p:nvSpPr>
-          <p:cNvPr id="5" name="Footer Placeholder 4"/>
+          <p:cNvPr id="1048579" name="Footer Placeholder 4"/>
           <p:cNvSpPr>
             <a:spLocks noGrp="1"/>
           </p:cNvSpPr>
@@ -4980,22 +5207,20 @@
             <a:off x="1141412" y="5883275"/>
             <a:ext cx="7543800" cy="365125"/>
           </a:xfrm>
-          <a:prstGeom prst="rect">
-            <a:avLst/>
-          </a:prstGeom>
-        </p:spPr>
-        <p:txBody>
-          <a:bodyPr vert="horz" lIns="91440" tIns="45720" rIns="91440" bIns="45720" rtlCol="0" anchor="ctr"/>
+          <a:prstGeom prst="rect"/>
+        </p:spPr>
+        <p:txBody>
+          <a:bodyPr anchor="ctr" bIns="45720" lIns="91440" rIns="91440" rtlCol="0" tIns="45720" vert="horz"/>
           <a:lstStyle>
             <a:lvl1pPr algn="l">
-              <a:defRPr sz="900" b="1" i="0">
+              <a:defRPr b="1" sz="900" i="0">
                 <a:solidFill>
                   <a:schemeClr val="tx1">
                     <a:lumMod val="75000"/>
                   </a:schemeClr>
                 </a:solidFill>
                 <a:effectLst>
-                  <a:outerShdw blurRad="50800" dist="38100" dir="2700000" algn="tl" rotWithShape="0">
+                  <a:outerShdw algn="tl" blurRad="50800" dir="2700000" dist="38100" rotWithShape="0">
                     <a:srgbClr val="000000">
                       <a:alpha val="43000"/>
                     </a:srgbClr>
@@ -5012,7 +5237,7 @@
       </p:sp>
       <p:sp>
         <p:nvSpPr>
-          <p:cNvPr id="6" name="Slide Number Placeholder 5"/>
+          <p:cNvPr id="1048580" name="Slide Number Placeholder 5"/>
           <p:cNvSpPr>
             <a:spLocks noGrp="1"/>
           </p:cNvSpPr>
@@ -5025,22 +5250,20 @@
             <a:off x="10514012" y="5883275"/>
             <a:ext cx="551167" cy="365125"/>
           </a:xfrm>
-          <a:prstGeom prst="rect">
-            <a:avLst/>
-          </a:prstGeom>
-        </p:spPr>
-        <p:txBody>
-          <a:bodyPr vert="horz" lIns="91440" tIns="45720" rIns="91440" bIns="45720" rtlCol="0" anchor="ctr"/>
+          <a:prstGeom prst="rect"/>
+        </p:spPr>
+        <p:txBody>
+          <a:bodyPr anchor="ctr" bIns="45720" lIns="91440" rIns="91440" rtlCol="0" tIns="45720" vert="horz"/>
           <a:lstStyle>
             <a:lvl1pPr algn="r">
-              <a:defRPr sz="900" b="1" i="0">
+              <a:defRPr b="1" sz="900" i="0">
                 <a:solidFill>
                   <a:schemeClr val="tx1">
                     <a:lumMod val="75000"/>
                   </a:schemeClr>
                 </a:solidFill>
                 <a:effectLst>
-                  <a:outerShdw blurRad="50800" dist="38100" dir="2700000" algn="tl" rotWithShape="0">
+                  <a:outerShdw algn="tl" blurRad="50800" dir="2700000" dist="38100" rotWithShape="0">
                     <a:srgbClr val="000000">
                       <a:alpha val="43000"/>
                     </a:srgbClr>
@@ -5060,40 +5283,35 @@
         </p:txBody>
       </p:sp>
     </p:spTree>
-    <p:extLst>
-      <p:ext uri="{BB962C8B-B14F-4D97-AF65-F5344CB8AC3E}">
-        <p14:creationId xmlns:p14="http://schemas.microsoft.com/office/powerpoint/2010/main" val="4102124669"/>
-      </p:ext>
-    </p:extLst>
   </p:cSld>
-  <p:clrMap bg1="dk1" tx1="lt1" bg2="dk2" tx2="lt2" accent1="accent1" accent2="accent2" accent3="accent3" accent4="accent4" accent5="accent5" accent6="accent6" hlink="hlink" folHlink="folHlink"/>
+  <p:clrMap accent1="accent1" accent2="accent2" accent3="accent3" accent4="accent4" accent5="accent5" accent6="accent6" bg1="dk1" bg2="dk2" tx1="lt1" tx2="lt2" hlink="hlink" folHlink="folHlink"/>
   <p:sldLayoutIdLst>
-    <p:sldLayoutId id="2147483661" r:id="rId1"/>
-    <p:sldLayoutId id="2147483662" r:id="rId2"/>
-    <p:sldLayoutId id="2147483663" r:id="rId3"/>
-    <p:sldLayoutId id="2147483664" r:id="rId4"/>
-    <p:sldLayoutId id="2147483665" r:id="rId5"/>
-    <p:sldLayoutId id="2147483666" r:id="rId6"/>
-    <p:sldLayoutId id="2147483667" r:id="rId7"/>
-    <p:sldLayoutId id="2147483668" r:id="rId8"/>
-    <p:sldLayoutId id="2147483669" r:id="rId9"/>
-    <p:sldLayoutId id="2147483670" r:id="rId10"/>
-    <p:sldLayoutId id="2147483671" r:id="rId11"/>
-    <p:sldLayoutId id="2147483672" r:id="rId12"/>
-    <p:sldLayoutId id="2147483673" r:id="rId13"/>
-    <p:sldLayoutId id="2147483674" r:id="rId14"/>
-    <p:sldLayoutId id="2147483675" r:id="rId15"/>
-    <p:sldLayoutId id="2147483676" r:id="rId16"/>
-    <p:sldLayoutId id="2147483677" r:id="rId17"/>
+    <p:sldLayoutId id="2147483649" r:id="rId1"/>
+    <p:sldLayoutId id="2147483650" r:id="rId2"/>
+    <p:sldLayoutId id="2147483651" r:id="rId3"/>
+    <p:sldLayoutId id="2147483652" r:id="rId4"/>
+    <p:sldLayoutId id="2147483653" r:id="rId5"/>
+    <p:sldLayoutId id="2147483654" r:id="rId6"/>
+    <p:sldLayoutId id="2147483655" r:id="rId7"/>
+    <p:sldLayoutId id="2147483656" r:id="rId8"/>
+    <p:sldLayoutId id="2147483657" r:id="rId9"/>
+    <p:sldLayoutId id="2147483658" r:id="rId10"/>
+    <p:sldLayoutId id="2147483659" r:id="rId11"/>
+    <p:sldLayoutId id="2147483660" r:id="rId12"/>
+    <p:sldLayoutId id="2147483661" r:id="rId13"/>
+    <p:sldLayoutId id="2147483662" r:id="rId14"/>
+    <p:sldLayoutId id="2147483663" r:id="rId15"/>
+    <p:sldLayoutId id="2147483664" r:id="rId16"/>
+    <p:sldLayoutId id="2147483665" r:id="rId17"/>
   </p:sldLayoutIdLst>
   <p:txStyles>
     <p:titleStyle>
-      <a:lvl1pPr algn="l" defTabSz="457200" rtl="0" eaLnBrk="1" latinLnBrk="0" hangingPunct="1">
+      <a:lvl1pPr algn="l" defTabSz="457200" eaLnBrk="1" hangingPunct="1" latinLnBrk="0" rtl="0">
         <a:spcBef>
           <a:spcPct val="0"/>
         </a:spcBef>
         <a:buNone/>
-        <a:defRPr sz="3200" kern="1200" cap="all">
+        <a:defRPr cap="all" sz="3200" kern="1200">
           <a:ln w="3175" cmpd="sng">
             <a:noFill/>
           </a:ln>
@@ -5109,7 +5327,6 @@
               </a:gs>
             </a:gsLst>
             <a:lin ang="5580000" scaled="0"/>
-            <a:tileRect/>
           </a:gradFill>
           <a:effectLst>
             <a:glow rad="38100">
@@ -5119,7 +5336,7 @@
                 <a:alpha val="40000"/>
               </a:schemeClr>
             </a:glow>
-            <a:outerShdw blurRad="28575" dist="38100" dir="14040000" algn="tl" rotWithShape="0">
+            <a:outerShdw algn="tl" blurRad="28575" dir="14040000" dist="38100" rotWithShape="0">
               <a:srgbClr val="000000">
                 <a:alpha val="25000"/>
               </a:srgbClr>
@@ -5188,7 +5405,7 @@
       </a:lvl9pPr>
     </p:titleStyle>
     <p:bodyStyle>
-      <a:lvl1pPr marL="285750" indent="-285750" algn="l" defTabSz="457200" rtl="0" eaLnBrk="1" latinLnBrk="0" hangingPunct="1">
+      <a:lvl1pPr algn="l" defTabSz="457200" eaLnBrk="1" hangingPunct="1" indent="-285750" latinLnBrk="0" marL="285750" rtl="0">
         <a:spcBef>
           <a:spcPct val="20000"/>
         </a:spcBef>
@@ -5201,7 +5418,7 @@
         <a:buSzPct val="100000"/>
         <a:buFont typeface="Arial"/>
         <a:buChar char="•"/>
-        <a:defRPr sz="2000" kern="1200" cap="small">
+        <a:defRPr cap="small" sz="2000" kern="1200">
           <a:gradFill flip="none" rotWithShape="1">
             <a:gsLst>
               <a:gs pos="0">
@@ -5214,7 +5431,6 @@
               </a:gs>
             </a:gsLst>
             <a:lin ang="5580000" scaled="0"/>
-            <a:tileRect/>
           </a:gradFill>
           <a:effectLst>
             <a:glow rad="38100">
@@ -5224,7 +5440,7 @@
                 <a:alpha val="20000"/>
               </a:schemeClr>
             </a:glow>
-            <a:outerShdw blurRad="44450" dist="12700" dir="13860000" algn="tl" rotWithShape="0">
+            <a:outerShdw algn="tl" blurRad="44450" dir="13860000" dist="12700" rotWithShape="0">
               <a:srgbClr val="000000">
                 <a:alpha val="20000"/>
               </a:srgbClr>
@@ -5235,7 +5451,7 @@
           <a:cs typeface="+mn-cs"/>
         </a:defRPr>
       </a:lvl1pPr>
-      <a:lvl2pPr marL="742950" indent="-285750" algn="l" defTabSz="457200" rtl="0" eaLnBrk="1" latinLnBrk="0" hangingPunct="1">
+      <a:lvl2pPr algn="l" defTabSz="457200" eaLnBrk="1" hangingPunct="1" indent="-285750" latinLnBrk="0" marL="742950" rtl="0">
         <a:spcBef>
           <a:spcPct val="20000"/>
         </a:spcBef>
@@ -5248,7 +5464,7 @@
         <a:buSzPct val="100000"/>
         <a:buFont typeface="Arial"/>
         <a:buChar char="•"/>
-        <a:defRPr sz="1800" kern="1200" cap="small">
+        <a:defRPr cap="small" sz="1800" kern="1200">
           <a:gradFill flip="none" rotWithShape="1">
             <a:gsLst>
               <a:gs pos="0">
@@ -5261,7 +5477,6 @@
               </a:gs>
             </a:gsLst>
             <a:lin ang="5580000" scaled="0"/>
-            <a:tileRect/>
           </a:gradFill>
           <a:effectLst>
             <a:glow rad="38100">
@@ -5271,7 +5486,7 @@
                 <a:alpha val="20000"/>
               </a:schemeClr>
             </a:glow>
-            <a:outerShdw blurRad="44450" dist="12700" dir="13860000" algn="tl" rotWithShape="0">
+            <a:outerShdw algn="tl" blurRad="44450" dir="13860000" dist="12700" rotWithShape="0">
               <a:srgbClr val="000000">
                 <a:alpha val="20000"/>
               </a:srgbClr>
@@ -5282,7 +5497,7 @@
           <a:cs typeface="+mn-cs"/>
         </a:defRPr>
       </a:lvl2pPr>
-      <a:lvl3pPr marL="1200150" indent="-285750" algn="l" defTabSz="457200" rtl="0" eaLnBrk="1" latinLnBrk="0" hangingPunct="1">
+      <a:lvl3pPr algn="l" defTabSz="457200" eaLnBrk="1" hangingPunct="1" indent="-285750" latinLnBrk="0" marL="1200150" rtl="0">
         <a:spcBef>
           <a:spcPct val="20000"/>
         </a:spcBef>
@@ -5295,7 +5510,7 @@
         <a:buSzPct val="100000"/>
         <a:buFont typeface="Arial"/>
         <a:buChar char="•"/>
-        <a:defRPr sz="1600" kern="1200" cap="small">
+        <a:defRPr cap="small" sz="1600" kern="1200">
           <a:gradFill flip="none" rotWithShape="1">
             <a:gsLst>
               <a:gs pos="0">
@@ -5308,7 +5523,6 @@
               </a:gs>
             </a:gsLst>
             <a:lin ang="5580000" scaled="0"/>
-            <a:tileRect/>
           </a:gradFill>
           <a:effectLst>
             <a:glow rad="38100">
@@ -5318,7 +5532,7 @@
                 <a:alpha val="20000"/>
               </a:schemeClr>
             </a:glow>
-            <a:outerShdw blurRad="44450" dist="12700" dir="13860000" algn="tl" rotWithShape="0">
+            <a:outerShdw algn="tl" blurRad="44450" dir="13860000" dist="12700" rotWithShape="0">
               <a:srgbClr val="000000">
                 <a:alpha val="20000"/>
               </a:srgbClr>
@@ -5329,7 +5543,7 @@
           <a:cs typeface="+mn-cs"/>
         </a:defRPr>
       </a:lvl3pPr>
-      <a:lvl4pPr marL="1543050" indent="-171450" algn="l" defTabSz="457200" rtl="0" eaLnBrk="1" latinLnBrk="0" hangingPunct="1">
+      <a:lvl4pPr algn="l" defTabSz="457200" eaLnBrk="1" hangingPunct="1" indent="-171450" latinLnBrk="0" marL="1543050" rtl="0">
         <a:spcBef>
           <a:spcPct val="20000"/>
         </a:spcBef>
@@ -5342,7 +5556,7 @@
         <a:buSzPct val="100000"/>
         <a:buFont typeface="Arial"/>
         <a:buChar char="•"/>
-        <a:defRPr sz="1400" kern="1200" cap="small">
+        <a:defRPr cap="small" sz="1400" kern="1200">
           <a:gradFill flip="none" rotWithShape="1">
             <a:gsLst>
               <a:gs pos="0">
@@ -5355,7 +5569,6 @@
               </a:gs>
             </a:gsLst>
             <a:lin ang="5580000" scaled="0"/>
-            <a:tileRect/>
           </a:gradFill>
           <a:effectLst>
             <a:glow rad="38100">
@@ -5365,7 +5578,7 @@
                 <a:alpha val="20000"/>
               </a:schemeClr>
             </a:glow>
-            <a:outerShdw blurRad="44450" dist="12700" dir="13860000" algn="tl" rotWithShape="0">
+            <a:outerShdw algn="tl" blurRad="44450" dir="13860000" dist="12700" rotWithShape="0">
               <a:srgbClr val="000000">
                 <a:alpha val="20000"/>
               </a:srgbClr>
@@ -5376,7 +5589,7 @@
           <a:cs typeface="+mn-cs"/>
         </a:defRPr>
       </a:lvl4pPr>
-      <a:lvl5pPr marL="2000250" indent="-171450" algn="l" defTabSz="457200" rtl="0" eaLnBrk="1" latinLnBrk="0" hangingPunct="1">
+      <a:lvl5pPr algn="l" defTabSz="457200" eaLnBrk="1" hangingPunct="1" indent="-171450" latinLnBrk="0" marL="2000250" rtl="0">
         <a:spcBef>
           <a:spcPct val="20000"/>
         </a:spcBef>
@@ -5389,7 +5602,7 @@
         <a:buSzPct val="100000"/>
         <a:buFont typeface="Arial"/>
         <a:buChar char="•"/>
-        <a:defRPr sz="1400" kern="1200" cap="small">
+        <a:defRPr cap="small" sz="1400" kern="1200">
           <a:gradFill flip="none" rotWithShape="1">
             <a:gsLst>
               <a:gs pos="0">
@@ -5402,7 +5615,6 @@
               </a:gs>
             </a:gsLst>
             <a:lin ang="5580000" scaled="0"/>
-            <a:tileRect/>
           </a:gradFill>
           <a:effectLst>
             <a:glow rad="38100">
@@ -5412,7 +5624,7 @@
                 <a:alpha val="20000"/>
               </a:schemeClr>
             </a:glow>
-            <a:outerShdw blurRad="44450" dist="12700" dir="13860000" algn="tl" rotWithShape="0">
+            <a:outerShdw algn="tl" blurRad="44450" dir="13860000" dist="12700" rotWithShape="0">
               <a:srgbClr val="000000">
                 <a:alpha val="20000"/>
               </a:srgbClr>
@@ -5423,7 +5635,7 @@
           <a:cs typeface="+mn-cs"/>
         </a:defRPr>
       </a:lvl5pPr>
-      <a:lvl6pPr marL="2514600" indent="-228600" algn="l" defTabSz="457200" rtl="0" eaLnBrk="1" latinLnBrk="0" hangingPunct="1">
+      <a:lvl6pPr algn="l" defTabSz="457200" eaLnBrk="1" hangingPunct="1" indent="-228600" latinLnBrk="0" marL="2514600" rtl="0">
         <a:spcBef>
           <a:spcPct val="20000"/>
         </a:spcBef>
@@ -5436,7 +5648,7 @@
         <a:buSzPct val="100000"/>
         <a:buFont typeface="Arial"/>
         <a:buChar char="•"/>
-        <a:defRPr sz="1200" kern="1200" cap="small">
+        <a:defRPr cap="small" sz="1200" kern="1200">
           <a:gradFill flip="none" rotWithShape="1">
             <a:gsLst>
               <a:gs pos="0">
@@ -5449,7 +5661,6 @@
               </a:gs>
             </a:gsLst>
             <a:lin ang="5580000" scaled="0"/>
-            <a:tileRect/>
           </a:gradFill>
           <a:effectLst>
             <a:glow rad="38100">
@@ -5459,7 +5670,7 @@
                 <a:alpha val="20000"/>
               </a:schemeClr>
             </a:glow>
-            <a:outerShdw blurRad="44450" dist="12700" dir="13860000" algn="tl" rotWithShape="0">
+            <a:outerShdw algn="tl" blurRad="44450" dir="13860000" dist="12700" rotWithShape="0">
               <a:srgbClr val="000000">
                 <a:alpha val="20000"/>
               </a:srgbClr>
@@ -5470,7 +5681,7 @@
           <a:cs typeface="+mn-cs"/>
         </a:defRPr>
       </a:lvl6pPr>
-      <a:lvl7pPr marL="2971800" indent="-228600" algn="l" defTabSz="457200" rtl="0" eaLnBrk="1" latinLnBrk="0" hangingPunct="1">
+      <a:lvl7pPr algn="l" defTabSz="457200" eaLnBrk="1" hangingPunct="1" indent="-228600" latinLnBrk="0" marL="2971800" rtl="0">
         <a:spcBef>
           <a:spcPct val="20000"/>
         </a:spcBef>
@@ -5483,7 +5694,7 @@
         <a:buSzPct val="100000"/>
         <a:buFont typeface="Arial"/>
         <a:buChar char="•"/>
-        <a:defRPr sz="1200" kern="1200" cap="small">
+        <a:defRPr cap="small" sz="1200" kern="1200">
           <a:gradFill flip="none" rotWithShape="1">
             <a:gsLst>
               <a:gs pos="0">
@@ -5496,7 +5707,6 @@
               </a:gs>
             </a:gsLst>
             <a:lin ang="5580000" scaled="0"/>
-            <a:tileRect/>
           </a:gradFill>
           <a:effectLst>
             <a:glow rad="38100">
@@ -5506,7 +5716,7 @@
                 <a:alpha val="20000"/>
               </a:schemeClr>
             </a:glow>
-            <a:outerShdw blurRad="44450" dist="12700" dir="13860000" algn="tl" rotWithShape="0">
+            <a:outerShdw algn="tl" blurRad="44450" dir="13860000" dist="12700" rotWithShape="0">
               <a:srgbClr val="000000">
                 <a:alpha val="20000"/>
               </a:srgbClr>
@@ -5517,7 +5727,7 @@
           <a:cs typeface="+mn-cs"/>
         </a:defRPr>
       </a:lvl7pPr>
-      <a:lvl8pPr marL="3429000" indent="-228600" algn="l" defTabSz="457200" rtl="0" eaLnBrk="1" latinLnBrk="0" hangingPunct="1">
+      <a:lvl8pPr algn="l" defTabSz="457200" eaLnBrk="1" hangingPunct="1" indent="-228600" latinLnBrk="0" marL="3429000" rtl="0">
         <a:spcBef>
           <a:spcPct val="20000"/>
         </a:spcBef>
@@ -5530,7 +5740,7 @@
         <a:buSzPct val="100000"/>
         <a:buFont typeface="Arial"/>
         <a:buChar char="•"/>
-        <a:defRPr sz="1200" kern="1200" cap="small">
+        <a:defRPr cap="small" sz="1200" kern="1200">
           <a:gradFill flip="none" rotWithShape="1">
             <a:gsLst>
               <a:gs pos="0">
@@ -5543,7 +5753,6 @@
               </a:gs>
             </a:gsLst>
             <a:lin ang="5580000" scaled="0"/>
-            <a:tileRect/>
           </a:gradFill>
           <a:effectLst>
             <a:glow rad="38100">
@@ -5553,7 +5762,7 @@
                 <a:alpha val="20000"/>
               </a:schemeClr>
             </a:glow>
-            <a:outerShdw blurRad="44450" dist="12700" dir="13860000" algn="tl" rotWithShape="0">
+            <a:outerShdw algn="tl" blurRad="44450" dir="13860000" dist="12700" rotWithShape="0">
               <a:srgbClr val="000000">
                 <a:alpha val="20000"/>
               </a:srgbClr>
@@ -5564,7 +5773,7 @@
           <a:cs typeface="+mn-cs"/>
         </a:defRPr>
       </a:lvl8pPr>
-      <a:lvl9pPr marL="3886200" indent="-228600" algn="l" defTabSz="457200" rtl="0" eaLnBrk="1" latinLnBrk="0" hangingPunct="1">
+      <a:lvl9pPr algn="l" defTabSz="457200" eaLnBrk="1" hangingPunct="1" indent="-228600" latinLnBrk="0" marL="3886200" rtl="0">
         <a:spcBef>
           <a:spcPct val="20000"/>
         </a:spcBef>
@@ -5577,7 +5786,7 @@
         <a:buSzPct val="100000"/>
         <a:buFont typeface="Arial"/>
         <a:buChar char="•"/>
-        <a:defRPr sz="1200" kern="1200" cap="small">
+        <a:defRPr cap="small" sz="1200" kern="1200">
           <a:gradFill flip="none" rotWithShape="1">
             <a:gsLst>
               <a:gs pos="0">
@@ -5590,7 +5799,6 @@
               </a:gs>
             </a:gsLst>
             <a:lin ang="5580000" scaled="0"/>
-            <a:tileRect/>
           </a:gradFill>
           <a:effectLst>
             <a:glow rad="38100">
@@ -5600,7 +5808,7 @@
                 <a:alpha val="20000"/>
               </a:schemeClr>
             </a:glow>
-            <a:outerShdw blurRad="44450" dist="12700" dir="13860000" algn="tl" rotWithShape="0">
+            <a:outerShdw algn="tl" blurRad="44450" dir="13860000" dist="12700" rotWithShape="0">
               <a:srgbClr val="000000">
                 <a:alpha val="20000"/>
               </a:srgbClr>
@@ -5616,7 +5824,7 @@
       <a:defPPr>
         <a:defRPr lang="en-US"/>
       </a:defPPr>
-      <a:lvl1pPr marL="0" algn="l" defTabSz="457200" rtl="0" eaLnBrk="1" latinLnBrk="0" hangingPunct="1">
+      <a:lvl1pPr algn="l" defTabSz="457200" eaLnBrk="1" hangingPunct="1" latinLnBrk="0" marL="0" rtl="0">
         <a:defRPr sz="1800" kern="1200">
           <a:solidFill>
             <a:schemeClr val="tx1"/>
@@ -5626,7 +5834,7 @@
           <a:cs typeface="+mn-cs"/>
         </a:defRPr>
       </a:lvl1pPr>
-      <a:lvl2pPr marL="457200" algn="l" defTabSz="457200" rtl="0" eaLnBrk="1" latinLnBrk="0" hangingPunct="1">
+      <a:lvl2pPr algn="l" defTabSz="457200" eaLnBrk="1" hangingPunct="1" latinLnBrk="0" marL="457200" rtl="0">
         <a:defRPr sz="1800" kern="1200">
           <a:solidFill>
             <a:schemeClr val="tx1"/>
@@ -5636,7 +5844,7 @@
           <a:cs typeface="+mn-cs"/>
         </a:defRPr>
       </a:lvl2pPr>
-      <a:lvl3pPr marL="914400" algn="l" defTabSz="457200" rtl="0" eaLnBrk="1" latinLnBrk="0" hangingPunct="1">
+      <a:lvl3pPr algn="l" defTabSz="457200" eaLnBrk="1" hangingPunct="1" latinLnBrk="0" marL="914400" rtl="0">
         <a:defRPr sz="1800" kern="1200">
           <a:solidFill>
             <a:schemeClr val="tx1"/>
@@ -5646,7 +5854,7 @@
           <a:cs typeface="+mn-cs"/>
         </a:defRPr>
       </a:lvl3pPr>
-      <a:lvl4pPr marL="1371600" algn="l" defTabSz="457200" rtl="0" eaLnBrk="1" latinLnBrk="0" hangingPunct="1">
+      <a:lvl4pPr algn="l" defTabSz="457200" eaLnBrk="1" hangingPunct="1" latinLnBrk="0" marL="1371600" rtl="0">
         <a:defRPr sz="1800" kern="1200">
           <a:solidFill>
             <a:schemeClr val="tx1"/>
@@ -5656,7 +5864,7 @@
           <a:cs typeface="+mn-cs"/>
         </a:defRPr>
       </a:lvl4pPr>
-      <a:lvl5pPr marL="1828800" algn="l" defTabSz="457200" rtl="0" eaLnBrk="1" latinLnBrk="0" hangingPunct="1">
+      <a:lvl5pPr algn="l" defTabSz="457200" eaLnBrk="1" hangingPunct="1" latinLnBrk="0" marL="1828800" rtl="0">
         <a:defRPr sz="1800" kern="1200">
           <a:solidFill>
             <a:schemeClr val="tx1"/>
@@ -5666,7 +5874,7 @@
           <a:cs typeface="+mn-cs"/>
         </a:defRPr>
       </a:lvl5pPr>
-      <a:lvl6pPr marL="2286000" algn="l" defTabSz="457200" rtl="0" eaLnBrk="1" latinLnBrk="0" hangingPunct="1">
+      <a:lvl6pPr algn="l" defTabSz="457200" eaLnBrk="1" hangingPunct="1" latinLnBrk="0" marL="2286000" rtl="0">
         <a:defRPr sz="1800" kern="1200">
           <a:solidFill>
             <a:schemeClr val="tx1"/>
@@ -5676,7 +5884,7 @@
           <a:cs typeface="+mn-cs"/>
         </a:defRPr>
       </a:lvl6pPr>
-      <a:lvl7pPr marL="2743200" algn="l" defTabSz="457200" rtl="0" eaLnBrk="1" latinLnBrk="0" hangingPunct="1">
+      <a:lvl7pPr algn="l" defTabSz="457200" eaLnBrk="1" hangingPunct="1" latinLnBrk="0" marL="2743200" rtl="0">
         <a:defRPr sz="1800" kern="1200">
           <a:solidFill>
             <a:schemeClr val="tx1"/>
@@ -5686,7 +5894,7 @@
           <a:cs typeface="+mn-cs"/>
         </a:defRPr>
       </a:lvl7pPr>
-      <a:lvl8pPr marL="3200400" algn="l" defTabSz="457200" rtl="0" eaLnBrk="1" latinLnBrk="0" hangingPunct="1">
+      <a:lvl8pPr algn="l" defTabSz="457200" eaLnBrk="1" hangingPunct="1" latinLnBrk="0" marL="3200400" rtl="0">
         <a:defRPr sz="1800" kern="1200">
           <a:solidFill>
             <a:schemeClr val="tx1"/>
@@ -5696,7 +5904,7 @@
           <a:cs typeface="+mn-cs"/>
         </a:defRPr>
       </a:lvl8pPr>
-      <a:lvl9pPr marL="3657600" algn="l" defTabSz="457200" rtl="0" eaLnBrk="1" latinLnBrk="0" hangingPunct="1">
+      <a:lvl9pPr algn="l" defTabSz="457200" eaLnBrk="1" hangingPunct="1" latinLnBrk="0" marL="3657600" rtl="0">
         <a:defRPr sz="1800" kern="1200">
           <a:solidFill>
             <a:schemeClr val="tx1"/>
@@ -5716,7 +5924,7 @@
   <p:cSld>
     <p:spTree>
       <p:nvGrpSpPr>
-        <p:cNvPr id="1" name=""/>
+        <p:cNvPr id="30" name=""/>
         <p:cNvGrpSpPr/>
         <p:nvPr/>
       </p:nvGrpSpPr>
@@ -5730,7 +5938,7 @@
       </p:grpSpPr>
       <p:sp>
         <p:nvSpPr>
-          <p:cNvPr id="2" name="TextBox 1"/>
+          <p:cNvPr id="1048584" name="TextBox 1"/>
           <p:cNvSpPr txBox="1"/>
           <p:nvPr/>
         </p:nvSpPr>
@@ -5739,100 +5947,83 @@
             <a:off x="2018371" y="1728437"/>
             <a:ext cx="8776009" cy="1015663"/>
           </a:xfrm>
-          <a:prstGeom prst="rect">
-            <a:avLst/>
-          </a:prstGeom>
+          <a:prstGeom prst="rect"/>
           <a:noFill/>
         </p:spPr>
         <p:txBody>
-          <a:bodyPr wrap="square" rtlCol="0">
+          <a:bodyPr rtlCol="0" wrap="square">
             <a:spAutoFit/>
           </a:bodyPr>
-          <a:lstStyle/>
-          <a:p>
-            <a:r>
-              <a:rPr lang="ru-RU" sz="6000" dirty="0" smtClean="0"/>
+          <a:p>
+            <a:r>
+              <a:rPr dirty="0" sz="6000" lang="ru-RU" smtClean="0"/>
               <a:t>Игра </a:t>
             </a:r>
             <a:r>
-              <a:rPr lang="en-US" sz="6000" dirty="0" smtClean="0"/>
+              <a:rPr dirty="0" sz="6000" lang="en-US" smtClean="0"/>
               <a:t>“Knight vs Orcs”</a:t>
             </a:r>
-            <a:endParaRPr lang="ru-RU" sz="6000" dirty="0"/>
-          </a:p>
-        </p:txBody>
-      </p:sp>
-      <p:sp>
-        <p:nvSpPr>
-          <p:cNvPr id="3" name="TextBox 2"/>
+            <a:endParaRPr dirty="0" sz="6000" lang="ru-RU"/>
+          </a:p>
+        </p:txBody>
+      </p:sp>
+      <p:sp>
+        <p:nvSpPr>
+          <p:cNvPr id="1048585" name="TextBox 2"/>
           <p:cNvSpPr txBox="1"/>
           <p:nvPr/>
         </p:nvSpPr>
         <p:spPr>
           <a:xfrm>
             <a:off x="5508702" y="4237464"/>
-            <a:ext cx="6595075" cy="2123658"/>
-          </a:xfrm>
-          <a:prstGeom prst="rect">
-            <a:avLst/>
-          </a:prstGeom>
+            <a:ext cx="5999481" cy="2072640"/>
+          </a:xfrm>
+          <a:prstGeom prst="rect"/>
           <a:noFill/>
         </p:spPr>
         <p:txBody>
-          <a:bodyPr wrap="none" rtlCol="0">
+          <a:bodyPr rtlCol="0" wrap="none">
             <a:spAutoFit/>
           </a:bodyPr>
-          <a:lstStyle/>
-          <a:p>
-            <a:r>
-              <a:rPr lang="ru-RU" sz="4400" dirty="0" smtClean="0"/>
+          <a:p>
+            <a:r>
+              <a:rPr dirty="0" sz="4400" lang="ru-RU" smtClean="0"/>
               <a:t>Автор: Петров Никита</a:t>
             </a:r>
           </a:p>
           <a:p>
             <a:r>
-              <a:rPr lang="ru-RU" sz="4400" dirty="0" smtClean="0"/>
+              <a:rPr dirty="0" sz="4400" lang="ru-RU" smtClean="0"/>
               <a:t>9 Г класс </a:t>
             </a:r>
           </a:p>
           <a:p>
             <a:r>
-              <a:rPr lang="ru-RU" sz="4400" dirty="0" smtClean="0"/>
+              <a:rPr dirty="0" sz="4400" lang="ru-RU" smtClean="0"/>
               <a:t>МАОУ </a:t>
             </a:r>
             <a:r>
-              <a:rPr lang="en-US" sz="4400" dirty="0" smtClean="0"/>
+              <a:rPr dirty="0" sz="4400" lang="en-US" smtClean="0"/>
               <a:t>“</a:t>
             </a:r>
             <a:r>
-              <a:rPr lang="ru-RU" sz="4400" dirty="0" smtClean="0"/>
+              <a:rPr dirty="0" sz="4400" lang="ru-RU" smtClean="0"/>
               <a:t>Гимназия № 1</a:t>
             </a:r>
             <a:r>
-              <a:rPr lang="en-US" sz="4400" dirty="0" smtClean="0"/>
+              <a:rPr dirty="0" sz="4400" lang="en-US" smtClean="0"/>
               <a:t>”</a:t>
             </a:r>
-            <a:endParaRPr lang="ru-RU" sz="4400" dirty="0"/>
+            <a:endParaRPr dirty="0" sz="4400" lang="ru-RU"/>
           </a:p>
         </p:txBody>
       </p:sp>
     </p:spTree>
-    <p:extLst>
-      <p:ext uri="{BB962C8B-B14F-4D97-AF65-F5344CB8AC3E}">
-        <p14:creationId xmlns:p14="http://schemas.microsoft.com/office/powerpoint/2010/main" val="3852202882"/>
-      </p:ext>
-    </p:extLst>
   </p:cSld>
   <p:clrMapOvr>
     <a:masterClrMapping/>
   </p:clrMapOvr>
-  <p:timing>
-    <p:tnLst>
-      <p:par>
-        <p:cTn id="1" dur="indefinite" restart="never" nodeType="tmRoot"/>
-      </p:par>
-    </p:tnLst>
-  </p:timing>
+  <p:timing/>
 </p:sld>
 </file>
 
@@ -5841,7 +6032,7 @@
   <p:cSld>
     <p:spTree>
       <p:nvGrpSpPr>
-        <p:cNvPr id="1" name=""/>
+        <p:cNvPr id="40" name=""/>
         <p:cNvGrpSpPr/>
         <p:nvPr/>
       </p:nvGrpSpPr>
@@ -5855,105 +6046,91 @@
       </p:grpSpPr>
       <p:sp>
         <p:nvSpPr>
-          <p:cNvPr id="2" name="TextBox 1"/>
+          <p:cNvPr id="1048606" name="TextBox 1"/>
           <p:cNvSpPr txBox="1"/>
           <p:nvPr/>
         </p:nvSpPr>
         <p:spPr>
           <a:xfrm>
             <a:off x="200721" y="356838"/>
-            <a:ext cx="11775689" cy="6186309"/>
-          </a:xfrm>
-          <a:prstGeom prst="rect">
-            <a:avLst/>
-          </a:prstGeom>
+            <a:ext cx="11775689" cy="5374640"/>
+          </a:xfrm>
+          <a:prstGeom prst="rect"/>
           <a:noFill/>
         </p:spPr>
         <p:txBody>
-          <a:bodyPr wrap="square" rtlCol="0">
+          <a:bodyPr rtlCol="0" wrap="square">
             <a:spAutoFit/>
           </a:bodyPr>
-          <a:lstStyle/>
-          <a:p>
-            <a:r>
-              <a:rPr lang="ru-RU" sz="4400" dirty="0" smtClean="0"/>
+          <a:p>
+            <a:r>
+              <a:rPr dirty="0" sz="4400" lang="ru-RU" smtClean="0"/>
               <a:t>Для запуска необходимо перейти в папку </a:t>
             </a:r>
             <a:r>
-              <a:rPr lang="en-US" sz="4400" dirty="0" smtClean="0"/>
+              <a:rPr dirty="0" sz="4400" lang="en-US" smtClean="0"/>
               <a:t>build</a:t>
             </a:r>
             <a:r>
-              <a:rPr lang="ru-RU" sz="4400" dirty="0" smtClean="0"/>
+              <a:rPr dirty="0" sz="4400" lang="ru-RU" smtClean="0"/>
               <a:t>, затем перейти в папку </a:t>
             </a:r>
             <a:r>
-              <a:rPr lang="en-US" sz="4400" dirty="0" smtClean="0"/>
+              <a:rPr dirty="0" sz="4400" lang="en-US" smtClean="0"/>
               <a:t>exe.win-amd64-3.6</a:t>
             </a:r>
             <a:r>
-              <a:rPr lang="ru-RU" sz="4400" dirty="0" smtClean="0"/>
+              <a:rPr dirty="0" sz="4400" lang="ru-RU" smtClean="0"/>
               <a:t> и там запустить файл </a:t>
             </a:r>
             <a:r>
-              <a:rPr lang="en-US" sz="4400" dirty="0" smtClean="0"/>
+              <a:rPr dirty="0" sz="4400" lang="en-US" smtClean="0"/>
               <a:t>main.exe</a:t>
             </a:r>
             <a:r>
-              <a:rPr lang="ru-RU" sz="4400" dirty="0" smtClean="0"/>
+              <a:rPr dirty="0" sz="4400" lang="ru-RU" smtClean="0"/>
               <a:t>.</a:t>
             </a:r>
           </a:p>
           <a:p>
             <a:r>
-              <a:rPr lang="ru-RU" sz="4400" dirty="0" smtClean="0"/>
+              <a:rPr dirty="0" sz="4400" lang="ru-RU" smtClean="0"/>
               <a:t>Для того что бы запустить через </a:t>
             </a:r>
             <a:r>
-              <a:rPr lang="en-US" sz="4400" dirty="0" smtClean="0"/>
+              <a:rPr dirty="0" sz="4400" lang="en-US" smtClean="0"/>
               <a:t>main.py </a:t>
             </a:r>
             <a:r>
-              <a:rPr lang="ru-RU" sz="4400" dirty="0" smtClean="0"/>
+              <a:rPr dirty="0" sz="4400" lang="ru-RU" smtClean="0"/>
               <a:t>необходимо предварительно установить библиотеки из файла </a:t>
             </a:r>
             <a:r>
-              <a:rPr lang="en-US" sz="4400" dirty="0" smtClean="0"/>
+              <a:rPr dirty="0" sz="4400" lang="en-US" smtClean="0"/>
               <a:t>requirements.txt</a:t>
             </a:r>
             <a:r>
-              <a:rPr lang="ru-RU" sz="4400" dirty="0" smtClean="0"/>
+              <a:rPr dirty="0" sz="4400" lang="ru-RU" smtClean="0"/>
               <a:t> и после запускать с помощью </a:t>
             </a:r>
             <a:r>
-              <a:rPr lang="ru-RU" sz="4400" dirty="0" err="1" smtClean="0"/>
+              <a:rPr dirty="0" sz="4400" lang="ru-RU" err="1" smtClean="0"/>
               <a:t>интерпритатора</a:t>
             </a:r>
             <a:r>
-              <a:rPr lang="ru-RU" sz="4400" dirty="0" smtClean="0"/>
+              <a:rPr dirty="0" sz="4400" lang="ru-RU" smtClean="0"/>
               <a:t>.</a:t>
             </a:r>
-            <a:endParaRPr lang="ru-RU" sz="4400" dirty="0"/>
+            <a:endParaRPr dirty="0" sz="4400" lang="ru-RU"/>
           </a:p>
         </p:txBody>
       </p:sp>
     </p:spTree>
-    <p:extLst>
-      <p:ext uri="{BB962C8B-B14F-4D97-AF65-F5344CB8AC3E}">
-        <p14:creationId xmlns:p14="http://schemas.microsoft.com/office/powerpoint/2010/main" val="4263454791"/>
-      </p:ext>
-    </p:extLst>
   </p:cSld>
   <p:clrMapOvr>
     <a:masterClrMapping/>
   </p:clrMapOvr>
-  <p:timing>
-    <p:tnLst>
-      <p:par>
-        <p:cTn id="1" dur="indefinite" restart="never" nodeType="tmRoot"/>
-      </p:par>
-    </p:tnLst>
-  </p:timing>
+  <p:timing/>
 </p:sld>
 </file>
 
@@ -5962,7 +6139,7 @@
   <p:cSld>
     <p:spTree>
       <p:nvGrpSpPr>
-        <p:cNvPr id="1" name=""/>
+        <p:cNvPr id="41" name=""/>
         <p:cNvGrpSpPr/>
         <p:nvPr/>
       </p:nvGrpSpPr>
@@ -5976,51 +6153,37 @@
       </p:grpSpPr>
       <p:sp>
         <p:nvSpPr>
-          <p:cNvPr id="2" name="TextBox 1"/>
+          <p:cNvPr id="1048607" name="TextBox 1"/>
           <p:cNvSpPr txBox="1"/>
           <p:nvPr/>
         </p:nvSpPr>
         <p:spPr>
           <a:xfrm>
             <a:off x="3122342" y="2743200"/>
-            <a:ext cx="6058069" cy="707886"/>
-          </a:xfrm>
-          <a:prstGeom prst="rect">
-            <a:avLst/>
-          </a:prstGeom>
+            <a:ext cx="5389881" cy="688341"/>
+          </a:xfrm>
+          <a:prstGeom prst="rect"/>
           <a:noFill/>
         </p:spPr>
         <p:txBody>
-          <a:bodyPr wrap="none" rtlCol="0">
+          <a:bodyPr rtlCol="0" wrap="none">
             <a:spAutoFit/>
           </a:bodyPr>
-          <a:lstStyle/>
-          <a:p>
-            <a:r>
-              <a:rPr lang="ru-RU" sz="4000" dirty="0" smtClean="0"/>
+          <a:p>
+            <a:r>
+              <a:rPr dirty="0" sz="4000" lang="ru-RU" smtClean="0"/>
               <a:t>Спасибо за внимание</a:t>
             </a:r>
-            <a:endParaRPr lang="ru-RU" sz="4000" dirty="0"/>
+            <a:endParaRPr dirty="0" sz="4000" lang="ru-RU"/>
           </a:p>
         </p:txBody>
       </p:sp>
     </p:spTree>
-    <p:extLst>
-      <p:ext uri="{BB962C8B-B14F-4D97-AF65-F5344CB8AC3E}">
-        <p14:creationId xmlns:p14="http://schemas.microsoft.com/office/powerpoint/2010/main" val="1738503599"/>
-      </p:ext>
-    </p:extLst>
   </p:cSld>
   <p:clrMapOvr>
     <a:masterClrMapping/>
   </p:clrMapOvr>
-  <p:timing>
-    <p:tnLst>
-      <p:par>
-        <p:cTn id="1" dur="indefinite" restart="never" nodeType="tmRoot"/>
-      </p:par>
-    </p:tnLst>
-  </p:timing>
+  <p:timing/>
 </p:sld>
 </file>
 
@@ -6029,7 +6192,7 @@
   <p:cSld>
     <p:spTree>
       <p:nvGrpSpPr>
-        <p:cNvPr id="1" name=""/>
+        <p:cNvPr id="32" name=""/>
         <p:cNvGrpSpPr/>
         <p:nvPr/>
       </p:nvGrpSpPr>
@@ -6043,58 +6206,52 @@
       </p:grpSpPr>
       <p:sp>
         <p:nvSpPr>
-          <p:cNvPr id="2" name="TextBox 1"/>
+          <p:cNvPr id="1048586" name="TextBox 1"/>
           <p:cNvSpPr txBox="1"/>
           <p:nvPr/>
         </p:nvSpPr>
         <p:spPr>
           <a:xfrm>
             <a:off x="3490332" y="0"/>
-            <a:ext cx="5004896" cy="1015663"/>
-          </a:xfrm>
-          <a:prstGeom prst="rect">
-            <a:avLst/>
-          </a:prstGeom>
+            <a:ext cx="4615180" cy="993140"/>
+          </a:xfrm>
+          <a:prstGeom prst="rect"/>
           <a:noFill/>
         </p:spPr>
         <p:txBody>
-          <a:bodyPr wrap="none" rtlCol="0">
+          <a:bodyPr rtlCol="0" wrap="none">
             <a:spAutoFit/>
           </a:bodyPr>
-          <a:lstStyle/>
-          <a:p>
-            <a:r>
-              <a:rPr lang="ru-RU" sz="6000" dirty="0" smtClean="0"/>
+          <a:p>
+            <a:r>
+              <a:rPr dirty="0" sz="6000" lang="ru-RU" smtClean="0"/>
               <a:t>Функционал</a:t>
             </a:r>
-            <a:endParaRPr lang="ru-RU" sz="6000" dirty="0"/>
-          </a:p>
-        </p:txBody>
-      </p:sp>
-      <p:sp>
-        <p:nvSpPr>
-          <p:cNvPr id="3" name="TextBox 2"/>
+            <a:endParaRPr dirty="0" sz="6000" lang="ru-RU"/>
+          </a:p>
+        </p:txBody>
+      </p:sp>
+      <p:sp>
+        <p:nvSpPr>
+          <p:cNvPr id="1048587" name="TextBox 2"/>
           <p:cNvSpPr txBox="1"/>
           <p:nvPr/>
         </p:nvSpPr>
         <p:spPr>
           <a:xfrm>
             <a:off x="0" y="1338146"/>
-            <a:ext cx="6534615" cy="5324535"/>
-          </a:xfrm>
-          <a:prstGeom prst="rect">
-            <a:avLst/>
-          </a:prstGeom>
+            <a:ext cx="6534615" cy="5273041"/>
+          </a:xfrm>
+          <a:prstGeom prst="rect"/>
           <a:noFill/>
         </p:spPr>
         <p:txBody>
-          <a:bodyPr wrap="square" rtlCol="0">
+          <a:bodyPr rtlCol="0" wrap="square">
             <a:spAutoFit/>
           </a:bodyPr>
-          <a:lstStyle/>
-          <a:p>
-            <a:r>
-              <a:rPr lang="ru-RU" sz="2000" dirty="0" smtClean="0"/>
+          <a:p>
+            <a:r>
+              <a:rPr dirty="0" sz="2000" lang="ru-RU" smtClean="0"/>
               <a:t>Возможность зарегистрироваться и начать сражаться с орками, получая за убитых очки. Так же очки начисляются за  время жизни. При определённом уровне очков у тебя поднимется уровень и увеличиться одна из возможных характеристик( сила, которая немного увеличивает урон и здоровье, ловкость, которая тоже немного увеличивает урон и, кроме того, увеличивает скорость атаки, и собственно урон и здоровье), но с каждым разом нужно всё больше очков. И враги со временем становятся всё сильнее и сильнее, так что берегись. Кроме того на карте временами появляться предметы, наступив на него ты увидишь характеристики нового предмета и того что на тебе, и ты можешь выбрать, надеть новый предмет или оставить старый. Умерев ты начнёшь сначала.</a:t>
             </a:r>
           </a:p>
@@ -6102,14 +6259,14 @@
       </p:sp>
       <p:pic>
         <p:nvPicPr>
-          <p:cNvPr id="4" name="Рисунок 3"/>
+          <p:cNvPr id="2097152" name="Рисунок 3"/>
           <p:cNvPicPr>
             <a:picLocks noChangeAspect="1"/>
           </p:cNvPicPr>
           <p:nvPr/>
         </p:nvPicPr>
         <p:blipFill>
-          <a:blip r:embed="rId2"/>
+          <a:blip xmlns:r="http://schemas.openxmlformats.org/officeDocument/2006/relationships" r:embed="rId1"/>
           <a:stretch>
             <a:fillRect/>
           </a:stretch>
@@ -6119,58 +6276,42 @@
             <a:off x="6534615" y="1572921"/>
             <a:ext cx="5511225" cy="3077137"/>
           </a:xfrm>
-          <a:prstGeom prst="rect">
-            <a:avLst/>
-          </a:prstGeom>
+          <a:prstGeom prst="rect"/>
         </p:spPr>
       </p:pic>
       <p:sp>
         <p:nvSpPr>
-          <p:cNvPr id="5" name="TextBox 4"/>
+          <p:cNvPr id="1048588" name="TextBox 4"/>
           <p:cNvSpPr txBox="1"/>
           <p:nvPr/>
         </p:nvSpPr>
         <p:spPr>
           <a:xfrm>
             <a:off x="8261052" y="4929437"/>
-            <a:ext cx="2358338" cy="369332"/>
-          </a:xfrm>
-          <a:prstGeom prst="rect">
-            <a:avLst/>
-          </a:prstGeom>
+            <a:ext cx="2189481" cy="358141"/>
+          </a:xfrm>
+          <a:prstGeom prst="rect"/>
           <a:noFill/>
         </p:spPr>
         <p:txBody>
-          <a:bodyPr wrap="none" rtlCol="0">
+          <a:bodyPr rtlCol="0" wrap="none">
             <a:spAutoFit/>
           </a:bodyPr>
-          <a:lstStyle/>
-          <a:p>
-            <a:r>
-              <a:rPr lang="ru-RU" dirty="0" smtClean="0"/>
+          <a:p>
+            <a:r>
+              <a:rPr dirty="0" lang="ru-RU" smtClean="0"/>
               <a:t>Главное поле игры</a:t>
             </a:r>
-            <a:endParaRPr lang="ru-RU" dirty="0"/>
+            <a:endParaRPr dirty="0" lang="ru-RU"/>
           </a:p>
         </p:txBody>
       </p:sp>
     </p:spTree>
-    <p:extLst>
-      <p:ext uri="{BB962C8B-B14F-4D97-AF65-F5344CB8AC3E}">
-        <p14:creationId xmlns:p14="http://schemas.microsoft.com/office/powerpoint/2010/main" val="1415604480"/>
-      </p:ext>
-    </p:extLst>
   </p:cSld>
   <p:clrMapOvr>
     <a:masterClrMapping/>
   </p:clrMapOvr>
-  <p:timing>
-    <p:tnLst>
-      <p:par>
-        <p:cTn id="1" dur="indefinite" restart="never" nodeType="tmRoot"/>
-      </p:par>
-    </p:tnLst>
-  </p:timing>
+  <p:timing/>
 </p:sld>
 </file>
 
@@ -6179,7 +6320,7 @@
   <p:cSld>
     <p:spTree>
       <p:nvGrpSpPr>
-        <p:cNvPr id="1" name=""/>
+        <p:cNvPr id="33" name=""/>
         <p:cNvGrpSpPr/>
         <p:nvPr/>
       </p:nvGrpSpPr>
@@ -6193,97 +6334,94 @@
       </p:grpSpPr>
       <p:sp>
         <p:nvSpPr>
-          <p:cNvPr id="2" name="TextBox 1"/>
+          <p:cNvPr id="1048589" name="TextBox 1"/>
           <p:cNvSpPr txBox="1"/>
           <p:nvPr/>
         </p:nvSpPr>
         <p:spPr>
           <a:xfrm>
             <a:off x="457198" y="278780"/>
-            <a:ext cx="11597269" cy="3416320"/>
-          </a:xfrm>
-          <a:prstGeom prst="rect">
-            <a:avLst/>
-          </a:prstGeom>
+            <a:ext cx="11597269" cy="3291840"/>
+          </a:xfrm>
+          <a:prstGeom prst="rect"/>
           <a:noFill/>
         </p:spPr>
         <p:txBody>
-          <a:bodyPr wrap="square" rtlCol="0">
+          <a:bodyPr rtlCol="0" wrap="square">
             <a:spAutoFit/>
           </a:bodyPr>
-          <a:lstStyle/>
-          <a:p>
-            <a:r>
-              <a:rPr lang="ru-RU" sz="2400" dirty="0" smtClean="0"/>
+          <a:p>
+            <a:r>
+              <a:rPr dirty="0" sz="2400" lang="ru-RU" smtClean="0"/>
               <a:t>Управление осуществляется с помощью следующих клавиш:</a:t>
             </a:r>
           </a:p>
           <a:p>
             <a:r>
-              <a:rPr lang="en-US" sz="2400" dirty="0" smtClean="0"/>
+              <a:rPr dirty="0" sz="2400" lang="en-US" smtClean="0"/>
               <a:t>W</a:t>
             </a:r>
             <a:r>
-              <a:rPr lang="ru-RU" sz="2400" dirty="0" smtClean="0"/>
+              <a:rPr dirty="0" sz="2400" lang="ru-RU" smtClean="0"/>
               <a:t> – подняться на одну клетку вверх </a:t>
             </a:r>
           </a:p>
           <a:p>
             <a:r>
-              <a:rPr lang="en-US" sz="2400" dirty="0" smtClean="0"/>
+              <a:rPr dirty="0" sz="2400" lang="en-US" smtClean="0"/>
               <a:t>A – </a:t>
             </a:r>
             <a:r>
-              <a:rPr lang="ru-RU" sz="2400" dirty="0" smtClean="0"/>
+              <a:rPr dirty="0" sz="2400" lang="ru-RU" smtClean="0"/>
               <a:t>переместиться на одну клетку влево</a:t>
             </a:r>
-            <a:endParaRPr lang="ru-RU" sz="2400" dirty="0" smtClean="0"/>
-          </a:p>
-          <a:p>
-            <a:r>
-              <a:rPr lang="en-US" sz="2400" dirty="0" smtClean="0"/>
+            <a:endParaRPr dirty="0" sz="2400" lang="ru-RU" smtClean="0"/>
+          </a:p>
+          <a:p>
+            <a:r>
+              <a:rPr dirty="0" sz="2400" lang="en-US" smtClean="0"/>
               <a:t>D – </a:t>
             </a:r>
             <a:r>
-              <a:rPr lang="ru-RU" sz="2400" dirty="0" smtClean="0"/>
+              <a:rPr dirty="0" sz="2400" lang="ru-RU" smtClean="0"/>
               <a:t>переместиться на одну клетку вправо</a:t>
             </a:r>
           </a:p>
           <a:p>
             <a:r>
-              <a:rPr lang="en-US" sz="2400" dirty="0" smtClean="0"/>
+              <a:rPr dirty="0" sz="2400" lang="en-US" smtClean="0"/>
               <a:t>S – </a:t>
             </a:r>
             <a:r>
-              <a:rPr lang="ru-RU" sz="2400" dirty="0" smtClean="0"/>
+              <a:rPr dirty="0" sz="2400" lang="ru-RU" smtClean="0"/>
               <a:t>опуститься на одну клетку вниз</a:t>
             </a:r>
           </a:p>
           <a:p>
             <a:r>
-              <a:rPr lang="en-US" sz="2400" dirty="0" smtClean="0"/>
+              <a:rPr dirty="0" sz="2400" lang="en-US" smtClean="0"/>
               <a:t>L</a:t>
             </a:r>
             <a:r>
-              <a:rPr lang="ru-RU" sz="2400" dirty="0" smtClean="0"/>
+              <a:rPr dirty="0" sz="2400" lang="ru-RU" smtClean="0"/>
               <a:t> – открывает боковую панель с логами игры</a:t>
             </a:r>
           </a:p>
           <a:p>
             <a:r>
-              <a:rPr lang="ru-RU" sz="2400" dirty="0" smtClean="0"/>
+              <a:rPr dirty="0" sz="2400" lang="ru-RU" smtClean="0"/>
               <a:t>Красным цветом выделено получение урона, белым – </a:t>
             </a:r>
           </a:p>
           <a:p>
             <a:r>
-              <a:rPr lang="ru-RU" sz="2400" dirty="0" smtClean="0"/>
+              <a:rPr dirty="0" sz="2400" lang="ru-RU" smtClean="0"/>
               <a:t>нанесение урона, синим – новый уровень, зелёным смерть </a:t>
             </a:r>
           </a:p>
           <a:p>
             <a:r>
-              <a:rPr lang="ru-RU" sz="2400" dirty="0" smtClean="0"/>
+              <a:rPr dirty="0" sz="2400" lang="ru-RU" smtClean="0"/>
               <a:t>игрока и накопленный уровень и очки.</a:t>
             </a:r>
           </a:p>
@@ -6291,14 +6429,14 @@
       </p:sp>
       <p:pic>
         <p:nvPicPr>
-          <p:cNvPr id="4" name="Рисунок 3"/>
+          <p:cNvPr id="2097153" name="Рисунок 3"/>
           <p:cNvPicPr>
             <a:picLocks noChangeAspect="1"/>
           </p:cNvPicPr>
           <p:nvPr/>
         </p:nvPicPr>
         <p:blipFill>
-          <a:blip r:embed="rId2"/>
+          <a:blip xmlns:r="http://schemas.openxmlformats.org/officeDocument/2006/relationships" r:embed="rId1"/>
           <a:stretch>
             <a:fillRect/>
           </a:stretch>
@@ -6308,67 +6446,59 @@
             <a:off x="0" y="4465457"/>
             <a:ext cx="12192000" cy="923925"/>
           </a:xfrm>
-          <a:prstGeom prst="rect">
-            <a:avLst/>
-          </a:prstGeom>
+          <a:prstGeom prst="rect"/>
         </p:spPr>
       </p:pic>
       <p:sp>
         <p:nvSpPr>
-          <p:cNvPr id="5" name="Прямоугольник 4"/>
+          <p:cNvPr id="1048590" name="Прямоугольник 4"/>
           <p:cNvSpPr/>
           <p:nvPr/>
         </p:nvSpPr>
         <p:spPr>
           <a:xfrm>
             <a:off x="457197" y="5670142"/>
-            <a:ext cx="9378075" cy="830997"/>
-          </a:xfrm>
-          <a:prstGeom prst="rect">
-            <a:avLst/>
-          </a:prstGeom>
+            <a:ext cx="9378075" cy="802640"/>
+          </a:xfrm>
+          <a:prstGeom prst="rect"/>
         </p:spPr>
         <p:txBody>
           <a:bodyPr wrap="square">
             <a:spAutoFit/>
           </a:bodyPr>
-          <a:lstStyle/>
-          <a:p>
-            <a:r>
-              <a:rPr lang="ru-RU" sz="2400" dirty="0"/>
+          <a:p>
+            <a:r>
+              <a:rPr dirty="0" sz="2400" lang="ru-RU"/>
               <a:t>ЛКМ – удар, направление определяется по положению мышки относительно игрока</a:t>
             </a:r>
-            <a:endParaRPr lang="ru-RU" sz="2400" dirty="0"/>
-          </a:p>
-        </p:txBody>
-      </p:sp>
-      <p:sp>
-        <p:nvSpPr>
-          <p:cNvPr id="6" name="Прямоугольник 5"/>
+            <a:endParaRPr dirty="0" sz="2400" lang="ru-RU"/>
+          </a:p>
+        </p:txBody>
+      </p:sp>
+      <p:sp>
+        <p:nvSpPr>
+          <p:cNvPr id="1048591" name="Прямоугольник 5"/>
           <p:cNvSpPr/>
           <p:nvPr/>
         </p:nvSpPr>
         <p:spPr>
           <a:xfrm>
             <a:off x="457197" y="3723032"/>
-            <a:ext cx="6378669" cy="461665"/>
-          </a:xfrm>
-          <a:prstGeom prst="rect">
-            <a:avLst/>
-          </a:prstGeom>
+            <a:ext cx="6240781" cy="447041"/>
+          </a:xfrm>
+          <a:prstGeom prst="rect"/>
         </p:spPr>
         <p:txBody>
           <a:bodyPr wrap="none">
             <a:spAutoFit/>
           </a:bodyPr>
-          <a:lstStyle/>
-          <a:p>
-            <a:r>
-              <a:rPr lang="en-US" sz="2400" dirty="0"/>
+          <a:p>
+            <a:r>
+              <a:rPr dirty="0" sz="2400" lang="en-US"/>
               <a:t>I </a:t>
             </a:r>
             <a:r>
-              <a:rPr lang="ru-RU" sz="2400" dirty="0"/>
+              <a:rPr dirty="0" sz="2400" lang="ru-RU"/>
               <a:t>– открывает нижнюю панель инвентаря</a:t>
             </a:r>
           </a:p>
@@ -6376,14 +6506,14 @@
       </p:sp>
       <p:pic>
         <p:nvPicPr>
-          <p:cNvPr id="7" name="Рисунок 6"/>
+          <p:cNvPr id="2097154" name="Рисунок 6"/>
           <p:cNvPicPr>
             <a:picLocks noChangeAspect="1"/>
           </p:cNvPicPr>
           <p:nvPr/>
         </p:nvPicPr>
         <p:blipFill>
-          <a:blip r:embed="rId3"/>
+          <a:blip xmlns:r="http://schemas.openxmlformats.org/officeDocument/2006/relationships" r:embed="rId2"/>
           <a:stretch>
             <a:fillRect/>
           </a:stretch>
@@ -6393,28 +6523,15 @@
             <a:off x="9835273" y="624468"/>
             <a:ext cx="2219193" cy="5271506"/>
           </a:xfrm>
-          <a:prstGeom prst="rect">
-            <a:avLst/>
-          </a:prstGeom>
+          <a:prstGeom prst="rect"/>
         </p:spPr>
       </p:pic>
     </p:spTree>
-    <p:extLst>
-      <p:ext uri="{BB962C8B-B14F-4D97-AF65-F5344CB8AC3E}">
-        <p14:creationId xmlns:p14="http://schemas.microsoft.com/office/powerpoint/2010/main" val="3119505227"/>
-      </p:ext>
-    </p:extLst>
   </p:cSld>
   <p:clrMapOvr>
     <a:masterClrMapping/>
   </p:clrMapOvr>
-  <p:timing>
-    <p:tnLst>
-      <p:par>
-        <p:cTn id="1" dur="indefinite" restart="never" nodeType="tmRoot"/>
-      </p:par>
-    </p:tnLst>
-  </p:timing>
+  <p:timing/>
 </p:sld>
 </file>
 
@@ -6423,7 +6540,7 @@
   <p:cSld>
     <p:spTree>
       <p:nvGrpSpPr>
-        <p:cNvPr id="1" name=""/>
+        <p:cNvPr id="34" name=""/>
         <p:cNvGrpSpPr/>
         <p:nvPr/>
       </p:nvGrpSpPr>
@@ -6437,44 +6554,41 @@
       </p:grpSpPr>
       <p:sp>
         <p:nvSpPr>
-          <p:cNvPr id="2" name="TextBox 1"/>
+          <p:cNvPr id="1048592" name="TextBox 1"/>
           <p:cNvSpPr txBox="1"/>
           <p:nvPr/>
         </p:nvSpPr>
         <p:spPr>
           <a:xfrm>
             <a:off x="3456878" y="245326"/>
-            <a:ext cx="5343129" cy="646331"/>
-          </a:xfrm>
-          <a:prstGeom prst="rect">
-            <a:avLst/>
-          </a:prstGeom>
+            <a:ext cx="4970781" cy="624840"/>
+          </a:xfrm>
+          <a:prstGeom prst="rect"/>
           <a:noFill/>
         </p:spPr>
         <p:txBody>
-          <a:bodyPr wrap="none" rtlCol="0">
+          <a:bodyPr rtlCol="0" wrap="none">
             <a:spAutoFit/>
           </a:bodyPr>
-          <a:lstStyle/>
-          <a:p>
-            <a:r>
-              <a:rPr lang="ru-RU" sz="3600" dirty="0" smtClean="0"/>
+          <a:p>
+            <a:r>
+              <a:rPr dirty="0" sz="3600" lang="ru-RU" smtClean="0"/>
               <a:t>Главное игровое поле</a:t>
             </a:r>
-            <a:endParaRPr lang="ru-RU" sz="3600" dirty="0"/>
+            <a:endParaRPr dirty="0" sz="3600" lang="ru-RU"/>
           </a:p>
         </p:txBody>
       </p:sp>
       <p:pic>
         <p:nvPicPr>
-          <p:cNvPr id="3" name="Рисунок 2"/>
+          <p:cNvPr id="2097155" name="Рисунок 2"/>
           <p:cNvPicPr>
             <a:picLocks noChangeAspect="1"/>
           </p:cNvPicPr>
           <p:nvPr/>
         </p:nvPicPr>
         <p:blipFill>
-          <a:blip r:embed="rId2"/>
+          <a:blip xmlns:r="http://schemas.openxmlformats.org/officeDocument/2006/relationships" r:embed="rId1"/>
           <a:stretch>
             <a:fillRect/>
           </a:stretch>
@@ -6484,51 +6598,46 @@
             <a:off x="598799" y="1448287"/>
             <a:ext cx="915089" cy="893301"/>
           </a:xfrm>
-          <a:prstGeom prst="rect">
-            <a:avLst/>
-          </a:prstGeom>
+          <a:prstGeom prst="rect"/>
         </p:spPr>
       </p:pic>
       <p:sp>
         <p:nvSpPr>
-          <p:cNvPr id="4" name="TextBox 3"/>
+          <p:cNvPr id="1048593" name="TextBox 3"/>
           <p:cNvSpPr txBox="1"/>
           <p:nvPr/>
         </p:nvSpPr>
         <p:spPr>
           <a:xfrm>
             <a:off x="7682158" y="1614860"/>
-            <a:ext cx="1949573" cy="461665"/>
-          </a:xfrm>
-          <a:prstGeom prst="rect">
-            <a:avLst/>
-          </a:prstGeom>
+            <a:ext cx="1821181" cy="447040"/>
+          </a:xfrm>
+          <a:prstGeom prst="rect"/>
           <a:noFill/>
         </p:spPr>
         <p:txBody>
-          <a:bodyPr wrap="none" rtlCol="0">
+          <a:bodyPr rtlCol="0" wrap="none">
             <a:spAutoFit/>
           </a:bodyPr>
-          <a:lstStyle/>
-          <a:p>
-            <a:r>
-              <a:rPr lang="ru-RU" sz="2400" dirty="0" smtClean="0"/>
+          <a:p>
+            <a:r>
+              <a:rPr dirty="0" sz="2400" lang="ru-RU" smtClean="0"/>
               <a:t>- предметы</a:t>
             </a:r>
-            <a:endParaRPr lang="ru-RU" sz="2400" dirty="0"/>
+            <a:endParaRPr dirty="0" sz="2400" lang="ru-RU"/>
           </a:p>
         </p:txBody>
       </p:sp>
       <p:pic>
         <p:nvPicPr>
-          <p:cNvPr id="5" name="Рисунок 4"/>
+          <p:cNvPr id="2097156" name="Рисунок 4"/>
           <p:cNvPicPr>
             <a:picLocks noChangeAspect="1"/>
           </p:cNvPicPr>
           <p:nvPr/>
         </p:nvPicPr>
         <p:blipFill>
-          <a:blip r:embed="rId3"/>
+          <a:blip xmlns:r="http://schemas.openxmlformats.org/officeDocument/2006/relationships" r:embed="rId2"/>
           <a:stretch>
             <a:fillRect/>
           </a:stretch>
@@ -6538,51 +6647,46 @@
             <a:off x="598799" y="2639682"/>
             <a:ext cx="915089" cy="937409"/>
           </a:xfrm>
-          <a:prstGeom prst="rect">
-            <a:avLst/>
-          </a:prstGeom>
+          <a:prstGeom prst="rect"/>
         </p:spPr>
       </p:pic>
       <p:sp>
         <p:nvSpPr>
-          <p:cNvPr id="6" name="TextBox 5"/>
+          <p:cNvPr id="1048594" name="TextBox 5"/>
           <p:cNvSpPr txBox="1"/>
           <p:nvPr/>
         </p:nvSpPr>
         <p:spPr>
           <a:xfrm>
             <a:off x="1710196" y="2877553"/>
-            <a:ext cx="1237839" cy="461665"/>
-          </a:xfrm>
-          <a:prstGeom prst="rect">
-            <a:avLst/>
-          </a:prstGeom>
+            <a:ext cx="1160780" cy="447041"/>
+          </a:xfrm>
+          <a:prstGeom prst="rect"/>
           <a:noFill/>
         </p:spPr>
         <p:txBody>
-          <a:bodyPr wrap="none" rtlCol="0">
+          <a:bodyPr rtlCol="0" wrap="none">
             <a:spAutoFit/>
           </a:bodyPr>
-          <a:lstStyle/>
-          <a:p>
-            <a:r>
-              <a:rPr lang="ru-RU" sz="2400" dirty="0" smtClean="0"/>
+          <a:p>
+            <a:r>
+              <a:rPr dirty="0" sz="2400" lang="ru-RU" smtClean="0"/>
               <a:t>- игрок</a:t>
             </a:r>
-            <a:endParaRPr lang="ru-RU" sz="2400" dirty="0"/>
+            <a:endParaRPr dirty="0" sz="2400" lang="ru-RU"/>
           </a:p>
         </p:txBody>
       </p:sp>
       <p:pic>
         <p:nvPicPr>
-          <p:cNvPr id="7" name="Рисунок 6"/>
+          <p:cNvPr id="2097157" name="Рисунок 6"/>
           <p:cNvPicPr>
             <a:picLocks noChangeAspect="1"/>
           </p:cNvPicPr>
           <p:nvPr/>
         </p:nvPicPr>
         <p:blipFill>
-          <a:blip r:embed="rId4"/>
+          <a:blip xmlns:r="http://schemas.openxmlformats.org/officeDocument/2006/relationships" r:embed="rId3"/>
           <a:stretch>
             <a:fillRect/>
           </a:stretch>
@@ -6592,51 +6696,46 @@
             <a:off x="598800" y="3868848"/>
             <a:ext cx="915089" cy="937409"/>
           </a:xfrm>
-          <a:prstGeom prst="rect">
-            <a:avLst/>
-          </a:prstGeom>
+          <a:prstGeom prst="rect"/>
         </p:spPr>
       </p:pic>
       <p:sp>
         <p:nvSpPr>
-          <p:cNvPr id="8" name="TextBox 7"/>
+          <p:cNvPr id="1048595" name="TextBox 7"/>
           <p:cNvSpPr txBox="1"/>
           <p:nvPr/>
         </p:nvSpPr>
         <p:spPr>
           <a:xfrm>
             <a:off x="1710196" y="3991302"/>
-            <a:ext cx="2807179" cy="461665"/>
-          </a:xfrm>
-          <a:prstGeom prst="rect">
-            <a:avLst/>
-          </a:prstGeom>
+            <a:ext cx="2646680" cy="447041"/>
+          </a:xfrm>
+          <a:prstGeom prst="rect"/>
           <a:noFill/>
         </p:spPr>
         <p:txBody>
-          <a:bodyPr wrap="none" rtlCol="0">
+          <a:bodyPr rtlCol="0" wrap="none">
             <a:spAutoFit/>
           </a:bodyPr>
-          <a:lstStyle/>
-          <a:p>
-            <a:r>
-              <a:rPr lang="ru-RU" sz="2400" dirty="0" smtClean="0"/>
+          <a:p>
+            <a:r>
+              <a:rPr dirty="0" sz="2400" lang="ru-RU" smtClean="0"/>
               <a:t>- противник(Орк)</a:t>
             </a:r>
-            <a:endParaRPr lang="ru-RU" sz="2400" dirty="0"/>
+            <a:endParaRPr dirty="0" sz="2400" lang="ru-RU"/>
           </a:p>
         </p:txBody>
       </p:sp>
       <p:pic>
         <p:nvPicPr>
-          <p:cNvPr id="9" name="Рисунок 8"/>
+          <p:cNvPr id="2097158" name="Рисунок 8"/>
           <p:cNvPicPr>
             <a:picLocks noChangeAspect="1"/>
           </p:cNvPicPr>
           <p:nvPr/>
         </p:nvPicPr>
         <p:blipFill>
-          <a:blip r:embed="rId5"/>
+          <a:blip xmlns:r="http://schemas.openxmlformats.org/officeDocument/2006/relationships" r:embed="rId4"/>
           <a:stretch>
             <a:fillRect/>
           </a:stretch>
@@ -6646,51 +6745,46 @@
             <a:off x="603208" y="5104351"/>
             <a:ext cx="913358" cy="913358"/>
           </a:xfrm>
-          <a:prstGeom prst="rect">
-            <a:avLst/>
-          </a:prstGeom>
+          <a:prstGeom prst="rect"/>
         </p:spPr>
       </p:pic>
       <p:sp>
         <p:nvSpPr>
-          <p:cNvPr id="10" name="TextBox 9"/>
+          <p:cNvPr id="1048596" name="TextBox 9"/>
           <p:cNvSpPr txBox="1"/>
           <p:nvPr/>
         </p:nvSpPr>
         <p:spPr>
           <a:xfrm>
             <a:off x="1710196" y="5105052"/>
-            <a:ext cx="2303836" cy="461665"/>
-          </a:xfrm>
-          <a:prstGeom prst="rect">
-            <a:avLst/>
-          </a:prstGeom>
+            <a:ext cx="2037080" cy="447040"/>
+          </a:xfrm>
+          <a:prstGeom prst="rect"/>
           <a:noFill/>
         </p:spPr>
         <p:txBody>
-          <a:bodyPr wrap="none" rtlCol="0">
+          <a:bodyPr rtlCol="0" wrap="none">
             <a:spAutoFit/>
           </a:bodyPr>
-          <a:lstStyle/>
-          <a:p>
-            <a:r>
-              <a:rPr lang="ru-RU" sz="2400" dirty="0" smtClean="0"/>
+          <a:p>
+            <a:r>
+              <a:rPr dirty="0" sz="2400" lang="ru-RU" smtClean="0"/>
               <a:t>- удар игрока</a:t>
             </a:r>
-            <a:endParaRPr lang="ru-RU" sz="2400" dirty="0"/>
+            <a:endParaRPr dirty="0" sz="2400" lang="ru-RU"/>
           </a:p>
         </p:txBody>
       </p:sp>
       <p:pic>
         <p:nvPicPr>
-          <p:cNvPr id="11" name="Рисунок 10"/>
+          <p:cNvPr id="2097159" name="Рисунок 10"/>
           <p:cNvPicPr>
             <a:picLocks noChangeAspect="1"/>
           </p:cNvPicPr>
           <p:nvPr/>
         </p:nvPicPr>
         <p:blipFill>
-          <a:blip r:embed="rId6"/>
+          <a:blip xmlns:r="http://schemas.openxmlformats.org/officeDocument/2006/relationships" r:embed="rId5"/>
           <a:stretch>
             <a:fillRect/>
           </a:stretch>
@@ -6700,21 +6794,19 @@
             <a:off x="1784311" y="1448287"/>
             <a:ext cx="893301" cy="893301"/>
           </a:xfrm>
-          <a:prstGeom prst="rect">
-            <a:avLst/>
-          </a:prstGeom>
+          <a:prstGeom prst="rect"/>
         </p:spPr>
       </p:pic>
       <p:pic>
         <p:nvPicPr>
-          <p:cNvPr id="12" name="Рисунок 11"/>
+          <p:cNvPr id="2097160" name="Рисунок 11"/>
           <p:cNvPicPr>
             <a:picLocks noChangeAspect="1"/>
           </p:cNvPicPr>
           <p:nvPr/>
         </p:nvPicPr>
         <p:blipFill>
-          <a:blip r:embed="rId7"/>
+          <a:blip xmlns:r="http://schemas.openxmlformats.org/officeDocument/2006/relationships" r:embed="rId6"/>
           <a:stretch>
             <a:fillRect/>
           </a:stretch>
@@ -6724,21 +6816,19 @@
             <a:off x="2948035" y="1448287"/>
             <a:ext cx="917444" cy="893301"/>
           </a:xfrm>
-          <a:prstGeom prst="rect">
-            <a:avLst/>
-          </a:prstGeom>
+          <a:prstGeom prst="rect"/>
         </p:spPr>
       </p:pic>
       <p:pic>
         <p:nvPicPr>
-          <p:cNvPr id="13" name="Рисунок 12"/>
+          <p:cNvPr id="2097161" name="Рисунок 12"/>
           <p:cNvPicPr>
             <a:picLocks noChangeAspect="1"/>
           </p:cNvPicPr>
           <p:nvPr/>
         </p:nvPicPr>
         <p:blipFill>
-          <a:blip r:embed="rId8"/>
+          <a:blip xmlns:r="http://schemas.openxmlformats.org/officeDocument/2006/relationships" r:embed="rId7"/>
           <a:stretch>
             <a:fillRect/>
           </a:stretch>
@@ -6748,21 +6838,19 @@
             <a:off x="4135902" y="1448287"/>
             <a:ext cx="893301" cy="893301"/>
           </a:xfrm>
-          <a:prstGeom prst="rect">
-            <a:avLst/>
-          </a:prstGeom>
+          <a:prstGeom prst="rect"/>
         </p:spPr>
       </p:pic>
       <p:pic>
         <p:nvPicPr>
-          <p:cNvPr id="14" name="Рисунок 13"/>
+          <p:cNvPr id="2097162" name="Рисунок 13"/>
           <p:cNvPicPr>
             <a:picLocks noChangeAspect="1"/>
           </p:cNvPicPr>
           <p:nvPr/>
         </p:nvPicPr>
         <p:blipFill>
-          <a:blip r:embed="rId9"/>
+          <a:blip xmlns:r="http://schemas.openxmlformats.org/officeDocument/2006/relationships" r:embed="rId8"/>
           <a:stretch>
             <a:fillRect/>
           </a:stretch>
@@ -6772,21 +6860,19 @@
             <a:off x="5299626" y="1448287"/>
             <a:ext cx="887341" cy="887341"/>
           </a:xfrm>
-          <a:prstGeom prst="rect">
-            <a:avLst/>
-          </a:prstGeom>
+          <a:prstGeom prst="rect"/>
         </p:spPr>
       </p:pic>
       <p:pic>
         <p:nvPicPr>
-          <p:cNvPr id="15" name="Рисунок 14"/>
+          <p:cNvPr id="2097163" name="Рисунок 14"/>
           <p:cNvPicPr>
             <a:picLocks noChangeAspect="1"/>
           </p:cNvPicPr>
           <p:nvPr/>
         </p:nvPicPr>
         <p:blipFill>
-          <a:blip r:embed="rId10"/>
+          <a:blip xmlns:r="http://schemas.openxmlformats.org/officeDocument/2006/relationships" r:embed="rId9"/>
           <a:stretch>
             <a:fillRect/>
           </a:stretch>
@@ -6796,28 +6882,15 @@
             <a:off x="6530045" y="1444581"/>
             <a:ext cx="913894" cy="891047"/>
           </a:xfrm>
-          <a:prstGeom prst="rect">
-            <a:avLst/>
-          </a:prstGeom>
+          <a:prstGeom prst="rect"/>
         </p:spPr>
       </p:pic>
     </p:spTree>
-    <p:extLst>
-      <p:ext uri="{BB962C8B-B14F-4D97-AF65-F5344CB8AC3E}">
-        <p14:creationId xmlns:p14="http://schemas.microsoft.com/office/powerpoint/2010/main" val="593691911"/>
-      </p:ext>
-    </p:extLst>
   </p:cSld>
   <p:clrMapOvr>
     <a:masterClrMapping/>
   </p:clrMapOvr>
-  <p:timing>
-    <p:tnLst>
-      <p:par>
-        <p:cTn id="1" dur="indefinite" restart="never" nodeType="tmRoot"/>
-      </p:par>
-    </p:tnLst>
-  </p:timing>
+  <p:timing/>
 </p:sld>
 </file>
 
@@ -6826,7 +6899,7 @@
   <p:cSld>
     <p:spTree>
       <p:nvGrpSpPr>
-        <p:cNvPr id="1" name=""/>
+        <p:cNvPr id="35" name=""/>
         <p:cNvGrpSpPr/>
         <p:nvPr/>
       </p:nvGrpSpPr>
@@ -6840,44 +6913,41 @@
       </p:grpSpPr>
       <p:sp>
         <p:nvSpPr>
-          <p:cNvPr id="2" name="TextBox 1"/>
+          <p:cNvPr id="1048597" name="TextBox 1"/>
           <p:cNvSpPr txBox="1"/>
           <p:nvPr/>
         </p:nvSpPr>
         <p:spPr>
           <a:xfrm>
             <a:off x="2631688" y="0"/>
-            <a:ext cx="6968574" cy="923330"/>
-          </a:xfrm>
-          <a:prstGeom prst="rect">
-            <a:avLst/>
-          </a:prstGeom>
+            <a:ext cx="6329681" cy="891540"/>
+          </a:xfrm>
+          <a:prstGeom prst="rect"/>
           <a:noFill/>
         </p:spPr>
         <p:txBody>
-          <a:bodyPr wrap="none" rtlCol="0">
+          <a:bodyPr rtlCol="0" wrap="none">
             <a:spAutoFit/>
           </a:bodyPr>
-          <a:lstStyle/>
-          <a:p>
-            <a:r>
-              <a:rPr lang="ru-RU" sz="5400" dirty="0" smtClean="0"/>
+          <a:p>
+            <a:r>
+              <a:rPr dirty="0" sz="5400" lang="ru-RU" smtClean="0"/>
               <a:t>Подбор предметов</a:t>
             </a:r>
-            <a:endParaRPr lang="ru-RU" sz="5400" dirty="0"/>
+            <a:endParaRPr dirty="0" sz="5400" lang="ru-RU"/>
           </a:p>
         </p:txBody>
       </p:sp>
       <p:pic>
         <p:nvPicPr>
-          <p:cNvPr id="3" name="Рисунок 2"/>
+          <p:cNvPr id="2097164" name="Рисунок 2"/>
           <p:cNvPicPr>
             <a:picLocks noChangeAspect="1"/>
           </p:cNvPicPr>
           <p:nvPr/>
         </p:nvPicPr>
         <p:blipFill>
-          <a:blip r:embed="rId2"/>
+          <a:blip xmlns:r="http://schemas.openxmlformats.org/officeDocument/2006/relationships" r:embed="rId1"/>
           <a:stretch>
             <a:fillRect/>
           </a:stretch>
@@ -6887,88 +6957,72 @@
             <a:off x="7469103" y="923330"/>
             <a:ext cx="4262317" cy="5309418"/>
           </a:xfrm>
-          <a:prstGeom prst="rect">
-            <a:avLst/>
-          </a:prstGeom>
+          <a:prstGeom prst="rect"/>
         </p:spPr>
       </p:pic>
       <p:sp>
         <p:nvSpPr>
-          <p:cNvPr id="4" name="TextBox 3"/>
+          <p:cNvPr id="1048598" name="TextBox 3"/>
           <p:cNvSpPr txBox="1"/>
           <p:nvPr/>
         </p:nvSpPr>
         <p:spPr>
           <a:xfrm>
             <a:off x="680223" y="1572322"/>
-            <a:ext cx="6788879" cy="4832092"/>
-          </a:xfrm>
-          <a:prstGeom prst="rect">
-            <a:avLst/>
-          </a:prstGeom>
+            <a:ext cx="6788879" cy="4282440"/>
+          </a:xfrm>
+          <a:prstGeom prst="rect"/>
           <a:noFill/>
         </p:spPr>
         <p:txBody>
-          <a:bodyPr wrap="square" rtlCol="0">
+          <a:bodyPr rtlCol="0" wrap="square">
             <a:spAutoFit/>
           </a:bodyPr>
-          <a:lstStyle/>
-          <a:p>
-            <a:r>
-              <a:rPr lang="ru-RU" sz="2800" dirty="0" smtClean="0"/>
+          <a:p>
+            <a:r>
+              <a:rPr dirty="0" sz="2800" lang="ru-RU" smtClean="0"/>
               <a:t>Слева соответственно то что ты нашёл, и если ты хочешь,</a:t>
             </a:r>
           </a:p>
           <a:p>
             <a:r>
-              <a:rPr lang="ru-RU" sz="2800" dirty="0" smtClean="0"/>
+              <a:rPr dirty="0" sz="2800" lang="ru-RU" smtClean="0"/>
               <a:t>то ты можешь взять этот предмет выбросив тот что у тебя.</a:t>
             </a:r>
           </a:p>
           <a:p>
             <a:r>
-              <a:rPr lang="ru-RU" sz="2800" dirty="0" smtClean="0"/>
+              <a:rPr dirty="0" sz="2800" lang="ru-RU" smtClean="0"/>
               <a:t>Справа – тот предмет что надет на тебе сейчас.</a:t>
             </a:r>
           </a:p>
           <a:p>
             <a:r>
-              <a:rPr lang="ru-RU" sz="2800" dirty="0" smtClean="0"/>
+              <a:rPr dirty="0" sz="2800" lang="ru-RU" smtClean="0"/>
               <a:t>В данном случае мы видим, что найденный нами предмет гораздо лучше того что у нас, следовательно мы нажимаем на кнопку </a:t>
             </a:r>
             <a:r>
-              <a:rPr lang="en-US" sz="2800" dirty="0" smtClean="0"/>
+              <a:rPr dirty="0" sz="2800" lang="en-US" smtClean="0"/>
               <a:t>“</a:t>
             </a:r>
             <a:r>
-              <a:rPr lang="ru-RU" sz="2800" dirty="0" smtClean="0"/>
+              <a:rPr dirty="0" sz="2800" lang="ru-RU" smtClean="0"/>
               <a:t>Взять этот.</a:t>
             </a:r>
             <a:r>
-              <a:rPr lang="en-US" sz="2800" dirty="0" smtClean="0"/>
+              <a:rPr dirty="0" sz="2800" lang="en-US" smtClean="0"/>
               <a:t>”</a:t>
             </a:r>
-            <a:endParaRPr lang="ru-RU" sz="2800" dirty="0" smtClean="0"/>
+            <a:endParaRPr dirty="0" sz="2800" lang="ru-RU" smtClean="0"/>
           </a:p>
         </p:txBody>
       </p:sp>
     </p:spTree>
-    <p:extLst>
-      <p:ext uri="{BB962C8B-B14F-4D97-AF65-F5344CB8AC3E}">
-        <p14:creationId xmlns:p14="http://schemas.microsoft.com/office/powerpoint/2010/main" val="489041379"/>
-      </p:ext>
-    </p:extLst>
   </p:cSld>
   <p:clrMapOvr>
     <a:masterClrMapping/>
   </p:clrMapOvr>
-  <p:timing>
-    <p:tnLst>
-      <p:par>
-        <p:cTn id="1" dur="indefinite" restart="never" nodeType="tmRoot"/>
-      </p:par>
-    </p:tnLst>
-  </p:timing>
+  <p:timing/>
 </p:sld>
 </file>
 
@@ -6977,7 +7031,7 @@
   <p:cSld>
     <p:spTree>
       <p:nvGrpSpPr>
-        <p:cNvPr id="1" name=""/>
+        <p:cNvPr id="36" name=""/>
         <p:cNvGrpSpPr/>
         <p:nvPr/>
       </p:nvGrpSpPr>
@@ -6991,193 +7045,176 @@
       </p:grpSpPr>
       <p:sp>
         <p:nvSpPr>
-          <p:cNvPr id="2" name="TextBox 1"/>
+          <p:cNvPr id="1048599" name="TextBox 1"/>
           <p:cNvSpPr txBox="1"/>
           <p:nvPr/>
         </p:nvSpPr>
         <p:spPr>
           <a:xfrm>
             <a:off x="4137103" y="167269"/>
-            <a:ext cx="3826689" cy="830997"/>
-          </a:xfrm>
-          <a:prstGeom prst="rect">
-            <a:avLst/>
-          </a:prstGeom>
+            <a:ext cx="3599180" cy="815340"/>
+          </a:xfrm>
+          <a:prstGeom prst="rect"/>
           <a:noFill/>
         </p:spPr>
         <p:txBody>
-          <a:bodyPr wrap="none" rtlCol="0">
+          <a:bodyPr rtlCol="0" wrap="none">
             <a:spAutoFit/>
           </a:bodyPr>
-          <a:lstStyle/>
-          <a:p>
-            <a:r>
-              <a:rPr lang="ru-RU" sz="4800" dirty="0" smtClean="0"/>
+          <a:p>
+            <a:r>
+              <a:rPr dirty="0" sz="4800" lang="ru-RU" smtClean="0"/>
               <a:t>Реализация</a:t>
             </a:r>
-            <a:endParaRPr lang="ru-RU" sz="4800" dirty="0"/>
-          </a:p>
-        </p:txBody>
-      </p:sp>
-      <p:sp>
-        <p:nvSpPr>
-          <p:cNvPr id="3" name="TextBox 2"/>
+            <a:endParaRPr dirty="0" sz="4800" lang="ru-RU"/>
+          </a:p>
+        </p:txBody>
+      </p:sp>
+      <p:sp>
+        <p:nvSpPr>
+          <p:cNvPr id="1048600" name="TextBox 2"/>
           <p:cNvSpPr txBox="1"/>
           <p:nvPr/>
         </p:nvSpPr>
         <p:spPr>
           <a:xfrm>
             <a:off x="512956" y="1583473"/>
-            <a:ext cx="11273883" cy="4524315"/>
-          </a:xfrm>
-          <a:prstGeom prst="rect">
-            <a:avLst/>
-          </a:prstGeom>
+            <a:ext cx="11273883" cy="4434840"/>
+          </a:xfrm>
+          <a:prstGeom prst="rect"/>
           <a:noFill/>
         </p:spPr>
         <p:txBody>
-          <a:bodyPr wrap="square" rtlCol="0">
+          <a:bodyPr rtlCol="0" wrap="square">
             <a:spAutoFit/>
           </a:bodyPr>
-          <a:lstStyle/>
-          <a:p>
-            <a:pPr marL="342900" indent="-342900">
+          <a:p>
+            <a:pPr indent="-342900" marL="342900">
               <a:buAutoNum type="arabicPeriod"/>
             </a:pPr>
             <a:r>
-              <a:rPr lang="en-US" sz="3200" dirty="0" smtClean="0"/>
+              <a:rPr dirty="0" sz="3200" lang="en-US" smtClean="0"/>
               <a:t>Python 3.7</a:t>
             </a:r>
             <a:r>
-              <a:rPr lang="ru-RU" sz="3200" dirty="0" smtClean="0"/>
+              <a:rPr dirty="0" sz="3200" lang="ru-RU" smtClean="0"/>
               <a:t> как язык программирования</a:t>
             </a:r>
           </a:p>
           <a:p>
-            <a:pPr marL="342900" indent="-342900">
+            <a:pPr indent="-342900" marL="342900">
               <a:buAutoNum type="arabicPeriod"/>
             </a:pPr>
             <a:r>
-              <a:rPr lang="ru-RU" sz="3200" dirty="0" smtClean="0"/>
+              <a:rPr dirty="0" sz="3200" lang="ru-RU" smtClean="0"/>
               <a:t>Библиотека </a:t>
             </a:r>
             <a:r>
-              <a:rPr lang="en-US" sz="3200" dirty="0" err="1" smtClean="0"/>
+              <a:rPr dirty="0" sz="3200" lang="en-US" err="1" smtClean="0"/>
               <a:t>Pygame</a:t>
             </a:r>
             <a:r>
-              <a:rPr lang="en-US" sz="3200" dirty="0" smtClean="0"/>
+              <a:rPr dirty="0" sz="3200" lang="en-US" smtClean="0"/>
               <a:t> </a:t>
             </a:r>
             <a:r>
-              <a:rPr lang="ru-RU" sz="3200" dirty="0" smtClean="0"/>
+              <a:rPr dirty="0" sz="3200" lang="ru-RU" smtClean="0"/>
               <a:t>как основной графический интерфейс, и как основная логика игры.</a:t>
             </a:r>
           </a:p>
           <a:p>
-            <a:pPr marL="342900" indent="-342900">
+            <a:pPr indent="-342900" marL="342900">
               <a:buAutoNum type="arabicPeriod"/>
             </a:pPr>
             <a:r>
-              <a:rPr lang="ru-RU" sz="3200" dirty="0" smtClean="0"/>
+              <a:rPr dirty="0" sz="3200" lang="ru-RU" smtClean="0"/>
               <a:t>Библиотека </a:t>
             </a:r>
             <a:r>
-              <a:rPr lang="en-US" sz="3200" dirty="0" smtClean="0"/>
+              <a:rPr dirty="0" sz="3200" lang="en-US" smtClean="0"/>
               <a:t>PyQT5 </a:t>
             </a:r>
             <a:r>
-              <a:rPr lang="ru-RU" sz="3200" dirty="0" smtClean="0"/>
+              <a:rPr dirty="0" sz="3200" lang="ru-RU" smtClean="0"/>
               <a:t> и </a:t>
             </a:r>
             <a:r>
-              <a:rPr lang="en-US" sz="3200" dirty="0" smtClean="0"/>
+              <a:rPr dirty="0" sz="3200" lang="en-US" smtClean="0"/>
               <a:t>QT Designer</a:t>
             </a:r>
             <a:r>
-              <a:rPr lang="ru-RU" sz="3200" dirty="0"/>
+              <a:rPr dirty="0" sz="3200" lang="ru-RU"/>
               <a:t> </a:t>
             </a:r>
             <a:r>
-              <a:rPr lang="ru-RU" sz="3200" dirty="0" smtClean="0"/>
+              <a:rPr dirty="0" sz="3200" lang="ru-RU" smtClean="0"/>
               <a:t>для работы с окном предметов.</a:t>
             </a:r>
           </a:p>
           <a:p>
-            <a:pPr marL="342900" indent="-342900">
+            <a:pPr indent="-342900" marL="342900">
               <a:buAutoNum type="arabicPeriod"/>
             </a:pPr>
             <a:r>
-              <a:rPr lang="ru-RU" sz="3200" dirty="0" smtClean="0"/>
+              <a:rPr dirty="0" sz="3200" lang="ru-RU" smtClean="0"/>
               <a:t>Библиотека </a:t>
             </a:r>
             <a:r>
-              <a:rPr lang="en-US" sz="3200" dirty="0" smtClean="0"/>
+              <a:rPr dirty="0" sz="3200" lang="en-US" smtClean="0"/>
               <a:t>random </a:t>
             </a:r>
             <a:r>
-              <a:rPr lang="ru-RU" sz="3200" dirty="0" smtClean="0"/>
+              <a:rPr dirty="0" sz="3200" lang="ru-RU" smtClean="0"/>
               <a:t>для получения случайных чисел.</a:t>
             </a:r>
           </a:p>
           <a:p>
-            <a:pPr marL="342900" indent="-342900">
+            <a:pPr indent="-342900" marL="342900">
               <a:buAutoNum type="arabicPeriod"/>
             </a:pPr>
             <a:r>
-              <a:rPr lang="ru-RU" sz="3200" dirty="0" smtClean="0"/>
+              <a:rPr dirty="0" sz="3200" lang="ru-RU" smtClean="0"/>
               <a:t>Библиотека </a:t>
             </a:r>
             <a:r>
-              <a:rPr lang="en-US" sz="3200" dirty="0" smtClean="0"/>
+              <a:rPr dirty="0" sz="3200" lang="en-US" smtClean="0"/>
               <a:t>SQLite3 </a:t>
             </a:r>
             <a:r>
-              <a:rPr lang="ru-RU" sz="3200" dirty="0" smtClean="0"/>
+              <a:rPr dirty="0" sz="3200" lang="ru-RU" smtClean="0"/>
               <a:t>для связи с базой данных.</a:t>
             </a:r>
           </a:p>
           <a:p>
-            <a:pPr marL="342900" indent="-342900">
+            <a:pPr indent="-342900" marL="342900">
               <a:buAutoNum type="arabicPeriod"/>
             </a:pPr>
             <a:r>
-              <a:rPr lang="ru-RU" sz="3200" dirty="0" smtClean="0"/>
+              <a:rPr dirty="0" sz="3200" lang="ru-RU" smtClean="0"/>
               <a:t>Библиотека </a:t>
             </a:r>
             <a:r>
-              <a:rPr lang="en-US" sz="3200" dirty="0" err="1" smtClean="0"/>
+              <a:rPr dirty="0" sz="3200" lang="en-US" err="1" smtClean="0"/>
               <a:t>cx_Freeze</a:t>
             </a:r>
             <a:r>
-              <a:rPr lang="en-US" sz="3200" dirty="0" smtClean="0"/>
+              <a:rPr dirty="0" sz="3200" lang="en-US" smtClean="0"/>
               <a:t> </a:t>
             </a:r>
             <a:r>
-              <a:rPr lang="ru-RU" sz="3200" dirty="0" smtClean="0"/>
+              <a:rPr dirty="0" sz="3200" lang="ru-RU" smtClean="0"/>
               <a:t>для сборки независимого приложения.</a:t>
             </a:r>
-            <a:endParaRPr lang="ru-RU" sz="3200" dirty="0"/>
+            <a:endParaRPr dirty="0" sz="3200" lang="ru-RU"/>
           </a:p>
         </p:txBody>
       </p:sp>
     </p:spTree>
-    <p:extLst>
-      <p:ext uri="{BB962C8B-B14F-4D97-AF65-F5344CB8AC3E}">
-        <p14:creationId xmlns:p14="http://schemas.microsoft.com/office/powerpoint/2010/main" val="2307804391"/>
-      </p:ext>
-    </p:extLst>
   </p:cSld>
   <p:clrMapOvr>
     <a:masterClrMapping/>
   </p:clrMapOvr>
-  <p:timing>
-    <p:tnLst>
-      <p:par>
-        <p:cTn id="1" dur="indefinite" restart="never" nodeType="tmRoot"/>
-      </p:par>
-    </p:tnLst>
-  </p:timing>
+  <p:timing/>
 </p:sld>
 </file>
 
@@ -7186,7 +7223,7 @@
   <p:cSld>
     <p:spTree>
       <p:nvGrpSpPr>
-        <p:cNvPr id="1" name=""/>
+        <p:cNvPr id="37" name=""/>
         <p:cNvGrpSpPr/>
         <p:nvPr/>
       </p:nvGrpSpPr>
@@ -7200,220 +7237,203 @@
       </p:grpSpPr>
       <p:sp>
         <p:nvSpPr>
-          <p:cNvPr id="2" name="TextBox 1"/>
+          <p:cNvPr id="1048601" name="TextBox 1"/>
           <p:cNvSpPr txBox="1"/>
           <p:nvPr/>
         </p:nvSpPr>
         <p:spPr>
           <a:xfrm>
             <a:off x="2687444" y="0"/>
-            <a:ext cx="7364517" cy="830997"/>
-          </a:xfrm>
-          <a:prstGeom prst="rect">
-            <a:avLst/>
-          </a:prstGeom>
+            <a:ext cx="6824980" cy="815340"/>
+          </a:xfrm>
+          <a:prstGeom prst="rect"/>
           <a:noFill/>
         </p:spPr>
         <p:txBody>
-          <a:bodyPr wrap="none" rtlCol="0">
+          <a:bodyPr rtlCol="0" wrap="none">
             <a:spAutoFit/>
           </a:bodyPr>
-          <a:lstStyle/>
-          <a:p>
-            <a:r>
-              <a:rPr lang="ru-RU" sz="4800" dirty="0" smtClean="0"/>
+          <a:p>
+            <a:r>
+              <a:rPr dirty="0" sz="4800" lang="ru-RU" smtClean="0"/>
               <a:t>Структура приложения</a:t>
             </a:r>
-            <a:endParaRPr lang="ru-RU" sz="4800" dirty="0"/>
-          </a:p>
-        </p:txBody>
-      </p:sp>
-      <p:sp>
-        <p:nvSpPr>
-          <p:cNvPr id="3" name="TextBox 2"/>
+            <a:endParaRPr dirty="0" sz="4800" lang="ru-RU"/>
+          </a:p>
+        </p:txBody>
+      </p:sp>
+      <p:sp>
+        <p:nvSpPr>
+          <p:cNvPr id="1048602" name="TextBox 2"/>
           <p:cNvSpPr txBox="1"/>
           <p:nvPr/>
         </p:nvSpPr>
         <p:spPr>
           <a:xfrm>
             <a:off x="256478" y="1260088"/>
-            <a:ext cx="11552663" cy="5016758"/>
-          </a:xfrm>
-          <a:prstGeom prst="rect">
-            <a:avLst/>
-          </a:prstGeom>
+            <a:ext cx="11552663" cy="4917440"/>
+          </a:xfrm>
+          <a:prstGeom prst="rect"/>
           <a:noFill/>
         </p:spPr>
         <p:txBody>
-          <a:bodyPr wrap="square" rtlCol="0">
+          <a:bodyPr rtlCol="0" wrap="square">
             <a:spAutoFit/>
           </a:bodyPr>
-          <a:lstStyle/>
-          <a:p>
-            <a:pPr marL="514350" indent="-514350">
+          <a:p>
+            <a:pPr indent="-514350" marL="514350">
               <a:buFont typeface="Arial" panose="020B0604020202020204" pitchFamily="34" charset="0"/>
               <a:buChar char="•"/>
             </a:pPr>
             <a:r>
-              <a:rPr lang="en-US" sz="3200" dirty="0" smtClean="0"/>
+              <a:rPr dirty="0" sz="3200" lang="en-US" smtClean="0"/>
               <a:t>main.py – </a:t>
             </a:r>
             <a:r>
-              <a:rPr lang="ru-RU" sz="3200" dirty="0" smtClean="0"/>
+              <a:rPr dirty="0" sz="3200" lang="ru-RU" smtClean="0"/>
               <a:t>основной файл</a:t>
             </a:r>
           </a:p>
           <a:p>
-            <a:pPr marL="514350" indent="-514350">
+            <a:pPr indent="-514350" marL="514350">
               <a:buFont typeface="Arial" panose="020B0604020202020204" pitchFamily="34" charset="0"/>
               <a:buChar char="•"/>
             </a:pPr>
             <a:r>
-              <a:rPr lang="ru-RU" sz="3200" dirty="0" smtClean="0"/>
+              <a:rPr dirty="0" sz="3200" lang="ru-RU" smtClean="0"/>
               <a:t>папка </a:t>
             </a:r>
             <a:r>
-              <a:rPr lang="en-US" sz="3200" dirty="0" smtClean="0"/>
+              <a:rPr dirty="0" sz="3200" lang="en-US" smtClean="0"/>
               <a:t>data </a:t>
             </a:r>
             <a:r>
-              <a:rPr lang="ru-RU" sz="3200" dirty="0" smtClean="0"/>
+              <a:rPr dirty="0" sz="3200" lang="ru-RU" smtClean="0"/>
               <a:t>– папка с изображениями, используемыми в игру</a:t>
             </a:r>
           </a:p>
           <a:p>
-            <a:pPr marL="514350" indent="-514350">
+            <a:pPr indent="-514350" marL="514350">
               <a:buFont typeface="Arial" panose="020B0604020202020204" pitchFamily="34" charset="0"/>
               <a:buChar char="•"/>
             </a:pPr>
             <a:r>
-              <a:rPr lang="ru-RU" sz="3200" dirty="0" smtClean="0"/>
+              <a:rPr dirty="0" sz="3200" lang="ru-RU" smtClean="0"/>
               <a:t>папка </a:t>
             </a:r>
             <a:r>
-              <a:rPr lang="en-US" sz="3200" dirty="0" err="1" smtClean="0"/>
+              <a:rPr dirty="0" sz="3200" lang="en-US" err="1" smtClean="0"/>
               <a:t>ui</a:t>
             </a:r>
             <a:r>
-              <a:rPr lang="ru-RU" sz="3200" dirty="0" smtClean="0"/>
+              <a:rPr dirty="0" sz="3200" lang="ru-RU" smtClean="0"/>
               <a:t> – папка с макетами для </a:t>
             </a:r>
             <a:r>
-              <a:rPr lang="en-US" sz="3200" dirty="0" smtClean="0"/>
+              <a:rPr dirty="0" sz="3200" lang="en-US" smtClean="0"/>
               <a:t>PyQT5</a:t>
             </a:r>
-            <a:endParaRPr lang="ru-RU" sz="3200" dirty="0"/>
-          </a:p>
-          <a:p>
-            <a:pPr marL="514350" indent="-514350">
+            <a:endParaRPr dirty="0" sz="3200" lang="ru-RU"/>
+          </a:p>
+          <a:p>
+            <a:pPr indent="-514350" marL="514350">
               <a:buFont typeface="Arial" panose="020B0604020202020204" pitchFamily="34" charset="0"/>
               <a:buChar char="•"/>
             </a:pPr>
             <a:r>
-              <a:rPr lang="ru-RU" sz="3200" dirty="0" smtClean="0"/>
+              <a:rPr dirty="0" sz="3200" lang="ru-RU" smtClean="0"/>
               <a:t>папка </a:t>
             </a:r>
             <a:r>
-              <a:rPr lang="en-US" sz="3200" dirty="0" smtClean="0"/>
+              <a:rPr dirty="0" sz="3200" lang="en-US" smtClean="0"/>
               <a:t>build </a:t>
             </a:r>
             <a:r>
-              <a:rPr lang="ru-RU" sz="3200" dirty="0" smtClean="0"/>
+              <a:rPr dirty="0" sz="3200" lang="ru-RU" smtClean="0"/>
               <a:t>– папка с собранным приложением</a:t>
             </a:r>
           </a:p>
           <a:p>
-            <a:pPr marL="514350" indent="-514350">
+            <a:pPr indent="-514350" marL="514350">
               <a:buFont typeface="Arial" panose="020B0604020202020204" pitchFamily="34" charset="0"/>
               <a:buChar char="•"/>
             </a:pPr>
             <a:r>
-              <a:rPr lang="ru-RU" sz="3200" dirty="0" smtClean="0"/>
+              <a:rPr dirty="0" sz="3200" lang="ru-RU" smtClean="0"/>
               <a:t>папка </a:t>
             </a:r>
             <a:r>
-              <a:rPr lang="en-US" sz="3200" dirty="0" smtClean="0"/>
+              <a:rPr dirty="0" sz="3200" lang="en-US" smtClean="0"/>
               <a:t>database – </a:t>
             </a:r>
             <a:r>
-              <a:rPr lang="ru-RU" sz="3200" dirty="0" smtClean="0"/>
+              <a:rPr dirty="0" sz="3200" lang="ru-RU" smtClean="0"/>
               <a:t>папка с базой данных</a:t>
             </a:r>
           </a:p>
           <a:p>
-            <a:pPr marL="514350" indent="-514350">
+            <a:pPr indent="-514350" marL="514350">
               <a:buFont typeface="Arial" panose="020B0604020202020204" pitchFamily="34" charset="0"/>
               <a:buChar char="•"/>
             </a:pPr>
             <a:r>
-              <a:rPr lang="en-US" sz="3200" dirty="0" smtClean="0"/>
+              <a:rPr dirty="0" sz="3200" lang="en-US" smtClean="0"/>
               <a:t>mainGameBoard.py </a:t>
             </a:r>
             <a:r>
-              <a:rPr lang="ru-RU" sz="3200" dirty="0" smtClean="0"/>
+              <a:rPr dirty="0" sz="3200" lang="ru-RU" smtClean="0"/>
               <a:t>– основная логика приложения</a:t>
             </a:r>
           </a:p>
           <a:p>
-            <a:pPr marL="514350" indent="-514350">
+            <a:pPr indent="-514350" marL="514350">
               <a:buFont typeface="Arial" panose="020B0604020202020204" pitchFamily="34" charset="0"/>
               <a:buChar char="•"/>
             </a:pPr>
             <a:r>
-              <a:rPr lang="en-US" sz="3200" dirty="0" smtClean="0"/>
+              <a:rPr dirty="0" sz="3200" lang="en-US" smtClean="0"/>
               <a:t>Board.py – </a:t>
             </a:r>
             <a:r>
-              <a:rPr lang="ru-RU" sz="3200" dirty="0" smtClean="0"/>
+              <a:rPr dirty="0" sz="3200" lang="ru-RU" smtClean="0"/>
               <a:t>основа логики игрового поля</a:t>
             </a:r>
           </a:p>
           <a:p>
-            <a:pPr marL="514350" indent="-514350">
+            <a:pPr indent="-514350" marL="514350">
               <a:buFont typeface="Arial" panose="020B0604020202020204" pitchFamily="34" charset="0"/>
               <a:buChar char="•"/>
             </a:pPr>
             <a:r>
-              <a:rPr lang="ru-RU" sz="3200" dirty="0" smtClean="0"/>
+              <a:rPr dirty="0" sz="3200" lang="ru-RU" smtClean="0"/>
               <a:t>остальные .</a:t>
             </a:r>
             <a:r>
-              <a:rPr lang="en-US" sz="3200" dirty="0" err="1" smtClean="0"/>
+              <a:rPr dirty="0" sz="3200" lang="en-US" err="1" smtClean="0"/>
               <a:t>py</a:t>
             </a:r>
             <a:r>
-              <a:rPr lang="en-US" sz="3200" dirty="0" smtClean="0"/>
+              <a:rPr dirty="0" sz="3200" lang="en-US" smtClean="0"/>
               <a:t> </a:t>
             </a:r>
             <a:r>
-              <a:rPr lang="ru-RU" sz="3200" dirty="0" smtClean="0"/>
+              <a:rPr dirty="0" sz="3200" lang="ru-RU" smtClean="0"/>
               <a:t> файлы содержат классы используемые в </a:t>
             </a:r>
             <a:r>
-              <a:rPr lang="en-US" sz="3200" dirty="0" smtClean="0"/>
+              <a:rPr dirty="0" sz="3200" lang="en-US" smtClean="0"/>
               <a:t>mainGameBoard.py</a:t>
             </a:r>
-            <a:endParaRPr lang="ru-RU" sz="3200" dirty="0" smtClean="0"/>
+            <a:endParaRPr dirty="0" sz="3200" lang="ru-RU" smtClean="0"/>
           </a:p>
         </p:txBody>
       </p:sp>
     </p:spTree>
-    <p:extLst>
-      <p:ext uri="{BB962C8B-B14F-4D97-AF65-F5344CB8AC3E}">
-        <p14:creationId xmlns:p14="http://schemas.microsoft.com/office/powerpoint/2010/main" val="2850071095"/>
-      </p:ext>
-    </p:extLst>
   </p:cSld>
   <p:clrMapOvr>
     <a:masterClrMapping/>
   </p:clrMapOvr>
-  <p:timing>
-    <p:tnLst>
-      <p:par>
-        <p:cTn id="1" dur="indefinite" restart="never" nodeType="tmRoot"/>
-      </p:par>
-    </p:tnLst>
-  </p:timing>
+  <p:timing/>
 </p:sld>
 </file>
 
@@ -7422,7 +7442,7 @@
   <p:cSld>
     <p:spTree>
       <p:nvGrpSpPr>
-        <p:cNvPr id="1" name=""/>
+        <p:cNvPr id="38" name=""/>
         <p:cNvGrpSpPr/>
         <p:nvPr/>
       </p:nvGrpSpPr>
@@ -7436,165 +7456,148 @@
       </p:grpSpPr>
       <p:sp>
         <p:nvSpPr>
-          <p:cNvPr id="2" name="TextBox 1"/>
+          <p:cNvPr id="1048603" name="TextBox 1"/>
           <p:cNvSpPr txBox="1"/>
           <p:nvPr/>
         </p:nvSpPr>
         <p:spPr>
           <a:xfrm>
             <a:off x="4170556" y="133814"/>
-            <a:ext cx="3711272" cy="830997"/>
-          </a:xfrm>
-          <a:prstGeom prst="rect">
-            <a:avLst/>
-          </a:prstGeom>
+            <a:ext cx="3281680" cy="815340"/>
+          </a:xfrm>
+          <a:prstGeom prst="rect"/>
           <a:noFill/>
         </p:spPr>
         <p:txBody>
-          <a:bodyPr wrap="none" rtlCol="0">
+          <a:bodyPr rtlCol="0" wrap="none">
             <a:spAutoFit/>
           </a:bodyPr>
-          <a:lstStyle/>
-          <a:p>
-            <a:r>
-              <a:rPr lang="ru-RU" sz="4800" dirty="0" smtClean="0"/>
+          <a:p>
+            <a:r>
+              <a:rPr dirty="0" sz="4800" lang="ru-RU" smtClean="0"/>
               <a:t>В будущем</a:t>
             </a:r>
-            <a:endParaRPr lang="ru-RU" sz="4800" dirty="0"/>
-          </a:p>
-        </p:txBody>
-      </p:sp>
-      <p:sp>
-        <p:nvSpPr>
-          <p:cNvPr id="3" name="TextBox 2"/>
+            <a:endParaRPr dirty="0" sz="4800" lang="ru-RU"/>
+          </a:p>
+        </p:txBody>
+      </p:sp>
+      <p:sp>
+        <p:nvSpPr>
+          <p:cNvPr id="1048604" name="TextBox 2"/>
           <p:cNvSpPr txBox="1"/>
           <p:nvPr/>
         </p:nvSpPr>
         <p:spPr>
           <a:xfrm>
             <a:off x="379141" y="1516566"/>
-            <a:ext cx="11463454" cy="4678204"/>
-          </a:xfrm>
-          <a:prstGeom prst="rect">
-            <a:avLst/>
-          </a:prstGeom>
+            <a:ext cx="11463454" cy="4130041"/>
+          </a:xfrm>
+          <a:prstGeom prst="rect"/>
           <a:noFill/>
         </p:spPr>
         <p:txBody>
-          <a:bodyPr wrap="square" rtlCol="0">
+          <a:bodyPr rtlCol="0" wrap="square">
             <a:spAutoFit/>
           </a:bodyPr>
-          <a:lstStyle/>
-          <a:p>
-            <a:pPr marL="285750" indent="-285750">
+          <a:p>
+            <a:pPr indent="-285750" marL="285750">
               <a:buFont typeface="Arial" panose="020B0604020202020204" pitchFamily="34" charset="0"/>
               <a:buChar char="•"/>
             </a:pPr>
             <a:r>
-              <a:rPr lang="ru-RU" sz="2800" dirty="0" smtClean="0"/>
+              <a:rPr dirty="0" sz="2800" lang="ru-RU" smtClean="0"/>
               <a:t>Добавить новые класс, к примеру с дальним типом атаки и так далее.</a:t>
             </a:r>
           </a:p>
           <a:p>
-            <a:pPr marL="285750" indent="-285750">
+            <a:pPr indent="-285750" marL="285750">
               <a:buFont typeface="Arial" panose="020B0604020202020204" pitchFamily="34" charset="0"/>
               <a:buChar char="•"/>
             </a:pPr>
             <a:r>
-              <a:rPr lang="ru-RU" sz="2800" dirty="0" smtClean="0"/>
+              <a:rPr dirty="0" sz="2800" lang="ru-RU" smtClean="0"/>
               <a:t>Добавить больше предметов.</a:t>
             </a:r>
           </a:p>
           <a:p>
-            <a:pPr marL="285750" indent="-285750">
+            <a:pPr indent="-285750" marL="285750">
               <a:buFont typeface="Arial" panose="020B0604020202020204" pitchFamily="34" charset="0"/>
               <a:buChar char="•"/>
             </a:pPr>
             <a:r>
-              <a:rPr lang="ru-RU" sz="2800" dirty="0" smtClean="0"/>
+              <a:rPr dirty="0" sz="2800" lang="ru-RU" smtClean="0"/>
               <a:t>Добавить систему магии</a:t>
             </a:r>
           </a:p>
           <a:p>
-            <a:pPr marL="285750" indent="-285750">
+            <a:pPr indent="-285750" marL="285750">
               <a:buFont typeface="Arial" panose="020B0604020202020204" pitchFamily="34" charset="0"/>
               <a:buChar char="•"/>
             </a:pPr>
             <a:r>
-              <a:rPr lang="ru-RU" sz="2800" dirty="0" smtClean="0"/>
+              <a:rPr dirty="0" sz="2800" lang="ru-RU" smtClean="0"/>
               <a:t>Добавить магазины и монеты</a:t>
             </a:r>
           </a:p>
           <a:p>
-            <a:pPr marL="285750" indent="-285750">
+            <a:pPr indent="-285750" marL="285750">
               <a:buFont typeface="Arial" panose="020B0604020202020204" pitchFamily="34" charset="0"/>
               <a:buChar char="•"/>
             </a:pPr>
             <a:r>
-              <a:rPr lang="ru-RU" sz="2800" dirty="0" smtClean="0"/>
+              <a:rPr dirty="0" sz="2800" lang="ru-RU" smtClean="0"/>
               <a:t>Добавить разнообразных врагов</a:t>
             </a:r>
           </a:p>
           <a:p>
-            <a:pPr marL="285750" indent="-285750">
+            <a:pPr indent="-285750" marL="285750">
               <a:buFont typeface="Arial" panose="020B0604020202020204" pitchFamily="34" charset="0"/>
               <a:buChar char="•"/>
             </a:pPr>
             <a:r>
-              <a:rPr lang="ru-RU" sz="2800" dirty="0" smtClean="0"/>
+              <a:rPr dirty="0" sz="2800" lang="ru-RU" smtClean="0"/>
               <a:t>Добавить возможность настройки сложности</a:t>
             </a:r>
           </a:p>
           <a:p>
-            <a:pPr marL="285750" indent="-285750">
+            <a:pPr indent="-285750" marL="285750">
               <a:buFont typeface="Arial" panose="020B0604020202020204" pitchFamily="34" charset="0"/>
               <a:buChar char="•"/>
             </a:pPr>
             <a:r>
-              <a:rPr lang="ru-RU" sz="2800" dirty="0" smtClean="0"/>
+              <a:rPr dirty="0" sz="2800" lang="ru-RU" smtClean="0"/>
               <a:t>Добавить возможность для игроков создавать свои предметы</a:t>
             </a:r>
           </a:p>
           <a:p>
-            <a:pPr marL="285750" indent="-285750">
+            <a:pPr indent="-285750" marL="285750">
               <a:buFont typeface="Arial" panose="020B0604020202020204" pitchFamily="34" charset="0"/>
               <a:buChar char="•"/>
             </a:pPr>
             <a:r>
-              <a:rPr lang="ru-RU" sz="2800" dirty="0" smtClean="0"/>
+              <a:rPr dirty="0" sz="2800" lang="ru-RU" smtClean="0"/>
               <a:t>Добавить систему </a:t>
             </a:r>
             <a:r>
-              <a:rPr lang="ru-RU" sz="2800" dirty="0" err="1" smtClean="0"/>
+              <a:rPr dirty="0" sz="2800" lang="ru-RU" err="1" smtClean="0"/>
               <a:t>крафта</a:t>
             </a:r>
             <a:r>
-              <a:rPr lang="ru-RU" sz="2800" dirty="0" smtClean="0"/>
+              <a:rPr dirty="0" sz="2800" lang="ru-RU" smtClean="0"/>
               <a:t>(создания предметов)</a:t>
             </a:r>
           </a:p>
           <a:p>
-            <a:endParaRPr lang="ru-RU" dirty="0" smtClean="0"/>
+            <a:endParaRPr dirty="0" lang="ru-RU" smtClean="0"/>
           </a:p>
         </p:txBody>
       </p:sp>
     </p:spTree>
-    <p:extLst>
-      <p:ext uri="{BB962C8B-B14F-4D97-AF65-F5344CB8AC3E}">
-        <p14:creationId xmlns:p14="http://schemas.microsoft.com/office/powerpoint/2010/main" val="2221642136"/>
-      </p:ext>
-    </p:extLst>
   </p:cSld>
   <p:clrMapOvr>
     <a:masterClrMapping/>
   </p:clrMapOvr>
-  <p:timing>
-    <p:tnLst>
-      <p:par>
-        <p:cTn id="1" dur="indefinite" restart="never" nodeType="tmRoot"/>
-      </p:par>
-    </p:tnLst>
-  </p:timing>
+  <p:timing/>
 </p:sld>
 </file>
 
@@ -7603,7 +7606,7 @@
   <p:cSld>
     <p:spTree>
       <p:nvGrpSpPr>
-        <p:cNvPr id="1" name=""/>
+        <p:cNvPr id="39" name=""/>
         <p:cNvGrpSpPr/>
         <p:nvPr/>
       </p:nvGrpSpPr>
@@ -7617,51 +7620,307 @@
       </p:grpSpPr>
       <p:sp>
         <p:nvSpPr>
-          <p:cNvPr id="2" name="TextBox 1"/>
+          <p:cNvPr id="1048605" name="TextBox 1"/>
           <p:cNvSpPr txBox="1"/>
           <p:nvPr/>
         </p:nvSpPr>
         <p:spPr>
           <a:xfrm>
             <a:off x="3836020" y="178419"/>
-            <a:ext cx="4126451" cy="830997"/>
-          </a:xfrm>
-          <a:prstGeom prst="rect">
-            <a:avLst/>
-          </a:prstGeom>
+            <a:ext cx="3891280" cy="815340"/>
+          </a:xfrm>
+          <a:prstGeom prst="rect"/>
           <a:noFill/>
         </p:spPr>
         <p:txBody>
-          <a:bodyPr wrap="none" rtlCol="0">
+          <a:bodyPr rtlCol="0" wrap="none">
             <a:spAutoFit/>
           </a:bodyPr>
-          <a:lstStyle/>
-          <a:p>
-            <a:r>
-              <a:rPr lang="ru-RU" sz="4800" dirty="0" smtClean="0"/>
+          <a:p>
+            <a:r>
+              <a:rPr dirty="0" sz="4800" lang="ru-RU" smtClean="0"/>
               <a:t>Цель работы</a:t>
             </a:r>
-            <a:endParaRPr lang="ru-RU" sz="4800" dirty="0"/>
-          </a:p>
-        </p:txBody>
-      </p:sp>
+            <a:endParaRPr dirty="0" sz="4800" lang="ru-RU"/>
+          </a:p>
+        </p:txBody>
+      </p:sp>
+      <p:sp>
+        <p:nvSpPr>
+          <p:cNvPr id="1048707" name=""/>
+          <p:cNvSpPr txBox="1"/>
+          <p:nvPr/>
+        </p:nvSpPr>
+        <p:spPr>
+          <a:xfrm>
+            <a:off x="606902" y="1391296"/>
+            <a:ext cx="10978195" cy="2072639"/>
+          </a:xfrm>
+          <a:prstGeom prst="rect"/>
+        </p:spPr>
+        <p:txBody>
+          <a:bodyPr rtlCol="0" wrap="square">
+            <a:spAutoFit/>
+          </a:bodyPr>
+          <a:p>
+            <a:r>
+              <a:rPr sz="4400" lang="ru">
+                <a:solidFill>
+                  <a:srgbClr val="FFFFFF"/>
+                </a:solidFill>
+              </a:rPr>
+              <a:t>Создание</a:t>
+            </a:r>
+            <a:r>
+              <a:rPr altLang="ru" sz="4400" lang="en-US">
+                <a:solidFill>
+                  <a:srgbClr val="FFFFFF"/>
+                </a:solidFill>
+              </a:rPr>
+              <a:t> </a:t>
+            </a:r>
+            <a:r>
+              <a:rPr altLang="ru" sz="4400" lang="ru">
+                <a:solidFill>
+                  <a:srgbClr val="FFFFFF"/>
+                </a:solidFill>
+              </a:rPr>
+              <a:t>игры</a:t>
+            </a:r>
+            <a:r>
+              <a:rPr altLang="ru" sz="4400" lang="en-US">
+                <a:solidFill>
+                  <a:srgbClr val="FFFFFF"/>
+                </a:solidFill>
+              </a:rPr>
+              <a:t> </a:t>
+            </a:r>
+            <a:r>
+              <a:rPr altLang="ru" sz="4400" lang="ru">
+                <a:solidFill>
+                  <a:srgbClr val="FFFFFF"/>
+                </a:solidFill>
+              </a:rPr>
+              <a:t>с</a:t>
+            </a:r>
+            <a:r>
+              <a:rPr altLang="ru" sz="4400" lang="en-US">
+                <a:solidFill>
+                  <a:srgbClr val="FFFFFF"/>
+                </a:solidFill>
+              </a:rPr>
+              <a:t> </a:t>
+            </a:r>
+            <a:r>
+              <a:rPr altLang="ru" sz="4400" lang="ru">
+                <a:solidFill>
+                  <a:srgbClr val="FFFFFF"/>
+                </a:solidFill>
+              </a:rPr>
+              <a:t>использованием</a:t>
+            </a:r>
+            <a:r>
+              <a:rPr altLang="ru" sz="4400" lang="en-US">
+                <a:solidFill>
+                  <a:srgbClr val="FFFFFF"/>
+                </a:solidFill>
+              </a:rPr>
+              <a:t> </a:t>
+            </a:r>
+            <a:r>
+              <a:rPr altLang="ru" sz="4400" lang="ru">
+                <a:solidFill>
+                  <a:srgbClr val="FFFFFF"/>
+                </a:solidFill>
+              </a:rPr>
+              <a:t>языка</a:t>
+            </a:r>
+            <a:r>
+              <a:rPr altLang="ru" sz="4400" lang="en-US">
+                <a:solidFill>
+                  <a:srgbClr val="FFFFFF"/>
+                </a:solidFill>
+              </a:rPr>
+              <a:t> </a:t>
+            </a:r>
+            <a:r>
+              <a:rPr altLang="ru" sz="4400" lang="ru">
+                <a:solidFill>
+                  <a:srgbClr val="FFFFFF"/>
+                </a:solidFill>
+              </a:rPr>
+              <a:t>программирования</a:t>
+            </a:r>
+            <a:r>
+              <a:rPr altLang="ru" sz="4400" lang="en-US">
+                <a:solidFill>
+                  <a:srgbClr val="FFFFFF"/>
+                </a:solidFill>
+              </a:rPr>
+              <a:t> </a:t>
+            </a:r>
+            <a:r>
+              <a:rPr altLang="ru" sz="4400" lang="en-US">
+                <a:solidFill>
+                  <a:srgbClr val="FFFFFF"/>
+                </a:solidFill>
+              </a:rPr>
+              <a:t>python</a:t>
+            </a:r>
+            <a:r>
+              <a:rPr altLang="ru" sz="4400" lang="en-US">
+                <a:solidFill>
+                  <a:srgbClr val="FFFFFF"/>
+                </a:solidFill>
+              </a:rPr>
+              <a:t> </a:t>
+            </a:r>
+            <a:r>
+              <a:rPr altLang="ru" sz="4400" lang="ru">
+                <a:solidFill>
+                  <a:srgbClr val="FFFFFF"/>
+                </a:solidFill>
+              </a:rPr>
+              <a:t>и</a:t>
+            </a:r>
+            <a:r>
+              <a:rPr altLang="ru" sz="4400" lang="en-US">
+                <a:solidFill>
+                  <a:srgbClr val="FFFFFF"/>
+                </a:solidFill>
+              </a:rPr>
+              <a:t> </a:t>
+            </a:r>
+            <a:r>
+              <a:rPr altLang="ru" sz="4400" lang="ru">
+                <a:solidFill>
+                  <a:srgbClr val="FFFFFF"/>
+                </a:solidFill>
+              </a:rPr>
+              <a:t>библиотеки</a:t>
+            </a:r>
+            <a:r>
+              <a:rPr altLang="ru" sz="4400" lang="en-US">
+                <a:solidFill>
+                  <a:srgbClr val="FFFFFF"/>
+                </a:solidFill>
+              </a:rPr>
+              <a:t> </a:t>
+            </a:r>
+            <a:r>
+              <a:rPr altLang="ru" sz="4400" lang="en-US">
+                <a:solidFill>
+                  <a:srgbClr val="FFFFFF"/>
+                </a:solidFill>
+              </a:rPr>
+              <a:t>P</a:t>
+            </a:r>
+            <a:r>
+              <a:rPr altLang="ru" sz="4400" lang="en-US">
+                <a:solidFill>
+                  <a:srgbClr val="FFFFFF"/>
+                </a:solidFill>
+              </a:rPr>
+              <a:t>y</a:t>
+            </a:r>
+            <a:r>
+              <a:rPr altLang="ru" sz="4400" lang="en-US">
+                <a:solidFill>
+                  <a:srgbClr val="FFFFFF"/>
+                </a:solidFill>
+              </a:rPr>
+              <a:t>g</a:t>
+            </a:r>
+            <a:r>
+              <a:rPr altLang="ru" sz="4400" lang="en-US">
+                <a:solidFill>
+                  <a:srgbClr val="FFFFFF"/>
+                </a:solidFill>
+              </a:rPr>
+              <a:t>a</a:t>
+            </a:r>
+            <a:r>
+              <a:rPr altLang="ru" sz="4400" lang="en-US">
+                <a:solidFill>
+                  <a:srgbClr val="FFFFFF"/>
+                </a:solidFill>
+              </a:rPr>
+              <a:t>m</a:t>
+            </a:r>
+            <a:r>
+              <a:rPr altLang="ru" sz="4400" lang="en-US">
+                <a:solidFill>
+                  <a:srgbClr val="FFFFFF"/>
+                </a:solidFill>
+              </a:rPr>
+              <a:t>e</a:t>
+            </a:r>
+            <a:r>
+              <a:rPr altLang="ru" sz="4400" lang="en-US">
+                <a:solidFill>
+                  <a:srgbClr val="FFFFFF"/>
+                </a:solidFill>
+              </a:rPr>
+              <a:t> </a:t>
+            </a:r>
+            <a:endParaRPr sz="4400" lang="ru-RU">
+              <a:solidFill>
+                <a:srgbClr val="000000"/>
+              </a:solidFill>
+            </a:endParaRPr>
+          </a:p>
+        </p:txBody>
+      </p:sp>
+      <p:pic>
+        <p:nvPicPr>
+          <p:cNvPr id="2097165" name=""/>
+          <p:cNvPicPr>
+            <a:picLocks/>
+          </p:cNvPicPr>
+          <p:nvPr/>
+        </p:nvPicPr>
+        <p:blipFill>
+          <a:blip xmlns:r="http://schemas.openxmlformats.org/officeDocument/2006/relationships" r:embed="rId1"/>
+          <a:stretch>
+            <a:fillRect/>
+          </a:stretch>
+        </p:blipFill>
+        <p:spPr>
+          <a:xfrm rot="0">
+            <a:off x="1085812" y="3463935"/>
+            <a:ext cx="3410921" cy="2877969"/>
+          </a:xfrm>
+          <a:prstGeom prst="rect"/>
+        </p:spPr>
+      </p:pic>
+      <p:pic>
+        <p:nvPicPr>
+          <p:cNvPr id="2097166" name=""/>
+          <p:cNvPicPr>
+            <a:picLocks/>
+          </p:cNvPicPr>
+          <p:nvPr/>
+        </p:nvPicPr>
+        <p:blipFill>
+          <a:blip xmlns:r="http://schemas.openxmlformats.org/officeDocument/2006/relationships" r:embed="rId2"/>
+          <a:stretch>
+            <a:fillRect/>
+          </a:stretch>
+        </p:blipFill>
+        <p:spPr>
+          <a:xfrm rot="0">
+            <a:off x="4496733" y="3674004"/>
+            <a:ext cx="7450686" cy="2457831"/>
+          </a:xfrm>
+          <a:prstGeom prst="rect"/>
+        </p:spPr>
+      </p:pic>
     </p:spTree>
-    <p:extLst>
-      <p:ext uri="{BB962C8B-B14F-4D97-AF65-F5344CB8AC3E}">
-        <p14:creationId xmlns:p14="http://schemas.microsoft.com/office/powerpoint/2010/main" val="154966462"/>
-      </p:ext>
-    </p:extLst>
   </p:cSld>
   <p:clrMapOvr>
     <a:masterClrMapping/>
   </p:clrMapOvr>
-  <p:timing>
-    <p:tnLst>
-      <p:par>
-        <p:cTn id="1" dur="indefinite" restart="never" nodeType="tmRoot"/>
-      </p:par>
-    </p:tnLst>
-  </p:timing>
+  <p:timing/>
 </p:sld>
 </file>
 
@@ -7670,10 +7929,10 @@
   <a:themeElements>
     <a:clrScheme name="Сетка">
       <a:dk1>
-        <a:sysClr val="windowText" lastClr="000000"/>
+        <a:sysClr lastClr="000000" val="windowText"/>
       </a:dk1>
       <a:lt1>
-        <a:sysClr val="window" lastClr="FFFFFF"/>
+        <a:sysClr lastClr="FFFFFF" val="window"/>
       </a:lt1>
       <a:dk2>
         <a:srgbClr val="363D46"/>
@@ -7843,7 +8102,7 @@
         </a:effectStyle>
         <a:effectStyle>
           <a:effectLst>
-            <a:innerShdw blurRad="50800" dist="25400" dir="13500000">
+            <a:innerShdw blurRad="50800" dir="13500000" dist="25400">
               <a:srgbClr val="000000">
                 <a:alpha val="55000"/>
               </a:srgbClr>
@@ -7852,7 +8111,7 @@
         </a:effectStyle>
         <a:effectStyle>
           <a:effectLst>
-            <a:outerShdw blurRad="50800" dist="38100" dir="5400000" rotWithShape="0">
+            <a:outerShdw blurRad="50800" dir="5400000" dist="38100" rotWithShape="0">
               <a:srgbClr val="000000">
                 <a:alpha val="60000"/>
               </a:srgbClr>
@@ -7862,7 +8121,7 @@
             <a:camera prst="orthographicFront">
               <a:rot lat="0" lon="0" rev="0"/>
             </a:camera>
-            <a:lightRig rig="threePt" dir="tl"/>
+            <a:lightRig dir="tl" rig="threePt"/>
           </a:scene3d>
           <a:sp3d>
             <a:bevelT w="25400" h="25400" prst="slope"/>
@@ -7906,17 +8165,266 @@
               </a:schemeClr>
             </a:duotone>
           </a:blip>
-          <a:stretch/>
+          <a:stretch>
+            <a:fillRect/>
+          </a:stretch>
         </a:blipFill>
       </a:bgFillStyleLst>
     </a:fmtScheme>
   </a:themeElements>
-  <a:objectDefaults/>
-  <a:extraClrSchemeLst/>
-  <a:extLst>
-    <a:ext uri="{05A4C25C-085E-4340-85A3-A5531E510DB2}">
-      <thm15:themeFamily xmlns:thm15="http://schemas.microsoft.com/office/thememl/2012/main" name="Mesh" id="{789EC3FE-34FD-429C-9918-760025E6C145}" vid="{B8BE45C0-8141-4D58-8C71-A009BC26FBBB}"/>
-    </a:ext>
-  </a:extLst>
+</a:theme>
+</file>
+
+<file path=ppt/theme/theme2.xml><?xml version="1.0" encoding="utf-8"?>
+<a:theme xmlns:a="http://schemas.openxmlformats.org/drawingml/2006/main" name="Office 主题">
+  <a:themeElements>
+    <a:clrScheme name="Office">
+      <a:dk1>
+        <a:sysClr lastClr="000000" val="windowText"/>
+      </a:dk1>
+      <a:lt1>
+        <a:sysClr lastClr="FFFFFF" val="window"/>
+      </a:lt1>
+      <a:dk2>
+        <a:srgbClr val="44546A"/>
+      </a:dk2>
+      <a:lt2>
+        <a:srgbClr val="E7E6E6"/>
+      </a:lt2>
+      <a:accent1>
+        <a:srgbClr val="5B9BD5"/>
+      </a:accent1>
+      <a:accent2>
+        <a:srgbClr val="ED7D31"/>
+      </a:accent2>
+      <a:accent3>
+        <a:srgbClr val="A5A5A5"/>
+      </a:accent3>
+      <a:accent4>
+        <a:srgbClr val="FFC000"/>
+      </a:accent4>
+      <a:accent5>
+        <a:srgbClr val="4472C4"/>
+      </a:accent5>
+      <a:accent6>
+        <a:srgbClr val="70AD47"/>
+      </a:accent6>
+      <a:hlink>
+        <a:srgbClr val="0563C1"/>
+      </a:hlink>
+      <a:folHlink>
+        <a:srgbClr val="954F72"/>
+      </a:folHlink>
+    </a:clrScheme>
+    <a:fontScheme name="Office">
+      <a:majorFont>
+        <a:latin typeface="Calibri Light" panose="020F0302020204030204"/>
+        <a:ea typeface=""/>
+        <a:cs typeface=""/>
+        <a:font script="Jpan" typeface="ＭＳ Ｐゴシック"/>
+        <a:font script="Hang" typeface="맑은 고딕"/>
+        <a:font script="Hans" typeface="宋体"/>
+        <a:font script="Hant" typeface="新細明體"/>
+        <a:font script="Arab" typeface="Times New Roman"/>
+        <a:font script="Hebr" typeface="Times New Roman"/>
+        <a:font script="Thai" typeface="Angsana New"/>
+        <a:font script="Ethi" typeface="Nyala"/>
+        <a:font script="Beng" typeface="Vrinda"/>
+        <a:font script="Gujr" typeface="Shruti"/>
+        <a:font script="Khmr" typeface="MoolBoran"/>
+        <a:font script="Knda" typeface="Tunga"/>
+        <a:font script="Guru" typeface="Raavi"/>
+        <a:font script="Cans" typeface="Euphemia"/>
+        <a:font script="Cher" typeface="Plantagenet Cherokee"/>
+        <a:font script="Yiii" typeface="Microsoft Yi Baiti"/>
+        <a:font script="Tibt" typeface="Microsoft Himalaya"/>
+        <a:font script="Thaa" typeface="MV Boli"/>
+        <a:font script="Deva" typeface="Mangal"/>
+        <a:font script="Telu" typeface="Gautami"/>
+        <a:font script="Taml" typeface="Latha"/>
+        <a:font script="Syrc" typeface="Estrangelo Edessa"/>
+        <a:font script="Orya" typeface="Kalinga"/>
+        <a:font script="Mlym" typeface="Kartika"/>
+        <a:font script="Laoo" typeface="DokChampa"/>
+        <a:font script="Sinh" typeface="Iskoola Pota"/>
+        <a:font script="Mong" typeface="Mongolian Baiti"/>
+        <a:font script="Viet" typeface="Times New Roman"/>
+        <a:font script="Uigh" typeface="Microsoft Uighur"/>
+        <a:font script="Geor" typeface="Sylfaen"/>
+      </a:majorFont>
+      <a:minorFont>
+        <a:latin typeface="Calibri" panose="020F0502020204030204"/>
+        <a:ea typeface=""/>
+        <a:cs typeface=""/>
+        <a:font script="Jpan" typeface="ＭＳ Ｐゴシック"/>
+        <a:font script="Hang" typeface="맑은 고딕"/>
+        <a:font script="Hans" typeface="宋体"/>
+        <a:font script="Hant" typeface="新細明體"/>
+        <a:font script="Arab" typeface="Arial"/>
+        <a:font script="Hebr" typeface="Arial"/>
+        <a:font script="Thai" typeface="Cordia New"/>
+        <a:font script="Ethi" typeface="Nyala"/>
+        <a:font script="Beng" typeface="Vrinda"/>
+        <a:font script="Gujr" typeface="Shruti"/>
+        <a:font script="Khmr" typeface="DaunPenh"/>
+        <a:font script="Knda" typeface="Tunga"/>
+        <a:font script="Guru" typeface="Raavi"/>
+        <a:font script="Cans" typeface="Euphemia"/>
+        <a:font script="Cher" typeface="Plantagenet Cherokee"/>
+        <a:font script="Yiii" typeface="Microsoft Yi Baiti"/>
+        <a:font script="Tibt" typeface="Microsoft Himalaya"/>
+        <a:font script="Thaa" typeface="MV Boli"/>
+        <a:font script="Deva" typeface="Mangal"/>
+        <a:font script="Telu" typeface="Gautami"/>
+        <a:font script="Taml" typeface="Latha"/>
+        <a:font script="Syrc" typeface="Estrangelo Edessa"/>
+        <a:font script="Orya" typeface="Kalinga"/>
+        <a:font script="Mlym" typeface="Kartika"/>
+        <a:font script="Laoo" typeface="DokChampa"/>
+        <a:font script="Sinh" typeface="Iskoola Pota"/>
+        <a:font script="Mong" typeface="Mongolian Baiti"/>
+        <a:font script="Viet" typeface="Arial"/>
+        <a:font script="Uigh" typeface="Microsoft Uighur"/>
+        <a:font script="Geor" typeface="Sylfaen"/>
+      </a:minorFont>
+    </a:fontScheme>
+    <a:fmtScheme name="Office">
+      <a:fillStyleLst>
+        <a:solidFill>
+          <a:schemeClr val="phClr"/>
+        </a:solidFill>
+        <a:gradFill rotWithShape="1">
+          <a:gsLst>
+            <a:gs pos="0">
+              <a:schemeClr val="phClr">
+                <a:lumMod val="110000"/>
+                <a:satMod val="105000"/>
+                <a:tint val="67000"/>
+              </a:schemeClr>
+            </a:gs>
+            <a:gs pos="50000">
+              <a:schemeClr val="phClr">
+                <a:lumMod val="105000"/>
+                <a:satMod val="103000"/>
+                <a:tint val="73000"/>
+              </a:schemeClr>
+            </a:gs>
+            <a:gs pos="100000">
+              <a:schemeClr val="phClr">
+                <a:lumMod val="105000"/>
+                <a:satMod val="109000"/>
+                <a:tint val="81000"/>
+              </a:schemeClr>
+            </a:gs>
+          </a:gsLst>
+          <a:lin ang="5400000" scaled="0"/>
+        </a:gradFill>
+        <a:gradFill rotWithShape="1">
+          <a:gsLst>
+            <a:gs pos="0">
+              <a:schemeClr val="phClr">
+                <a:satMod val="103000"/>
+                <a:lumMod val="102000"/>
+                <a:tint val="94000"/>
+              </a:schemeClr>
+            </a:gs>
+            <a:gs pos="50000">
+              <a:schemeClr val="phClr">
+                <a:satMod val="110000"/>
+                <a:lumMod val="100000"/>
+                <a:shade val="100000"/>
+              </a:schemeClr>
+            </a:gs>
+            <a:gs pos="100000">
+              <a:schemeClr val="phClr">
+                <a:lumMod val="99000"/>
+                <a:satMod val="120000"/>
+                <a:shade val="78000"/>
+              </a:schemeClr>
+            </a:gs>
+          </a:gsLst>
+          <a:lin ang="5400000" scaled="0"/>
+        </a:gradFill>
+      </a:fillStyleLst>
+      <a:lnStyleLst>
+        <a:ln w="6350" cap="flat" cmpd="sng" algn="ctr">
+          <a:solidFill>
+            <a:schemeClr val="phClr"/>
+          </a:solidFill>
+          <a:prstDash val="solid"/>
+          <a:miter lim="800000"/>
+        </a:ln>
+        <a:ln w="12700" cap="flat" cmpd="sng" algn="ctr">
+          <a:solidFill>
+            <a:schemeClr val="phClr"/>
+          </a:solidFill>
+          <a:prstDash val="solid"/>
+          <a:miter lim="800000"/>
+        </a:ln>
+        <a:ln w="19050" cap="flat" cmpd="sng" algn="ctr">
+          <a:solidFill>
+            <a:schemeClr val="phClr"/>
+          </a:solidFill>
+          <a:prstDash val="solid"/>
+          <a:miter lim="800000"/>
+        </a:ln>
+      </a:lnStyleLst>
+      <a:effectStyleLst>
+        <a:effectStyle>
+          <a:effectLst/>
+        </a:effectStyle>
+        <a:effectStyle>
+          <a:effectLst/>
+        </a:effectStyle>
+        <a:effectStyle>
+          <a:effectLst>
+            <a:outerShdw algn="ctr" blurRad="57150" dir="5400000" dist="19050" rotWithShape="0">
+              <a:srgbClr val="000000">
+                <a:alpha val="63000"/>
+              </a:srgbClr>
+            </a:outerShdw>
+          </a:effectLst>
+        </a:effectStyle>
+      </a:effectStyleLst>
+      <a:bgFillStyleLst>
+        <a:solidFill>
+          <a:schemeClr val="phClr"/>
+        </a:solidFill>
+        <a:solidFill>
+          <a:schemeClr val="phClr">
+            <a:tint val="95000"/>
+            <a:satMod val="170000"/>
+          </a:schemeClr>
+        </a:solidFill>
+        <a:gradFill rotWithShape="1">
+          <a:gsLst>
+            <a:gs pos="0">
+              <a:schemeClr val="phClr">
+                <a:tint val="93000"/>
+                <a:satMod val="150000"/>
+                <a:shade val="98000"/>
+                <a:lumMod val="102000"/>
+              </a:schemeClr>
+            </a:gs>
+            <a:gs pos="50000">
+              <a:schemeClr val="phClr">
+                <a:tint val="98000"/>
+                <a:satMod val="130000"/>
+                <a:shade val="90000"/>
+                <a:lumMod val="103000"/>
+              </a:schemeClr>
+            </a:gs>
+            <a:gs pos="100000">
+              <a:schemeClr val="phClr">
+                <a:shade val="63000"/>
+                <a:satMod val="120000"/>
+              </a:schemeClr>
+            </a:gs>
+          </a:gsLst>
+          <a:lin ang="5400000" scaled="0"/>
+        </a:gradFill>
+      </a:bgFillStyleLst>
+    </a:fmtScheme>
+  </a:themeElements>
 </a:theme>
 </file>